--- a/applications/InverseHeatTransfer/sem27/finite_difference_scheme.pptx
+++ b/applications/InverseHeatTransfer/sem27/finite_difference_scheme.pptx
@@ -7,11 +7,9 @@
   <p:sldIdLst>
     <p:sldId id="256" r:id="rId2"/>
     <p:sldId id="257" r:id="rId3"/>
-    <p:sldId id="258" r:id="rId4"/>
-    <p:sldId id="262" r:id="rId5"/>
-    <p:sldId id="260" r:id="rId6"/>
-    <p:sldId id="261" r:id="rId7"/>
-    <p:sldId id="259" r:id="rId8"/>
+    <p:sldId id="260" r:id="rId4"/>
+    <p:sldId id="258" r:id="rId5"/>
+    <p:sldId id="262" r:id="rId6"/>
   </p:sldIdLst>
   <p:sldSz cx="9144000" cy="6858000" type="screen4x3"/>
   <p:notesSz cx="6858000" cy="9144000"/>
@@ -3852,9 +3850,7 @@
           <a:prstGeom prst="ellipse">
             <a:avLst/>
           </a:prstGeom>
-          <a:solidFill>
-            <a:srgbClr val="FF0000"/>
-          </a:solidFill>
+          <a:noFill/>
           <a:ln>
             <a:solidFill>
               <a:schemeClr val="tx1"/>
@@ -3900,9 +3896,14 @@
           <a:prstGeom prst="ellipse">
             <a:avLst/>
           </a:prstGeom>
-          <a:solidFill>
-            <a:srgbClr val="00B050"/>
-          </a:solidFill>
+          <a:pattFill prst="wdDnDiag">
+            <a:fgClr>
+              <a:srgbClr val="00B050"/>
+            </a:fgClr>
+            <a:bgClr>
+              <a:srgbClr val="FF0000"/>
+            </a:bgClr>
+          </a:pattFill>
           <a:ln>
             <a:solidFill>
               <a:schemeClr val="tx1"/>
@@ -3994,14 +3995,9 @@
           <a:prstGeom prst="ellipse">
             <a:avLst/>
           </a:prstGeom>
-          <a:pattFill prst="wdDnDiag">
-            <a:fgClr>
-              <a:srgbClr val="FF0000"/>
-            </a:fgClr>
-            <a:bgClr>
-              <a:schemeClr val="accent1"/>
-            </a:bgClr>
-          </a:pattFill>
+          <a:solidFill>
+            <a:srgbClr val="0070C0"/>
+          </a:solidFill>
           <a:ln>
             <a:solidFill>
               <a:schemeClr val="tx1"/>
@@ -4146,9 +4142,7 @@
           <a:prstGeom prst="ellipse">
             <a:avLst/>
           </a:prstGeom>
-          <a:solidFill>
-            <a:srgbClr val="FF0000"/>
-          </a:solidFill>
+          <a:noFill/>
           <a:ln>
             <a:solidFill>
               <a:schemeClr val="tx1"/>
@@ -4194,9 +4188,14 @@
           <a:prstGeom prst="ellipse">
             <a:avLst/>
           </a:prstGeom>
-          <a:solidFill>
-            <a:srgbClr val="00B050"/>
-          </a:solidFill>
+          <a:pattFill prst="wdDnDiag">
+            <a:fgClr>
+              <a:srgbClr val="00B050"/>
+            </a:fgClr>
+            <a:bgClr>
+              <a:srgbClr val="FF0000"/>
+            </a:bgClr>
+          </a:pattFill>
           <a:ln>
             <a:solidFill>
               <a:schemeClr val="tx1"/>
@@ -4456,14 +4455,14 @@
       </p:sp>
       <p:sp>
         <p:nvSpPr>
-          <p:cNvPr id="2" name="TextBox 1"/>
+          <p:cNvPr id="29" name="TextBox 28"/>
           <p:cNvSpPr txBox="1"/>
           <p:nvPr/>
         </p:nvSpPr>
         <p:spPr>
           <a:xfrm>
-            <a:off x="2365133" y="692696"/>
-            <a:ext cx="4104432" cy="1569660"/>
+            <a:off x="2483792" y="764704"/>
+            <a:ext cx="3586879" cy="1569660"/>
           </a:xfrm>
           <a:prstGeom prst="rect">
             <a:avLst/>
@@ -4484,7 +4483,7 @@
           <a:p>
             <a:r>
               <a:rPr lang="en-US" sz="3200" dirty="0" smtClean="0"/>
-              <a:t>SO – IMPLICIT</a:t>
+              <a:t>SO – EXPLICIT</a:t>
             </a:r>
           </a:p>
           <a:p>
@@ -4499,7 +4498,7 @@
     </p:spTree>
     <p:extLst>
       <p:ext uri="{BB962C8B-B14F-4D97-AF65-F5344CB8AC3E}">
-        <p14:creationId xmlns:p14="http://schemas.microsoft.com/office/powerpoint/2010/main" val="519592486"/>
+        <p14:creationId xmlns:p14="http://schemas.microsoft.com/office/powerpoint/2010/main" val="2034181841"/>
       </p:ext>
     </p:extLst>
   </p:cSld>
@@ -4588,14 +4587,9 @@
           <a:prstGeom prst="ellipse">
             <a:avLst/>
           </a:prstGeom>
-          <a:pattFill prst="wdDnDiag">
-            <a:fgClr>
-              <a:srgbClr val="FF0000"/>
-            </a:fgClr>
-            <a:bgClr>
-              <a:srgbClr val="00B050"/>
-            </a:bgClr>
-          </a:pattFill>
+          <a:solidFill>
+            <a:srgbClr val="00B050"/>
+          </a:solidFill>
           <a:ln>
             <a:solidFill>
               <a:schemeClr val="tx1"/>
@@ -4887,14 +4881,9 @@
           <a:prstGeom prst="ellipse">
             <a:avLst/>
           </a:prstGeom>
-          <a:pattFill prst="wdDnDiag">
-            <a:fgClr>
-              <a:srgbClr val="FF0000"/>
-            </a:fgClr>
-            <a:bgClr>
-              <a:srgbClr val="00B050"/>
-            </a:bgClr>
-          </a:pattFill>
+          <a:solidFill>
+            <a:srgbClr val="00B050"/>
+          </a:solidFill>
           <a:ln>
             <a:solidFill>
               <a:schemeClr val="tx1"/>
@@ -5182,7 +5171,7 @@
           <a:p>
             <a:r>
               <a:rPr lang="en-US" sz="3200" dirty="0" smtClean="0"/>
-              <a:t>SO – CLARK-NICOLSON</a:t>
+              <a:t>SO – IMPLICIT</a:t>
             </a:r>
           </a:p>
           <a:p>
@@ -5197,7 +5186,7 @@
     </p:spTree>
     <p:extLst>
       <p:ext uri="{BB962C8B-B14F-4D97-AF65-F5344CB8AC3E}">
-        <p14:creationId xmlns:p14="http://schemas.microsoft.com/office/powerpoint/2010/main" val="2373186575"/>
+        <p14:creationId xmlns:p14="http://schemas.microsoft.com/office/powerpoint/2010/main" val="519592486"/>
       </p:ext>
     </p:extLst>
   </p:cSld>
@@ -5238,7 +5227,9 @@
           <a:prstGeom prst="ellipse">
             <a:avLst/>
           </a:prstGeom>
-          <a:noFill/>
+          <a:solidFill>
+            <a:srgbClr val="FF0000"/>
+          </a:solidFill>
           <a:ln>
             <a:solidFill>
               <a:schemeClr val="tx1"/>
@@ -5286,10 +5277,10 @@
           </a:prstGeom>
           <a:pattFill prst="wdDnDiag">
             <a:fgClr>
-              <a:srgbClr val="00B050"/>
+              <a:srgbClr val="FF0000"/>
             </a:fgClr>
             <a:bgClr>
-              <a:srgbClr val="FF0000"/>
+              <a:srgbClr val="00B050"/>
             </a:bgClr>
           </a:pattFill>
           <a:ln>
@@ -5383,9 +5374,14 @@
           <a:prstGeom prst="ellipse">
             <a:avLst/>
           </a:prstGeom>
-          <a:solidFill>
-            <a:srgbClr val="0070C0"/>
-          </a:solidFill>
+          <a:pattFill prst="wdDnDiag">
+            <a:fgClr>
+              <a:srgbClr val="FF0000"/>
+            </a:fgClr>
+            <a:bgClr>
+              <a:schemeClr val="accent1"/>
+            </a:bgClr>
+          </a:pattFill>
           <a:ln>
             <a:solidFill>
               <a:schemeClr val="tx1"/>
@@ -5530,7 +5526,9 @@
           <a:prstGeom prst="ellipse">
             <a:avLst/>
           </a:prstGeom>
-          <a:noFill/>
+          <a:solidFill>
+            <a:srgbClr val="FF0000"/>
+          </a:solidFill>
           <a:ln>
             <a:solidFill>
               <a:schemeClr val="tx1"/>
@@ -5578,10 +5576,10 @@
           </a:prstGeom>
           <a:pattFill prst="wdDnDiag">
             <a:fgClr>
-              <a:srgbClr val="00B050"/>
+              <a:srgbClr val="FF0000"/>
             </a:fgClr>
             <a:bgClr>
-              <a:srgbClr val="FF0000"/>
+              <a:srgbClr val="00B050"/>
             </a:bgClr>
           </a:pattFill>
           <a:ln>
@@ -5843,14 +5841,14 @@
       </p:sp>
       <p:sp>
         <p:nvSpPr>
-          <p:cNvPr id="29" name="TextBox 28"/>
+          <p:cNvPr id="2" name="TextBox 1"/>
           <p:cNvSpPr txBox="1"/>
           <p:nvPr/>
         </p:nvSpPr>
         <p:spPr>
           <a:xfrm>
-            <a:off x="2483792" y="764704"/>
-            <a:ext cx="3586879" cy="1569660"/>
+            <a:off x="2365133" y="692696"/>
+            <a:ext cx="4104432" cy="1569660"/>
           </a:xfrm>
           <a:prstGeom prst="rect">
             <a:avLst/>
@@ -5871,7 +5869,7 @@
           <a:p>
             <a:r>
               <a:rPr lang="en-US" sz="3200" dirty="0" smtClean="0"/>
-              <a:t>SO – EXPLICIT</a:t>
+              <a:t>SO – CLARK-NICOLSON</a:t>
             </a:r>
           </a:p>
           <a:p>
@@ -5886,1365 +5884,7 @@
     </p:spTree>
     <p:extLst>
       <p:ext uri="{BB962C8B-B14F-4D97-AF65-F5344CB8AC3E}">
-        <p14:creationId xmlns:p14="http://schemas.microsoft.com/office/powerpoint/2010/main" val="2034181841"/>
-      </p:ext>
-    </p:extLst>
-  </p:cSld>
-  <p:clrMapOvr>
-    <a:masterClrMapping/>
-  </p:clrMapOvr>
-</p:sld>
-</file>
-
-<file path=ppt/slides/slide6.xml><?xml version="1.0" encoding="utf-8"?>
-<p:sld xmlns:a="http://schemas.openxmlformats.org/drawingml/2006/main" xmlns:r="http://schemas.openxmlformats.org/officeDocument/2006/relationships" xmlns:p="http://schemas.openxmlformats.org/presentationml/2006/main">
-  <p:cSld>
-    <p:spTree>
-      <p:nvGrpSpPr>
-        <p:cNvPr id="1" name=""/>
-        <p:cNvGrpSpPr/>
-        <p:nvPr/>
-      </p:nvGrpSpPr>
-      <p:grpSpPr>
-        <a:xfrm>
-          <a:off x="0" y="0"/>
-          <a:ext cx="0" cy="0"/>
-          <a:chOff x="0" y="0"/>
-          <a:chExt cx="0" cy="0"/>
-        </a:xfrm>
-      </p:grpSpPr>
-      <p:sp>
-        <p:nvSpPr>
-          <p:cNvPr id="4" name="Oval 3"/>
-          <p:cNvSpPr/>
-          <p:nvPr/>
-        </p:nvSpPr>
-        <p:spPr>
-          <a:xfrm>
-            <a:off x="2483792" y="2570056"/>
-            <a:ext cx="288032" cy="288032"/>
-          </a:xfrm>
-          <a:prstGeom prst="ellipse">
-            <a:avLst/>
-          </a:prstGeom>
-          <a:noFill/>
-          <a:ln>
-            <a:solidFill>
-              <a:schemeClr val="tx1"/>
-            </a:solidFill>
-          </a:ln>
-        </p:spPr>
-        <p:style>
-          <a:lnRef idx="2">
-            <a:schemeClr val="accent1">
-              <a:shade val="50000"/>
-            </a:schemeClr>
-          </a:lnRef>
-          <a:fillRef idx="1">
-            <a:schemeClr val="accent1"/>
-          </a:fillRef>
-          <a:effectRef idx="0">
-            <a:schemeClr val="accent1"/>
-          </a:effectRef>
-          <a:fontRef idx="minor">
-            <a:schemeClr val="lt1"/>
-          </a:fontRef>
-        </p:style>
-        <p:txBody>
-          <a:bodyPr rtlCol="0" anchor="ctr"/>
-          <a:lstStyle/>
-          <a:p>
-            <a:pPr algn="ctr"/>
-            <a:endParaRPr lang="en-US"/>
-          </a:p>
-        </p:txBody>
-      </p:sp>
-      <p:sp>
-        <p:nvSpPr>
-          <p:cNvPr id="7" name="Oval 6"/>
-          <p:cNvSpPr/>
-          <p:nvPr/>
-        </p:nvSpPr>
-        <p:spPr>
-          <a:xfrm>
-            <a:off x="2483792" y="3255648"/>
-            <a:ext cx="288032" cy="288032"/>
-          </a:xfrm>
-          <a:prstGeom prst="ellipse">
-            <a:avLst/>
-          </a:prstGeom>
-          <a:pattFill prst="wdDnDiag">
-            <a:fgClr>
-              <a:srgbClr val="00B050"/>
-            </a:fgClr>
-            <a:bgClr>
-              <a:srgbClr val="FF0000"/>
-            </a:bgClr>
-          </a:pattFill>
-          <a:ln>
-            <a:solidFill>
-              <a:schemeClr val="tx1"/>
-            </a:solidFill>
-          </a:ln>
-        </p:spPr>
-        <p:style>
-          <a:lnRef idx="2">
-            <a:schemeClr val="accent1">
-              <a:shade val="50000"/>
-            </a:schemeClr>
-          </a:lnRef>
-          <a:fillRef idx="1">
-            <a:schemeClr val="accent1"/>
-          </a:fillRef>
-          <a:effectRef idx="0">
-            <a:schemeClr val="accent1"/>
-          </a:effectRef>
-          <a:fontRef idx="minor">
-            <a:schemeClr val="lt1"/>
-          </a:fontRef>
-        </p:style>
-        <p:txBody>
-          <a:bodyPr rtlCol="0" anchor="ctr"/>
-          <a:lstStyle/>
-          <a:p>
-            <a:pPr algn="ctr"/>
-            <a:endParaRPr lang="en-US"/>
-          </a:p>
-        </p:txBody>
-      </p:sp>
-      <p:sp>
-        <p:nvSpPr>
-          <p:cNvPr id="10" name="Oval 9"/>
-          <p:cNvSpPr/>
-          <p:nvPr/>
-        </p:nvSpPr>
-        <p:spPr>
-          <a:xfrm>
-            <a:off x="2483792" y="3941240"/>
-            <a:ext cx="288032" cy="288032"/>
-          </a:xfrm>
-          <a:prstGeom prst="ellipse">
-            <a:avLst/>
-          </a:prstGeom>
-          <a:noFill/>
-          <a:ln>
-            <a:solidFill>
-              <a:schemeClr val="tx1"/>
-            </a:solidFill>
-          </a:ln>
-        </p:spPr>
-        <p:style>
-          <a:lnRef idx="2">
-            <a:schemeClr val="accent1">
-              <a:shade val="50000"/>
-            </a:schemeClr>
-          </a:lnRef>
-          <a:fillRef idx="1">
-            <a:schemeClr val="accent1"/>
-          </a:fillRef>
-          <a:effectRef idx="0">
-            <a:schemeClr val="accent1"/>
-          </a:effectRef>
-          <a:fontRef idx="minor">
-            <a:schemeClr val="lt1"/>
-          </a:fontRef>
-        </p:style>
-        <p:txBody>
-          <a:bodyPr rtlCol="0" anchor="ctr"/>
-          <a:lstStyle/>
-          <a:p>
-            <a:pPr algn="ctr"/>
-            <a:endParaRPr lang="en-US"/>
-          </a:p>
-        </p:txBody>
-      </p:sp>
-      <p:sp>
-        <p:nvSpPr>
-          <p:cNvPr id="16" name="Oval 15"/>
-          <p:cNvSpPr/>
-          <p:nvPr/>
-        </p:nvSpPr>
-        <p:spPr>
-          <a:xfrm>
-            <a:off x="3275868" y="2570056"/>
-            <a:ext cx="288032" cy="288032"/>
-          </a:xfrm>
-          <a:prstGeom prst="ellipse">
-            <a:avLst/>
-          </a:prstGeom>
-          <a:solidFill>
-            <a:srgbClr val="0070C0"/>
-          </a:solidFill>
-          <a:ln>
-            <a:solidFill>
-              <a:schemeClr val="tx1"/>
-            </a:solidFill>
-          </a:ln>
-        </p:spPr>
-        <p:style>
-          <a:lnRef idx="2">
-            <a:schemeClr val="accent1">
-              <a:shade val="50000"/>
-            </a:schemeClr>
-          </a:lnRef>
-          <a:fillRef idx="1">
-            <a:schemeClr val="accent1"/>
-          </a:fillRef>
-          <a:effectRef idx="0">
-            <a:schemeClr val="accent1"/>
-          </a:effectRef>
-          <a:fontRef idx="minor">
-            <a:schemeClr val="lt1"/>
-          </a:fontRef>
-        </p:style>
-        <p:txBody>
-          <a:bodyPr rtlCol="0" anchor="ctr"/>
-          <a:lstStyle/>
-          <a:p>
-            <a:pPr algn="ctr"/>
-            <a:endParaRPr lang="en-US"/>
-          </a:p>
-        </p:txBody>
-      </p:sp>
-      <p:sp>
-        <p:nvSpPr>
-          <p:cNvPr id="17" name="Oval 16"/>
-          <p:cNvSpPr/>
-          <p:nvPr/>
-        </p:nvSpPr>
-        <p:spPr>
-          <a:xfrm>
-            <a:off x="3275868" y="3255648"/>
-            <a:ext cx="288032" cy="288032"/>
-          </a:xfrm>
-          <a:prstGeom prst="ellipse">
-            <a:avLst/>
-          </a:prstGeom>
-          <a:pattFill prst="wdDnDiag">
-            <a:fgClr>
-              <a:srgbClr val="FF0000"/>
-            </a:fgClr>
-            <a:bgClr>
-              <a:schemeClr val="accent1"/>
-            </a:bgClr>
-          </a:pattFill>
-          <a:ln>
-            <a:solidFill>
-              <a:schemeClr val="tx1"/>
-            </a:solidFill>
-          </a:ln>
-        </p:spPr>
-        <p:style>
-          <a:lnRef idx="2">
-            <a:schemeClr val="accent1">
-              <a:shade val="50000"/>
-            </a:schemeClr>
-          </a:lnRef>
-          <a:fillRef idx="1">
-            <a:schemeClr val="accent1"/>
-          </a:fillRef>
-          <a:effectRef idx="0">
-            <a:schemeClr val="accent1"/>
-          </a:effectRef>
-          <a:fontRef idx="minor">
-            <a:schemeClr val="lt1"/>
-          </a:fontRef>
-        </p:style>
-        <p:txBody>
-          <a:bodyPr rtlCol="0" anchor="ctr"/>
-          <a:lstStyle/>
-          <a:p>
-            <a:pPr algn="ctr"/>
-            <a:endParaRPr lang="en-US"/>
-          </a:p>
-        </p:txBody>
-      </p:sp>
-      <p:sp>
-        <p:nvSpPr>
-          <p:cNvPr id="18" name="Oval 17"/>
-          <p:cNvSpPr/>
-          <p:nvPr/>
-        </p:nvSpPr>
-        <p:spPr>
-          <a:xfrm>
-            <a:off x="3275868" y="3941240"/>
-            <a:ext cx="288032" cy="288032"/>
-          </a:xfrm>
-          <a:prstGeom prst="ellipse">
-            <a:avLst/>
-          </a:prstGeom>
-          <a:noFill/>
-          <a:ln>
-            <a:solidFill>
-              <a:schemeClr val="tx1"/>
-            </a:solidFill>
-          </a:ln>
-        </p:spPr>
-        <p:style>
-          <a:lnRef idx="2">
-            <a:schemeClr val="accent1">
-              <a:shade val="50000"/>
-            </a:schemeClr>
-          </a:lnRef>
-          <a:fillRef idx="1">
-            <a:schemeClr val="accent1"/>
-          </a:fillRef>
-          <a:effectRef idx="0">
-            <a:schemeClr val="accent1"/>
-          </a:effectRef>
-          <a:fontRef idx="minor">
-            <a:schemeClr val="lt1"/>
-          </a:fontRef>
-        </p:style>
-        <p:txBody>
-          <a:bodyPr rtlCol="0" anchor="ctr"/>
-          <a:lstStyle/>
-          <a:p>
-            <a:pPr algn="ctr"/>
-            <a:endParaRPr lang="en-US"/>
-          </a:p>
-        </p:txBody>
-      </p:sp>
-      <p:sp>
-        <p:nvSpPr>
-          <p:cNvPr id="20" name="Oval 19"/>
-          <p:cNvSpPr/>
-          <p:nvPr/>
-        </p:nvSpPr>
-        <p:spPr>
-          <a:xfrm>
-            <a:off x="4067944" y="2570056"/>
-            <a:ext cx="288032" cy="288032"/>
-          </a:xfrm>
-          <a:prstGeom prst="ellipse">
-            <a:avLst/>
-          </a:prstGeom>
-          <a:noFill/>
-          <a:ln>
-            <a:solidFill>
-              <a:schemeClr val="tx1"/>
-            </a:solidFill>
-          </a:ln>
-        </p:spPr>
-        <p:style>
-          <a:lnRef idx="2">
-            <a:schemeClr val="accent1">
-              <a:shade val="50000"/>
-            </a:schemeClr>
-          </a:lnRef>
-          <a:fillRef idx="1">
-            <a:schemeClr val="accent1"/>
-          </a:fillRef>
-          <a:effectRef idx="0">
-            <a:schemeClr val="accent1"/>
-          </a:effectRef>
-          <a:fontRef idx="minor">
-            <a:schemeClr val="lt1"/>
-          </a:fontRef>
-        </p:style>
-        <p:txBody>
-          <a:bodyPr rtlCol="0" anchor="ctr"/>
-          <a:lstStyle/>
-          <a:p>
-            <a:pPr algn="ctr"/>
-            <a:endParaRPr lang="en-US"/>
-          </a:p>
-        </p:txBody>
-      </p:sp>
-      <p:sp>
-        <p:nvSpPr>
-          <p:cNvPr id="21" name="Oval 20"/>
-          <p:cNvSpPr/>
-          <p:nvPr/>
-        </p:nvSpPr>
-        <p:spPr>
-          <a:xfrm>
-            <a:off x="4067944" y="3255648"/>
-            <a:ext cx="288032" cy="288032"/>
-          </a:xfrm>
-          <a:prstGeom prst="ellipse">
-            <a:avLst/>
-          </a:prstGeom>
-          <a:pattFill prst="wdDnDiag">
-            <a:fgClr>
-              <a:srgbClr val="00B050"/>
-            </a:fgClr>
-            <a:bgClr>
-              <a:srgbClr val="FF0000"/>
-            </a:bgClr>
-          </a:pattFill>
-          <a:ln>
-            <a:solidFill>
-              <a:schemeClr val="tx1"/>
-            </a:solidFill>
-          </a:ln>
-        </p:spPr>
-        <p:style>
-          <a:lnRef idx="2">
-            <a:schemeClr val="accent1">
-              <a:shade val="50000"/>
-            </a:schemeClr>
-          </a:lnRef>
-          <a:fillRef idx="1">
-            <a:schemeClr val="accent1"/>
-          </a:fillRef>
-          <a:effectRef idx="0">
-            <a:schemeClr val="accent1"/>
-          </a:effectRef>
-          <a:fontRef idx="minor">
-            <a:schemeClr val="lt1"/>
-          </a:fontRef>
-        </p:style>
-        <p:txBody>
-          <a:bodyPr rtlCol="0" anchor="ctr"/>
-          <a:lstStyle/>
-          <a:p>
-            <a:pPr algn="ctr"/>
-            <a:endParaRPr lang="en-US"/>
-          </a:p>
-        </p:txBody>
-      </p:sp>
-      <p:sp>
-        <p:nvSpPr>
-          <p:cNvPr id="22" name="Oval 21"/>
-          <p:cNvSpPr/>
-          <p:nvPr/>
-        </p:nvSpPr>
-        <p:spPr>
-          <a:xfrm>
-            <a:off x="4067944" y="3941240"/>
-            <a:ext cx="288032" cy="288032"/>
-          </a:xfrm>
-          <a:prstGeom prst="ellipse">
-            <a:avLst/>
-          </a:prstGeom>
-          <a:noFill/>
-          <a:ln>
-            <a:solidFill>
-              <a:schemeClr val="tx1"/>
-            </a:solidFill>
-          </a:ln>
-        </p:spPr>
-        <p:style>
-          <a:lnRef idx="2">
-            <a:schemeClr val="accent1">
-              <a:shade val="50000"/>
-            </a:schemeClr>
-          </a:lnRef>
-          <a:fillRef idx="1">
-            <a:schemeClr val="accent1"/>
-          </a:fillRef>
-          <a:effectRef idx="0">
-            <a:schemeClr val="accent1"/>
-          </a:effectRef>
-          <a:fontRef idx="minor">
-            <a:schemeClr val="lt1"/>
-          </a:fontRef>
-        </p:style>
-        <p:txBody>
-          <a:bodyPr rtlCol="0" anchor="ctr"/>
-          <a:lstStyle/>
-          <a:p>
-            <a:pPr algn="ctr"/>
-            <a:endParaRPr lang="en-US"/>
-          </a:p>
-        </p:txBody>
-      </p:sp>
-      <p:sp>
-        <p:nvSpPr>
-          <p:cNvPr id="23" name="TextBox 22"/>
-          <p:cNvSpPr txBox="1"/>
-          <p:nvPr/>
-        </p:nvSpPr>
-        <p:spPr>
-          <a:xfrm>
-            <a:off x="1763688" y="3941240"/>
-            <a:ext cx="569387" cy="369332"/>
-          </a:xfrm>
-          <a:prstGeom prst="rect">
-            <a:avLst/>
-          </a:prstGeom>
-          <a:noFill/>
-        </p:spPr>
-        <p:txBody>
-          <a:bodyPr wrap="none" rtlCol="0">
-            <a:spAutoFit/>
-          </a:bodyPr>
-          <a:lstStyle/>
-          <a:p>
-            <a:r>
-              <a:rPr lang="en-US" dirty="0" smtClean="0"/>
-              <a:t>m-1</a:t>
-            </a:r>
-            <a:endParaRPr lang="en-US" dirty="0"/>
-          </a:p>
-        </p:txBody>
-      </p:sp>
-      <p:sp>
-        <p:nvSpPr>
-          <p:cNvPr id="24" name="TextBox 23"/>
-          <p:cNvSpPr txBox="1"/>
-          <p:nvPr/>
-        </p:nvSpPr>
-        <p:spPr>
-          <a:xfrm>
-            <a:off x="1763687" y="3214998"/>
-            <a:ext cx="369012" cy="369332"/>
-          </a:xfrm>
-          <a:prstGeom prst="rect">
-            <a:avLst/>
-          </a:prstGeom>
-          <a:noFill/>
-        </p:spPr>
-        <p:txBody>
-          <a:bodyPr wrap="none" rtlCol="0">
-            <a:spAutoFit/>
-          </a:bodyPr>
-          <a:lstStyle/>
-          <a:p>
-            <a:r>
-              <a:rPr lang="en-US" dirty="0" smtClean="0"/>
-              <a:t>m</a:t>
-            </a:r>
-            <a:endParaRPr lang="en-US" dirty="0"/>
-          </a:p>
-        </p:txBody>
-      </p:sp>
-      <p:sp>
-        <p:nvSpPr>
-          <p:cNvPr id="25" name="TextBox 24"/>
-          <p:cNvSpPr txBox="1"/>
-          <p:nvPr/>
-        </p:nvSpPr>
-        <p:spPr>
-          <a:xfrm>
-            <a:off x="1763686" y="2529406"/>
-            <a:ext cx="601447" cy="369332"/>
-          </a:xfrm>
-          <a:prstGeom prst="rect">
-            <a:avLst/>
-          </a:prstGeom>
-          <a:noFill/>
-        </p:spPr>
-        <p:txBody>
-          <a:bodyPr wrap="none" rtlCol="0">
-            <a:spAutoFit/>
-          </a:bodyPr>
-          <a:lstStyle/>
-          <a:p>
-            <a:r>
-              <a:rPr lang="en-US" dirty="0" smtClean="0"/>
-              <a:t>m+1</a:t>
-            </a:r>
-            <a:endParaRPr lang="en-US" dirty="0"/>
-          </a:p>
-        </p:txBody>
-      </p:sp>
-      <p:sp>
-        <p:nvSpPr>
-          <p:cNvPr id="26" name="TextBox 25"/>
-          <p:cNvSpPr txBox="1"/>
-          <p:nvPr/>
-        </p:nvSpPr>
-        <p:spPr>
-          <a:xfrm>
-            <a:off x="2365133" y="4335046"/>
-            <a:ext cx="599844" cy="369332"/>
-          </a:xfrm>
-          <a:prstGeom prst="rect">
-            <a:avLst/>
-          </a:prstGeom>
-          <a:noFill/>
-        </p:spPr>
-        <p:txBody>
-          <a:bodyPr wrap="none" rtlCol="0">
-            <a:spAutoFit/>
-          </a:bodyPr>
-          <a:lstStyle/>
-          <a:p>
-            <a:r>
-              <a:rPr lang="en-US" dirty="0" smtClean="0"/>
-              <a:t>n - 1</a:t>
-            </a:r>
-            <a:endParaRPr lang="en-US" dirty="0"/>
-          </a:p>
-        </p:txBody>
-      </p:sp>
-      <p:sp>
-        <p:nvSpPr>
-          <p:cNvPr id="27" name="TextBox 26"/>
-          <p:cNvSpPr txBox="1"/>
-          <p:nvPr/>
-        </p:nvSpPr>
-        <p:spPr>
-          <a:xfrm>
-            <a:off x="3277028" y="4327036"/>
-            <a:ext cx="306494" cy="369332"/>
-          </a:xfrm>
-          <a:prstGeom prst="rect">
-            <a:avLst/>
-          </a:prstGeom>
-          <a:noFill/>
-        </p:spPr>
-        <p:txBody>
-          <a:bodyPr wrap="none" rtlCol="0">
-            <a:spAutoFit/>
-          </a:bodyPr>
-          <a:lstStyle/>
-          <a:p>
-            <a:r>
-              <a:rPr lang="en-US" dirty="0" smtClean="0"/>
-              <a:t>n</a:t>
-            </a:r>
-            <a:endParaRPr lang="en-US" dirty="0"/>
-          </a:p>
-        </p:txBody>
-      </p:sp>
-      <p:sp>
-        <p:nvSpPr>
-          <p:cNvPr id="28" name="TextBox 27"/>
-          <p:cNvSpPr txBox="1"/>
-          <p:nvPr/>
-        </p:nvSpPr>
-        <p:spPr>
-          <a:xfrm>
-            <a:off x="3912038" y="4335046"/>
-            <a:ext cx="644728" cy="369332"/>
-          </a:xfrm>
-          <a:prstGeom prst="rect">
-            <a:avLst/>
-          </a:prstGeom>
-          <a:noFill/>
-        </p:spPr>
-        <p:txBody>
-          <a:bodyPr wrap="none" rtlCol="0">
-            <a:spAutoFit/>
-          </a:bodyPr>
-          <a:lstStyle/>
-          <a:p>
-            <a:r>
-              <a:rPr lang="en-US" dirty="0" smtClean="0"/>
-              <a:t>n + 1</a:t>
-            </a:r>
-            <a:endParaRPr lang="en-US" dirty="0"/>
-          </a:p>
-        </p:txBody>
-      </p:sp>
-      <p:sp>
-        <p:nvSpPr>
-          <p:cNvPr id="29" name="TextBox 28"/>
-          <p:cNvSpPr txBox="1"/>
-          <p:nvPr/>
-        </p:nvSpPr>
-        <p:spPr>
-          <a:xfrm>
-            <a:off x="2483792" y="764704"/>
-            <a:ext cx="3586879" cy="1569660"/>
-          </a:xfrm>
-          <a:prstGeom prst="rect">
-            <a:avLst/>
-          </a:prstGeom>
-          <a:noFill/>
-        </p:spPr>
-        <p:txBody>
-          <a:bodyPr wrap="square" rtlCol="0">
-            <a:spAutoFit/>
-          </a:bodyPr>
-          <a:lstStyle/>
-          <a:p>
-            <a:r>
-              <a:rPr lang="en-US" sz="3200" dirty="0" smtClean="0"/>
-              <a:t>time – BDW FO</a:t>
-            </a:r>
-          </a:p>
-          <a:p>
-            <a:r>
-              <a:rPr lang="en-US" sz="3200" dirty="0" smtClean="0"/>
-              <a:t>SO – EXPLICIT</a:t>
-            </a:r>
-          </a:p>
-          <a:p>
-            <a:r>
-              <a:rPr lang="en-US" sz="3200" dirty="0" smtClean="0"/>
-              <a:t>NL – EXPLICIT SO</a:t>
-            </a:r>
-            <a:endParaRPr lang="en-US" sz="3200" dirty="0"/>
-          </a:p>
-        </p:txBody>
-      </p:sp>
-    </p:spTree>
-    <p:extLst>
-      <p:ext uri="{BB962C8B-B14F-4D97-AF65-F5344CB8AC3E}">
-        <p14:creationId xmlns:p14="http://schemas.microsoft.com/office/powerpoint/2010/main" val="840805645"/>
-      </p:ext>
-    </p:extLst>
-  </p:cSld>
-  <p:clrMapOvr>
-    <a:masterClrMapping/>
-  </p:clrMapOvr>
-</p:sld>
-</file>
-
-<file path=ppt/slides/slide7.xml><?xml version="1.0" encoding="utf-8"?>
-<p:sld xmlns:a="http://schemas.openxmlformats.org/drawingml/2006/main" xmlns:r="http://schemas.openxmlformats.org/officeDocument/2006/relationships" xmlns:p="http://schemas.openxmlformats.org/presentationml/2006/main">
-  <p:cSld>
-    <p:spTree>
-      <p:nvGrpSpPr>
-        <p:cNvPr id="1" name=""/>
-        <p:cNvGrpSpPr/>
-        <p:nvPr/>
-      </p:nvGrpSpPr>
-      <p:grpSpPr>
-        <a:xfrm>
-          <a:off x="0" y="0"/>
-          <a:ext cx="0" cy="0"/>
-          <a:chOff x="0" y="0"/>
-          <a:chExt cx="0" cy="0"/>
-        </a:xfrm>
-      </p:grpSpPr>
-      <p:grpSp>
-        <p:nvGrpSpPr>
-          <p:cNvPr id="14" name="Group 13"/>
-          <p:cNvGrpSpPr/>
-          <p:nvPr/>
-        </p:nvGrpSpPr>
-        <p:grpSpPr>
-          <a:xfrm>
-            <a:off x="2483792" y="2570056"/>
-            <a:ext cx="288032" cy="1659216"/>
-            <a:chOff x="2483792" y="2599392"/>
-            <a:chExt cx="288032" cy="1659216"/>
-          </a:xfrm>
-        </p:grpSpPr>
-        <p:sp>
-          <p:nvSpPr>
-            <p:cNvPr id="4" name="Oval 3"/>
-            <p:cNvSpPr/>
-            <p:nvPr/>
-          </p:nvSpPr>
-          <p:spPr>
-            <a:xfrm>
-              <a:off x="2483792" y="2599392"/>
-              <a:ext cx="288032" cy="288032"/>
-            </a:xfrm>
-            <a:prstGeom prst="ellipse">
-              <a:avLst/>
-            </a:prstGeom>
-            <a:noFill/>
-            <a:ln>
-              <a:solidFill>
-                <a:schemeClr val="tx1"/>
-              </a:solidFill>
-            </a:ln>
-          </p:spPr>
-          <p:style>
-            <a:lnRef idx="2">
-              <a:schemeClr val="accent1">
-                <a:shade val="50000"/>
-              </a:schemeClr>
-            </a:lnRef>
-            <a:fillRef idx="1">
-              <a:schemeClr val="accent1"/>
-            </a:fillRef>
-            <a:effectRef idx="0">
-              <a:schemeClr val="accent1"/>
-            </a:effectRef>
-            <a:fontRef idx="minor">
-              <a:schemeClr val="lt1"/>
-            </a:fontRef>
-          </p:style>
-          <p:txBody>
-            <a:bodyPr rtlCol="0" anchor="ctr"/>
-            <a:lstStyle/>
-            <a:p>
-              <a:pPr algn="ctr"/>
-              <a:endParaRPr lang="en-US"/>
-            </a:p>
-          </p:txBody>
-        </p:sp>
-        <p:sp>
-          <p:nvSpPr>
-            <p:cNvPr id="7" name="Oval 6"/>
-            <p:cNvSpPr/>
-            <p:nvPr/>
-          </p:nvSpPr>
-          <p:spPr>
-            <a:xfrm>
-              <a:off x="2483792" y="3284984"/>
-              <a:ext cx="288032" cy="288032"/>
-            </a:xfrm>
-            <a:prstGeom prst="ellipse">
-              <a:avLst/>
-            </a:prstGeom>
-            <a:noFill/>
-            <a:ln>
-              <a:solidFill>
-                <a:schemeClr val="tx1"/>
-              </a:solidFill>
-            </a:ln>
-          </p:spPr>
-          <p:style>
-            <a:lnRef idx="2">
-              <a:schemeClr val="accent1">
-                <a:shade val="50000"/>
-              </a:schemeClr>
-            </a:lnRef>
-            <a:fillRef idx="1">
-              <a:schemeClr val="accent1"/>
-            </a:fillRef>
-            <a:effectRef idx="0">
-              <a:schemeClr val="accent1"/>
-            </a:effectRef>
-            <a:fontRef idx="minor">
-              <a:schemeClr val="lt1"/>
-            </a:fontRef>
-          </p:style>
-          <p:txBody>
-            <a:bodyPr rtlCol="0" anchor="ctr"/>
-            <a:lstStyle/>
-            <a:p>
-              <a:pPr algn="ctr"/>
-              <a:endParaRPr lang="en-US"/>
-            </a:p>
-          </p:txBody>
-        </p:sp>
-        <p:sp>
-          <p:nvSpPr>
-            <p:cNvPr id="10" name="Oval 9"/>
-            <p:cNvSpPr/>
-            <p:nvPr/>
-          </p:nvSpPr>
-          <p:spPr>
-            <a:xfrm>
-              <a:off x="2483792" y="3970576"/>
-              <a:ext cx="288032" cy="288032"/>
-            </a:xfrm>
-            <a:prstGeom prst="ellipse">
-              <a:avLst/>
-            </a:prstGeom>
-            <a:noFill/>
-            <a:ln>
-              <a:solidFill>
-                <a:schemeClr val="tx1"/>
-              </a:solidFill>
-            </a:ln>
-          </p:spPr>
-          <p:style>
-            <a:lnRef idx="2">
-              <a:schemeClr val="accent1">
-                <a:shade val="50000"/>
-              </a:schemeClr>
-            </a:lnRef>
-            <a:fillRef idx="1">
-              <a:schemeClr val="accent1"/>
-            </a:fillRef>
-            <a:effectRef idx="0">
-              <a:schemeClr val="accent1"/>
-            </a:effectRef>
-            <a:fontRef idx="minor">
-              <a:schemeClr val="lt1"/>
-            </a:fontRef>
-          </p:style>
-          <p:txBody>
-            <a:bodyPr rtlCol="0" anchor="ctr"/>
-            <a:lstStyle/>
-            <a:p>
-              <a:pPr algn="ctr"/>
-              <a:endParaRPr lang="en-US"/>
-            </a:p>
-          </p:txBody>
-        </p:sp>
-      </p:grpSp>
-      <p:grpSp>
-        <p:nvGrpSpPr>
-          <p:cNvPr id="15" name="Group 14"/>
-          <p:cNvGrpSpPr/>
-          <p:nvPr/>
-        </p:nvGrpSpPr>
-        <p:grpSpPr>
-          <a:xfrm>
-            <a:off x="3275868" y="2570056"/>
-            <a:ext cx="288032" cy="1659216"/>
-            <a:chOff x="2483792" y="2599392"/>
-            <a:chExt cx="288032" cy="1659216"/>
-          </a:xfrm>
-        </p:grpSpPr>
-        <p:sp>
-          <p:nvSpPr>
-            <p:cNvPr id="16" name="Oval 15"/>
-            <p:cNvSpPr/>
-            <p:nvPr/>
-          </p:nvSpPr>
-          <p:spPr>
-            <a:xfrm>
-              <a:off x="2483792" y="2599392"/>
-              <a:ext cx="288032" cy="288032"/>
-            </a:xfrm>
-            <a:prstGeom prst="ellipse">
-              <a:avLst/>
-            </a:prstGeom>
-            <a:noFill/>
-            <a:ln>
-              <a:solidFill>
-                <a:schemeClr val="tx1"/>
-              </a:solidFill>
-            </a:ln>
-          </p:spPr>
-          <p:style>
-            <a:lnRef idx="2">
-              <a:schemeClr val="accent1">
-                <a:shade val="50000"/>
-              </a:schemeClr>
-            </a:lnRef>
-            <a:fillRef idx="1">
-              <a:schemeClr val="accent1"/>
-            </a:fillRef>
-            <a:effectRef idx="0">
-              <a:schemeClr val="accent1"/>
-            </a:effectRef>
-            <a:fontRef idx="minor">
-              <a:schemeClr val="lt1"/>
-            </a:fontRef>
-          </p:style>
-          <p:txBody>
-            <a:bodyPr rtlCol="0" anchor="ctr"/>
-            <a:lstStyle/>
-            <a:p>
-              <a:pPr algn="ctr"/>
-              <a:endParaRPr lang="en-US"/>
-            </a:p>
-          </p:txBody>
-        </p:sp>
-        <p:sp>
-          <p:nvSpPr>
-            <p:cNvPr id="17" name="Oval 16"/>
-            <p:cNvSpPr/>
-            <p:nvPr/>
-          </p:nvSpPr>
-          <p:spPr>
-            <a:xfrm>
-              <a:off x="2483792" y="3284984"/>
-              <a:ext cx="288032" cy="288032"/>
-            </a:xfrm>
-            <a:prstGeom prst="ellipse">
-              <a:avLst/>
-            </a:prstGeom>
-            <a:noFill/>
-            <a:ln>
-              <a:solidFill>
-                <a:schemeClr val="tx1"/>
-              </a:solidFill>
-            </a:ln>
-          </p:spPr>
-          <p:style>
-            <a:lnRef idx="2">
-              <a:schemeClr val="accent1">
-                <a:shade val="50000"/>
-              </a:schemeClr>
-            </a:lnRef>
-            <a:fillRef idx="1">
-              <a:schemeClr val="accent1"/>
-            </a:fillRef>
-            <a:effectRef idx="0">
-              <a:schemeClr val="accent1"/>
-            </a:effectRef>
-            <a:fontRef idx="minor">
-              <a:schemeClr val="lt1"/>
-            </a:fontRef>
-          </p:style>
-          <p:txBody>
-            <a:bodyPr rtlCol="0" anchor="ctr"/>
-            <a:lstStyle/>
-            <a:p>
-              <a:pPr algn="ctr"/>
-              <a:endParaRPr lang="en-US"/>
-            </a:p>
-          </p:txBody>
-        </p:sp>
-        <p:sp>
-          <p:nvSpPr>
-            <p:cNvPr id="18" name="Oval 17"/>
-            <p:cNvSpPr/>
-            <p:nvPr/>
-          </p:nvSpPr>
-          <p:spPr>
-            <a:xfrm>
-              <a:off x="2483792" y="3970576"/>
-              <a:ext cx="288032" cy="288032"/>
-            </a:xfrm>
-            <a:prstGeom prst="ellipse">
-              <a:avLst/>
-            </a:prstGeom>
-            <a:noFill/>
-            <a:ln>
-              <a:solidFill>
-                <a:schemeClr val="tx1"/>
-              </a:solidFill>
-            </a:ln>
-          </p:spPr>
-          <p:style>
-            <a:lnRef idx="2">
-              <a:schemeClr val="accent1">
-                <a:shade val="50000"/>
-              </a:schemeClr>
-            </a:lnRef>
-            <a:fillRef idx="1">
-              <a:schemeClr val="accent1"/>
-            </a:fillRef>
-            <a:effectRef idx="0">
-              <a:schemeClr val="accent1"/>
-            </a:effectRef>
-            <a:fontRef idx="minor">
-              <a:schemeClr val="lt1"/>
-            </a:fontRef>
-          </p:style>
-          <p:txBody>
-            <a:bodyPr rtlCol="0" anchor="ctr"/>
-            <a:lstStyle/>
-            <a:p>
-              <a:pPr algn="ctr"/>
-              <a:endParaRPr lang="en-US"/>
-            </a:p>
-          </p:txBody>
-        </p:sp>
-      </p:grpSp>
-      <p:grpSp>
-        <p:nvGrpSpPr>
-          <p:cNvPr id="19" name="Group 18"/>
-          <p:cNvGrpSpPr/>
-          <p:nvPr/>
-        </p:nvGrpSpPr>
-        <p:grpSpPr>
-          <a:xfrm>
-            <a:off x="4067944" y="2570056"/>
-            <a:ext cx="288032" cy="1659216"/>
-            <a:chOff x="2483792" y="2599392"/>
-            <a:chExt cx="288032" cy="1659216"/>
-          </a:xfrm>
-        </p:grpSpPr>
-        <p:sp>
-          <p:nvSpPr>
-            <p:cNvPr id="20" name="Oval 19"/>
-            <p:cNvSpPr/>
-            <p:nvPr/>
-          </p:nvSpPr>
-          <p:spPr>
-            <a:xfrm>
-              <a:off x="2483792" y="2599392"/>
-              <a:ext cx="288032" cy="288032"/>
-            </a:xfrm>
-            <a:prstGeom prst="ellipse">
-              <a:avLst/>
-            </a:prstGeom>
-            <a:noFill/>
-            <a:ln>
-              <a:solidFill>
-                <a:schemeClr val="tx1"/>
-              </a:solidFill>
-            </a:ln>
-          </p:spPr>
-          <p:style>
-            <a:lnRef idx="2">
-              <a:schemeClr val="accent1">
-                <a:shade val="50000"/>
-              </a:schemeClr>
-            </a:lnRef>
-            <a:fillRef idx="1">
-              <a:schemeClr val="accent1"/>
-            </a:fillRef>
-            <a:effectRef idx="0">
-              <a:schemeClr val="accent1"/>
-            </a:effectRef>
-            <a:fontRef idx="minor">
-              <a:schemeClr val="lt1"/>
-            </a:fontRef>
-          </p:style>
-          <p:txBody>
-            <a:bodyPr rtlCol="0" anchor="ctr"/>
-            <a:lstStyle/>
-            <a:p>
-              <a:pPr algn="ctr"/>
-              <a:endParaRPr lang="en-US"/>
-            </a:p>
-          </p:txBody>
-        </p:sp>
-        <p:sp>
-          <p:nvSpPr>
-            <p:cNvPr id="21" name="Oval 20"/>
-            <p:cNvSpPr/>
-            <p:nvPr/>
-          </p:nvSpPr>
-          <p:spPr>
-            <a:xfrm>
-              <a:off x="2483792" y="3284984"/>
-              <a:ext cx="288032" cy="288032"/>
-            </a:xfrm>
-            <a:prstGeom prst="ellipse">
-              <a:avLst/>
-            </a:prstGeom>
-            <a:noFill/>
-            <a:ln>
-              <a:solidFill>
-                <a:schemeClr val="tx1"/>
-              </a:solidFill>
-            </a:ln>
-          </p:spPr>
-          <p:style>
-            <a:lnRef idx="2">
-              <a:schemeClr val="accent1">
-                <a:shade val="50000"/>
-              </a:schemeClr>
-            </a:lnRef>
-            <a:fillRef idx="1">
-              <a:schemeClr val="accent1"/>
-            </a:fillRef>
-            <a:effectRef idx="0">
-              <a:schemeClr val="accent1"/>
-            </a:effectRef>
-            <a:fontRef idx="minor">
-              <a:schemeClr val="lt1"/>
-            </a:fontRef>
-          </p:style>
-          <p:txBody>
-            <a:bodyPr rtlCol="0" anchor="ctr"/>
-            <a:lstStyle/>
-            <a:p>
-              <a:pPr algn="ctr"/>
-              <a:endParaRPr lang="en-US"/>
-            </a:p>
-          </p:txBody>
-        </p:sp>
-        <p:sp>
-          <p:nvSpPr>
-            <p:cNvPr id="22" name="Oval 21"/>
-            <p:cNvSpPr/>
-            <p:nvPr/>
-          </p:nvSpPr>
-          <p:spPr>
-            <a:xfrm>
-              <a:off x="2483792" y="3970576"/>
-              <a:ext cx="288032" cy="288032"/>
-            </a:xfrm>
-            <a:prstGeom prst="ellipse">
-              <a:avLst/>
-            </a:prstGeom>
-            <a:noFill/>
-            <a:ln>
-              <a:solidFill>
-                <a:schemeClr val="tx1"/>
-              </a:solidFill>
-            </a:ln>
-          </p:spPr>
-          <p:style>
-            <a:lnRef idx="2">
-              <a:schemeClr val="accent1">
-                <a:shade val="50000"/>
-              </a:schemeClr>
-            </a:lnRef>
-            <a:fillRef idx="1">
-              <a:schemeClr val="accent1"/>
-            </a:fillRef>
-            <a:effectRef idx="0">
-              <a:schemeClr val="accent1"/>
-            </a:effectRef>
-            <a:fontRef idx="minor">
-              <a:schemeClr val="lt1"/>
-            </a:fontRef>
-          </p:style>
-          <p:txBody>
-            <a:bodyPr rtlCol="0" anchor="ctr"/>
-            <a:lstStyle/>
-            <a:p>
-              <a:pPr algn="ctr"/>
-              <a:endParaRPr lang="en-US"/>
-            </a:p>
-          </p:txBody>
-        </p:sp>
-      </p:grpSp>
-      <p:sp>
-        <p:nvSpPr>
-          <p:cNvPr id="23" name="TextBox 22"/>
-          <p:cNvSpPr txBox="1"/>
-          <p:nvPr/>
-        </p:nvSpPr>
-        <p:spPr>
-          <a:xfrm>
-            <a:off x="1763688" y="3941240"/>
-            <a:ext cx="569387" cy="369332"/>
-          </a:xfrm>
-          <a:prstGeom prst="rect">
-            <a:avLst/>
-          </a:prstGeom>
-          <a:noFill/>
-        </p:spPr>
-        <p:txBody>
-          <a:bodyPr wrap="none" rtlCol="0">
-            <a:spAutoFit/>
-          </a:bodyPr>
-          <a:lstStyle/>
-          <a:p>
-            <a:r>
-              <a:rPr lang="en-US" dirty="0" smtClean="0"/>
-              <a:t>m-1</a:t>
-            </a:r>
-            <a:endParaRPr lang="en-US" dirty="0"/>
-          </a:p>
-        </p:txBody>
-      </p:sp>
-      <p:sp>
-        <p:nvSpPr>
-          <p:cNvPr id="24" name="TextBox 23"/>
-          <p:cNvSpPr txBox="1"/>
-          <p:nvPr/>
-        </p:nvSpPr>
-        <p:spPr>
-          <a:xfrm>
-            <a:off x="1763687" y="3214998"/>
-            <a:ext cx="369012" cy="369332"/>
-          </a:xfrm>
-          <a:prstGeom prst="rect">
-            <a:avLst/>
-          </a:prstGeom>
-          <a:noFill/>
-        </p:spPr>
-        <p:txBody>
-          <a:bodyPr wrap="none" rtlCol="0">
-            <a:spAutoFit/>
-          </a:bodyPr>
-          <a:lstStyle/>
-          <a:p>
-            <a:r>
-              <a:rPr lang="en-US" dirty="0" smtClean="0"/>
-              <a:t>m</a:t>
-            </a:r>
-            <a:endParaRPr lang="en-US" dirty="0"/>
-          </a:p>
-        </p:txBody>
-      </p:sp>
-      <p:sp>
-        <p:nvSpPr>
-          <p:cNvPr id="25" name="TextBox 24"/>
-          <p:cNvSpPr txBox="1"/>
-          <p:nvPr/>
-        </p:nvSpPr>
-        <p:spPr>
-          <a:xfrm>
-            <a:off x="1763686" y="2529406"/>
-            <a:ext cx="601447" cy="369332"/>
-          </a:xfrm>
-          <a:prstGeom prst="rect">
-            <a:avLst/>
-          </a:prstGeom>
-          <a:noFill/>
-        </p:spPr>
-        <p:txBody>
-          <a:bodyPr wrap="none" rtlCol="0">
-            <a:spAutoFit/>
-          </a:bodyPr>
-          <a:lstStyle/>
-          <a:p>
-            <a:r>
-              <a:rPr lang="en-US" dirty="0" smtClean="0"/>
-              <a:t>m+1</a:t>
-            </a:r>
-            <a:endParaRPr lang="en-US" dirty="0"/>
-          </a:p>
-        </p:txBody>
-      </p:sp>
-      <p:sp>
-        <p:nvSpPr>
-          <p:cNvPr id="26" name="TextBox 25"/>
-          <p:cNvSpPr txBox="1"/>
-          <p:nvPr/>
-        </p:nvSpPr>
-        <p:spPr>
-          <a:xfrm>
-            <a:off x="2365133" y="4335046"/>
-            <a:ext cx="599844" cy="369332"/>
-          </a:xfrm>
-          <a:prstGeom prst="rect">
-            <a:avLst/>
-          </a:prstGeom>
-          <a:noFill/>
-        </p:spPr>
-        <p:txBody>
-          <a:bodyPr wrap="none" rtlCol="0">
-            <a:spAutoFit/>
-          </a:bodyPr>
-          <a:lstStyle/>
-          <a:p>
-            <a:r>
-              <a:rPr lang="en-US" dirty="0" smtClean="0"/>
-              <a:t>n - 1</a:t>
-            </a:r>
-            <a:endParaRPr lang="en-US" dirty="0"/>
-          </a:p>
-        </p:txBody>
-      </p:sp>
-      <p:sp>
-        <p:nvSpPr>
-          <p:cNvPr id="27" name="TextBox 26"/>
-          <p:cNvSpPr txBox="1"/>
-          <p:nvPr/>
-        </p:nvSpPr>
-        <p:spPr>
-          <a:xfrm>
-            <a:off x="3277028" y="4327036"/>
-            <a:ext cx="306494" cy="369332"/>
-          </a:xfrm>
-          <a:prstGeom prst="rect">
-            <a:avLst/>
-          </a:prstGeom>
-          <a:noFill/>
-        </p:spPr>
-        <p:txBody>
-          <a:bodyPr wrap="none" rtlCol="0">
-            <a:spAutoFit/>
-          </a:bodyPr>
-          <a:lstStyle/>
-          <a:p>
-            <a:r>
-              <a:rPr lang="en-US" dirty="0" smtClean="0"/>
-              <a:t>n</a:t>
-            </a:r>
-            <a:endParaRPr lang="en-US" dirty="0"/>
-          </a:p>
-        </p:txBody>
-      </p:sp>
-      <p:sp>
-        <p:nvSpPr>
-          <p:cNvPr id="28" name="TextBox 27"/>
-          <p:cNvSpPr txBox="1"/>
-          <p:nvPr/>
-        </p:nvSpPr>
-        <p:spPr>
-          <a:xfrm>
-            <a:off x="3912038" y="4335046"/>
-            <a:ext cx="644728" cy="369332"/>
-          </a:xfrm>
-          <a:prstGeom prst="rect">
-            <a:avLst/>
-          </a:prstGeom>
-          <a:noFill/>
-        </p:spPr>
-        <p:txBody>
-          <a:bodyPr wrap="none" rtlCol="0">
-            <a:spAutoFit/>
-          </a:bodyPr>
-          <a:lstStyle/>
-          <a:p>
-            <a:r>
-              <a:rPr lang="en-US" dirty="0" smtClean="0"/>
-              <a:t>n + 1</a:t>
-            </a:r>
-            <a:endParaRPr lang="en-US" dirty="0"/>
-          </a:p>
-        </p:txBody>
-      </p:sp>
-    </p:spTree>
-    <p:extLst>
-      <p:ext uri="{BB962C8B-B14F-4D97-AF65-F5344CB8AC3E}">
-        <p14:creationId xmlns:p14="http://schemas.microsoft.com/office/powerpoint/2010/main" val="2893132547"/>
+        <p14:creationId xmlns:p14="http://schemas.microsoft.com/office/powerpoint/2010/main" val="2373186575"/>
       </p:ext>
     </p:extLst>
   </p:cSld>

--- a/applications/InverseHeatTransfer/sem27/finite_difference_scheme.pptx
+++ b/applications/InverseHeatTransfer/sem27/finite_difference_scheme.pptx
@@ -9,7 +9,9 @@
     <p:sldId id="257" r:id="rId3"/>
     <p:sldId id="260" r:id="rId4"/>
     <p:sldId id="258" r:id="rId5"/>
-    <p:sldId id="262" r:id="rId6"/>
+    <p:sldId id="264" r:id="rId6"/>
+    <p:sldId id="262" r:id="rId7"/>
+    <p:sldId id="263" r:id="rId8"/>
   </p:sldIdLst>
   <p:sldSz cx="9144000" cy="6858000" type="screen4x3"/>
   <p:notesSz cx="6858000" cy="9144000"/>
@@ -5227,54 +5229,6 @@
           <a:prstGeom prst="ellipse">
             <a:avLst/>
           </a:prstGeom>
-          <a:solidFill>
-            <a:srgbClr val="FF0000"/>
-          </a:solidFill>
-          <a:ln>
-            <a:solidFill>
-              <a:schemeClr val="tx1"/>
-            </a:solidFill>
-          </a:ln>
-        </p:spPr>
-        <p:style>
-          <a:lnRef idx="2">
-            <a:schemeClr val="accent1">
-              <a:shade val="50000"/>
-            </a:schemeClr>
-          </a:lnRef>
-          <a:fillRef idx="1">
-            <a:schemeClr val="accent1"/>
-          </a:fillRef>
-          <a:effectRef idx="0">
-            <a:schemeClr val="accent1"/>
-          </a:effectRef>
-          <a:fontRef idx="minor">
-            <a:schemeClr val="lt1"/>
-          </a:fontRef>
-        </p:style>
-        <p:txBody>
-          <a:bodyPr rtlCol="0" anchor="ctr"/>
-          <a:lstStyle/>
-          <a:p>
-            <a:pPr algn="ctr"/>
-            <a:endParaRPr lang="en-US"/>
-          </a:p>
-        </p:txBody>
-      </p:sp>
-      <p:sp>
-        <p:nvSpPr>
-          <p:cNvPr id="7" name="Oval 6"/>
-          <p:cNvSpPr/>
-          <p:nvPr/>
-        </p:nvSpPr>
-        <p:spPr>
-          <a:xfrm>
-            <a:off x="2483792" y="3255648"/>
-            <a:ext cx="288032" cy="288032"/>
-          </a:xfrm>
-          <a:prstGeom prst="ellipse">
-            <a:avLst/>
-          </a:prstGeom>
           <a:pattFill prst="wdDnDiag">
             <a:fgClr>
               <a:srgbClr val="FF0000"/>
@@ -5316,6 +5270,52 @@
       </p:sp>
       <p:sp>
         <p:nvSpPr>
+          <p:cNvPr id="7" name="Oval 6"/>
+          <p:cNvSpPr/>
+          <p:nvPr/>
+        </p:nvSpPr>
+        <p:spPr>
+          <a:xfrm>
+            <a:off x="2483792" y="3255648"/>
+            <a:ext cx="288032" cy="288032"/>
+          </a:xfrm>
+          <a:prstGeom prst="ellipse">
+            <a:avLst/>
+          </a:prstGeom>
+          <a:noFill/>
+          <a:ln>
+            <a:solidFill>
+              <a:schemeClr val="tx1"/>
+            </a:solidFill>
+          </a:ln>
+        </p:spPr>
+        <p:style>
+          <a:lnRef idx="2">
+            <a:schemeClr val="accent1">
+              <a:shade val="50000"/>
+            </a:schemeClr>
+          </a:lnRef>
+          <a:fillRef idx="1">
+            <a:schemeClr val="accent1"/>
+          </a:fillRef>
+          <a:effectRef idx="0">
+            <a:schemeClr val="accent1"/>
+          </a:effectRef>
+          <a:fontRef idx="minor">
+            <a:schemeClr val="lt1"/>
+          </a:fontRef>
+        </p:style>
+        <p:txBody>
+          <a:bodyPr rtlCol="0" anchor="ctr"/>
+          <a:lstStyle/>
+          <a:p>
+            <a:pPr algn="ctr"/>
+            <a:endParaRPr lang="en-US"/>
+          </a:p>
+        </p:txBody>
+      </p:sp>
+      <p:sp>
+        <p:nvSpPr>
           <p:cNvPr id="10" name="Oval 9"/>
           <p:cNvSpPr/>
           <p:nvPr/>
@@ -5526,54 +5526,6 @@
           <a:prstGeom prst="ellipse">
             <a:avLst/>
           </a:prstGeom>
-          <a:solidFill>
-            <a:srgbClr val="FF0000"/>
-          </a:solidFill>
-          <a:ln>
-            <a:solidFill>
-              <a:schemeClr val="tx1"/>
-            </a:solidFill>
-          </a:ln>
-        </p:spPr>
-        <p:style>
-          <a:lnRef idx="2">
-            <a:schemeClr val="accent1">
-              <a:shade val="50000"/>
-            </a:schemeClr>
-          </a:lnRef>
-          <a:fillRef idx="1">
-            <a:schemeClr val="accent1"/>
-          </a:fillRef>
-          <a:effectRef idx="0">
-            <a:schemeClr val="accent1"/>
-          </a:effectRef>
-          <a:fontRef idx="minor">
-            <a:schemeClr val="lt1"/>
-          </a:fontRef>
-        </p:style>
-        <p:txBody>
-          <a:bodyPr rtlCol="0" anchor="ctr"/>
-          <a:lstStyle/>
-          <a:p>
-            <a:pPr algn="ctr"/>
-            <a:endParaRPr lang="en-US"/>
-          </a:p>
-        </p:txBody>
-      </p:sp>
-      <p:sp>
-        <p:nvSpPr>
-          <p:cNvPr id="21" name="Oval 20"/>
-          <p:cNvSpPr/>
-          <p:nvPr/>
-        </p:nvSpPr>
-        <p:spPr>
-          <a:xfrm>
-            <a:off x="4067944" y="3255648"/>
-            <a:ext cx="288032" cy="288032"/>
-          </a:xfrm>
-          <a:prstGeom prst="ellipse">
-            <a:avLst/>
-          </a:prstGeom>
           <a:pattFill prst="wdDnDiag">
             <a:fgClr>
               <a:srgbClr val="FF0000"/>
@@ -5615,13 +5567,13 @@
       </p:sp>
       <p:sp>
         <p:nvSpPr>
-          <p:cNvPr id="22" name="Oval 21"/>
+          <p:cNvPr id="21" name="Oval 20"/>
           <p:cNvSpPr/>
           <p:nvPr/>
         </p:nvSpPr>
         <p:spPr>
           <a:xfrm>
-            <a:off x="4067944" y="3941240"/>
+            <a:off x="4067944" y="3255648"/>
             <a:ext cx="288032" cy="288032"/>
           </a:xfrm>
           <a:prstGeom prst="ellipse">
@@ -5661,6 +5613,754 @@
       </p:sp>
       <p:sp>
         <p:nvSpPr>
+          <p:cNvPr id="22" name="Oval 21"/>
+          <p:cNvSpPr/>
+          <p:nvPr/>
+        </p:nvSpPr>
+        <p:spPr>
+          <a:xfrm>
+            <a:off x="4067944" y="3941240"/>
+            <a:ext cx="288032" cy="288032"/>
+          </a:xfrm>
+          <a:prstGeom prst="ellipse">
+            <a:avLst/>
+          </a:prstGeom>
+          <a:noFill/>
+          <a:ln>
+            <a:solidFill>
+              <a:schemeClr val="tx1"/>
+            </a:solidFill>
+          </a:ln>
+        </p:spPr>
+        <p:style>
+          <a:lnRef idx="2">
+            <a:schemeClr val="accent1">
+              <a:shade val="50000"/>
+            </a:schemeClr>
+          </a:lnRef>
+          <a:fillRef idx="1">
+            <a:schemeClr val="accent1"/>
+          </a:fillRef>
+          <a:effectRef idx="0">
+            <a:schemeClr val="accent1"/>
+          </a:effectRef>
+          <a:fontRef idx="minor">
+            <a:schemeClr val="lt1"/>
+          </a:fontRef>
+        </p:style>
+        <p:txBody>
+          <a:bodyPr rtlCol="0" anchor="ctr"/>
+          <a:lstStyle/>
+          <a:p>
+            <a:pPr algn="ctr"/>
+            <a:endParaRPr lang="en-US"/>
+          </a:p>
+        </p:txBody>
+      </p:sp>
+      <p:sp>
+        <p:nvSpPr>
+          <p:cNvPr id="23" name="TextBox 22"/>
+          <p:cNvSpPr txBox="1"/>
+          <p:nvPr/>
+        </p:nvSpPr>
+        <p:spPr>
+          <a:xfrm>
+            <a:off x="1763688" y="3941240"/>
+            <a:ext cx="569387" cy="369332"/>
+          </a:xfrm>
+          <a:prstGeom prst="rect">
+            <a:avLst/>
+          </a:prstGeom>
+          <a:noFill/>
+        </p:spPr>
+        <p:txBody>
+          <a:bodyPr wrap="none" rtlCol="0">
+            <a:spAutoFit/>
+          </a:bodyPr>
+          <a:lstStyle/>
+          <a:p>
+            <a:r>
+              <a:rPr lang="en-US" dirty="0" smtClean="0"/>
+              <a:t>m-1</a:t>
+            </a:r>
+            <a:endParaRPr lang="en-US" dirty="0"/>
+          </a:p>
+        </p:txBody>
+      </p:sp>
+      <p:sp>
+        <p:nvSpPr>
+          <p:cNvPr id="24" name="TextBox 23"/>
+          <p:cNvSpPr txBox="1"/>
+          <p:nvPr/>
+        </p:nvSpPr>
+        <p:spPr>
+          <a:xfrm>
+            <a:off x="1763687" y="3214998"/>
+            <a:ext cx="369012" cy="369332"/>
+          </a:xfrm>
+          <a:prstGeom prst="rect">
+            <a:avLst/>
+          </a:prstGeom>
+          <a:noFill/>
+        </p:spPr>
+        <p:txBody>
+          <a:bodyPr wrap="none" rtlCol="0">
+            <a:spAutoFit/>
+          </a:bodyPr>
+          <a:lstStyle/>
+          <a:p>
+            <a:r>
+              <a:rPr lang="en-US" dirty="0" smtClean="0"/>
+              <a:t>m</a:t>
+            </a:r>
+            <a:endParaRPr lang="en-US" dirty="0"/>
+          </a:p>
+        </p:txBody>
+      </p:sp>
+      <p:sp>
+        <p:nvSpPr>
+          <p:cNvPr id="25" name="TextBox 24"/>
+          <p:cNvSpPr txBox="1"/>
+          <p:nvPr/>
+        </p:nvSpPr>
+        <p:spPr>
+          <a:xfrm>
+            <a:off x="1763686" y="2529406"/>
+            <a:ext cx="601447" cy="369332"/>
+          </a:xfrm>
+          <a:prstGeom prst="rect">
+            <a:avLst/>
+          </a:prstGeom>
+          <a:noFill/>
+        </p:spPr>
+        <p:txBody>
+          <a:bodyPr wrap="none" rtlCol="0">
+            <a:spAutoFit/>
+          </a:bodyPr>
+          <a:lstStyle/>
+          <a:p>
+            <a:r>
+              <a:rPr lang="en-US" dirty="0" smtClean="0"/>
+              <a:t>m+1</a:t>
+            </a:r>
+            <a:endParaRPr lang="en-US" dirty="0"/>
+          </a:p>
+        </p:txBody>
+      </p:sp>
+      <p:sp>
+        <p:nvSpPr>
+          <p:cNvPr id="26" name="TextBox 25"/>
+          <p:cNvSpPr txBox="1"/>
+          <p:nvPr/>
+        </p:nvSpPr>
+        <p:spPr>
+          <a:xfrm>
+            <a:off x="2365133" y="4335046"/>
+            <a:ext cx="599844" cy="369332"/>
+          </a:xfrm>
+          <a:prstGeom prst="rect">
+            <a:avLst/>
+          </a:prstGeom>
+          <a:noFill/>
+        </p:spPr>
+        <p:txBody>
+          <a:bodyPr wrap="none" rtlCol="0">
+            <a:spAutoFit/>
+          </a:bodyPr>
+          <a:lstStyle/>
+          <a:p>
+            <a:r>
+              <a:rPr lang="en-US" dirty="0" smtClean="0"/>
+              <a:t>n - 1</a:t>
+            </a:r>
+            <a:endParaRPr lang="en-US" dirty="0"/>
+          </a:p>
+        </p:txBody>
+      </p:sp>
+      <p:sp>
+        <p:nvSpPr>
+          <p:cNvPr id="27" name="TextBox 26"/>
+          <p:cNvSpPr txBox="1"/>
+          <p:nvPr/>
+        </p:nvSpPr>
+        <p:spPr>
+          <a:xfrm>
+            <a:off x="3277028" y="4327036"/>
+            <a:ext cx="306494" cy="369332"/>
+          </a:xfrm>
+          <a:prstGeom prst="rect">
+            <a:avLst/>
+          </a:prstGeom>
+          <a:noFill/>
+        </p:spPr>
+        <p:txBody>
+          <a:bodyPr wrap="none" rtlCol="0">
+            <a:spAutoFit/>
+          </a:bodyPr>
+          <a:lstStyle/>
+          <a:p>
+            <a:r>
+              <a:rPr lang="en-US" dirty="0" smtClean="0"/>
+              <a:t>n</a:t>
+            </a:r>
+            <a:endParaRPr lang="en-US" dirty="0"/>
+          </a:p>
+        </p:txBody>
+      </p:sp>
+      <p:sp>
+        <p:nvSpPr>
+          <p:cNvPr id="28" name="TextBox 27"/>
+          <p:cNvSpPr txBox="1"/>
+          <p:nvPr/>
+        </p:nvSpPr>
+        <p:spPr>
+          <a:xfrm>
+            <a:off x="3912038" y="4335046"/>
+            <a:ext cx="644728" cy="369332"/>
+          </a:xfrm>
+          <a:prstGeom prst="rect">
+            <a:avLst/>
+          </a:prstGeom>
+          <a:noFill/>
+        </p:spPr>
+        <p:txBody>
+          <a:bodyPr wrap="none" rtlCol="0">
+            <a:spAutoFit/>
+          </a:bodyPr>
+          <a:lstStyle/>
+          <a:p>
+            <a:r>
+              <a:rPr lang="en-US" dirty="0" smtClean="0"/>
+              <a:t>n + 1</a:t>
+            </a:r>
+            <a:endParaRPr lang="en-US" dirty="0"/>
+          </a:p>
+        </p:txBody>
+      </p:sp>
+      <p:sp>
+        <p:nvSpPr>
+          <p:cNvPr id="2" name="TextBox 1"/>
+          <p:cNvSpPr txBox="1"/>
+          <p:nvPr/>
+        </p:nvSpPr>
+        <p:spPr>
+          <a:xfrm>
+            <a:off x="2365133" y="692696"/>
+            <a:ext cx="4104432" cy="1569660"/>
+          </a:xfrm>
+          <a:prstGeom prst="rect">
+            <a:avLst/>
+          </a:prstGeom>
+          <a:noFill/>
+        </p:spPr>
+        <p:txBody>
+          <a:bodyPr wrap="square" rtlCol="0">
+            <a:spAutoFit/>
+          </a:bodyPr>
+          <a:lstStyle/>
+          <a:p>
+            <a:r>
+              <a:rPr lang="en-US" sz="3200" dirty="0" smtClean="0"/>
+              <a:t>time – BDW FO</a:t>
+            </a:r>
+          </a:p>
+          <a:p>
+            <a:r>
+              <a:rPr lang="en-US" sz="3200" dirty="0" smtClean="0"/>
+              <a:t>SO – IMPLICIT</a:t>
+            </a:r>
+          </a:p>
+          <a:p>
+            <a:r>
+              <a:rPr lang="en-US" sz="3200" dirty="0" smtClean="0"/>
+              <a:t>NL – </a:t>
+            </a:r>
+            <a:r>
+              <a:rPr lang="en-US" sz="3200" dirty="0" smtClean="0"/>
+              <a:t>IMPLICIT SO</a:t>
+            </a:r>
+            <a:endParaRPr lang="en-US" sz="3200" dirty="0"/>
+          </a:p>
+        </p:txBody>
+      </p:sp>
+    </p:spTree>
+    <p:extLst>
+      <p:ext uri="{BB962C8B-B14F-4D97-AF65-F5344CB8AC3E}">
+        <p14:creationId xmlns:p14="http://schemas.microsoft.com/office/powerpoint/2010/main" val="1201497143"/>
+      </p:ext>
+    </p:extLst>
+  </p:cSld>
+  <p:clrMapOvr>
+    <a:masterClrMapping/>
+  </p:clrMapOvr>
+</p:sld>
+</file>
+
+<file path=ppt/slides/slide6.xml><?xml version="1.0" encoding="utf-8"?>
+<p:sld xmlns:a="http://schemas.openxmlformats.org/drawingml/2006/main" xmlns:r="http://schemas.openxmlformats.org/officeDocument/2006/relationships" xmlns:p="http://schemas.openxmlformats.org/presentationml/2006/main">
+  <p:cSld>
+    <p:spTree>
+      <p:nvGrpSpPr>
+        <p:cNvPr id="1" name=""/>
+        <p:cNvGrpSpPr/>
+        <p:nvPr/>
+      </p:nvGrpSpPr>
+      <p:grpSpPr>
+        <a:xfrm>
+          <a:off x="0" y="0"/>
+          <a:ext cx="0" cy="0"/>
+          <a:chOff x="0" y="0"/>
+          <a:chExt cx="0" cy="0"/>
+        </a:xfrm>
+      </p:grpSpPr>
+      <p:sp>
+        <p:nvSpPr>
+          <p:cNvPr id="4" name="Oval 3"/>
+          <p:cNvSpPr/>
+          <p:nvPr/>
+        </p:nvSpPr>
+        <p:spPr>
+          <a:xfrm>
+            <a:off x="2483792" y="2570056"/>
+            <a:ext cx="288032" cy="288032"/>
+          </a:xfrm>
+          <a:prstGeom prst="ellipse">
+            <a:avLst/>
+          </a:prstGeom>
+          <a:solidFill>
+            <a:srgbClr val="FF0000"/>
+          </a:solidFill>
+          <a:ln>
+            <a:solidFill>
+              <a:schemeClr val="tx1"/>
+            </a:solidFill>
+          </a:ln>
+        </p:spPr>
+        <p:style>
+          <a:lnRef idx="2">
+            <a:schemeClr val="accent1">
+              <a:shade val="50000"/>
+            </a:schemeClr>
+          </a:lnRef>
+          <a:fillRef idx="1">
+            <a:schemeClr val="accent1"/>
+          </a:fillRef>
+          <a:effectRef idx="0">
+            <a:schemeClr val="accent1"/>
+          </a:effectRef>
+          <a:fontRef idx="minor">
+            <a:schemeClr val="lt1"/>
+          </a:fontRef>
+        </p:style>
+        <p:txBody>
+          <a:bodyPr rtlCol="0" anchor="ctr"/>
+          <a:lstStyle/>
+          <a:p>
+            <a:pPr algn="ctr"/>
+            <a:endParaRPr lang="en-US"/>
+          </a:p>
+        </p:txBody>
+      </p:sp>
+      <p:sp>
+        <p:nvSpPr>
+          <p:cNvPr id="7" name="Oval 6"/>
+          <p:cNvSpPr/>
+          <p:nvPr/>
+        </p:nvSpPr>
+        <p:spPr>
+          <a:xfrm>
+            <a:off x="2483792" y="3255648"/>
+            <a:ext cx="288032" cy="288032"/>
+          </a:xfrm>
+          <a:prstGeom prst="ellipse">
+            <a:avLst/>
+          </a:prstGeom>
+          <a:pattFill prst="wdDnDiag">
+            <a:fgClr>
+              <a:srgbClr val="FF0000"/>
+            </a:fgClr>
+            <a:bgClr>
+              <a:srgbClr val="00B050"/>
+            </a:bgClr>
+          </a:pattFill>
+          <a:ln>
+            <a:solidFill>
+              <a:schemeClr val="tx1"/>
+            </a:solidFill>
+          </a:ln>
+        </p:spPr>
+        <p:style>
+          <a:lnRef idx="2">
+            <a:schemeClr val="accent1">
+              <a:shade val="50000"/>
+            </a:schemeClr>
+          </a:lnRef>
+          <a:fillRef idx="1">
+            <a:schemeClr val="accent1"/>
+          </a:fillRef>
+          <a:effectRef idx="0">
+            <a:schemeClr val="accent1"/>
+          </a:effectRef>
+          <a:fontRef idx="minor">
+            <a:schemeClr val="lt1"/>
+          </a:fontRef>
+        </p:style>
+        <p:txBody>
+          <a:bodyPr rtlCol="0" anchor="ctr"/>
+          <a:lstStyle/>
+          <a:p>
+            <a:pPr algn="ctr"/>
+            <a:endParaRPr lang="en-US"/>
+          </a:p>
+        </p:txBody>
+      </p:sp>
+      <p:sp>
+        <p:nvSpPr>
+          <p:cNvPr id="10" name="Oval 9"/>
+          <p:cNvSpPr/>
+          <p:nvPr/>
+        </p:nvSpPr>
+        <p:spPr>
+          <a:xfrm>
+            <a:off x="2483792" y="3941240"/>
+            <a:ext cx="288032" cy="288032"/>
+          </a:xfrm>
+          <a:prstGeom prst="ellipse">
+            <a:avLst/>
+          </a:prstGeom>
+          <a:noFill/>
+          <a:ln>
+            <a:solidFill>
+              <a:schemeClr val="tx1"/>
+            </a:solidFill>
+          </a:ln>
+        </p:spPr>
+        <p:style>
+          <a:lnRef idx="2">
+            <a:schemeClr val="accent1">
+              <a:shade val="50000"/>
+            </a:schemeClr>
+          </a:lnRef>
+          <a:fillRef idx="1">
+            <a:schemeClr val="accent1"/>
+          </a:fillRef>
+          <a:effectRef idx="0">
+            <a:schemeClr val="accent1"/>
+          </a:effectRef>
+          <a:fontRef idx="minor">
+            <a:schemeClr val="lt1"/>
+          </a:fontRef>
+        </p:style>
+        <p:txBody>
+          <a:bodyPr rtlCol="0" anchor="ctr"/>
+          <a:lstStyle/>
+          <a:p>
+            <a:pPr algn="ctr"/>
+            <a:endParaRPr lang="en-US"/>
+          </a:p>
+        </p:txBody>
+      </p:sp>
+      <p:sp>
+        <p:nvSpPr>
+          <p:cNvPr id="16" name="Oval 15"/>
+          <p:cNvSpPr/>
+          <p:nvPr/>
+        </p:nvSpPr>
+        <p:spPr>
+          <a:xfrm>
+            <a:off x="3275868" y="2570056"/>
+            <a:ext cx="288032" cy="288032"/>
+          </a:xfrm>
+          <a:prstGeom prst="ellipse">
+            <a:avLst/>
+          </a:prstGeom>
+          <a:pattFill prst="wdDnDiag">
+            <a:fgClr>
+              <a:srgbClr val="FF0000"/>
+            </a:fgClr>
+            <a:bgClr>
+              <a:schemeClr val="accent1"/>
+            </a:bgClr>
+          </a:pattFill>
+          <a:ln>
+            <a:solidFill>
+              <a:schemeClr val="tx1"/>
+            </a:solidFill>
+          </a:ln>
+        </p:spPr>
+        <p:style>
+          <a:lnRef idx="2">
+            <a:schemeClr val="accent1">
+              <a:shade val="50000"/>
+            </a:schemeClr>
+          </a:lnRef>
+          <a:fillRef idx="1">
+            <a:schemeClr val="accent1"/>
+          </a:fillRef>
+          <a:effectRef idx="0">
+            <a:schemeClr val="accent1"/>
+          </a:effectRef>
+          <a:fontRef idx="minor">
+            <a:schemeClr val="lt1"/>
+          </a:fontRef>
+        </p:style>
+        <p:txBody>
+          <a:bodyPr rtlCol="0" anchor="ctr"/>
+          <a:lstStyle/>
+          <a:p>
+            <a:pPr algn="ctr"/>
+            <a:endParaRPr lang="en-US"/>
+          </a:p>
+        </p:txBody>
+      </p:sp>
+      <p:sp>
+        <p:nvSpPr>
+          <p:cNvPr id="17" name="Oval 16"/>
+          <p:cNvSpPr/>
+          <p:nvPr/>
+        </p:nvSpPr>
+        <p:spPr>
+          <a:xfrm>
+            <a:off x="3275868" y="3255648"/>
+            <a:ext cx="288032" cy="288032"/>
+          </a:xfrm>
+          <a:prstGeom prst="ellipse">
+            <a:avLst/>
+          </a:prstGeom>
+          <a:pattFill prst="wdDnDiag">
+            <a:fgClr>
+              <a:srgbClr val="FF0000"/>
+            </a:fgClr>
+            <a:bgClr>
+              <a:schemeClr val="accent1"/>
+            </a:bgClr>
+          </a:pattFill>
+          <a:ln>
+            <a:solidFill>
+              <a:schemeClr val="tx1"/>
+            </a:solidFill>
+          </a:ln>
+        </p:spPr>
+        <p:style>
+          <a:lnRef idx="2">
+            <a:schemeClr val="accent1">
+              <a:shade val="50000"/>
+            </a:schemeClr>
+          </a:lnRef>
+          <a:fillRef idx="1">
+            <a:schemeClr val="accent1"/>
+          </a:fillRef>
+          <a:effectRef idx="0">
+            <a:schemeClr val="accent1"/>
+          </a:effectRef>
+          <a:fontRef idx="minor">
+            <a:schemeClr val="lt1"/>
+          </a:fontRef>
+        </p:style>
+        <p:txBody>
+          <a:bodyPr rtlCol="0" anchor="ctr"/>
+          <a:lstStyle/>
+          <a:p>
+            <a:pPr algn="ctr"/>
+            <a:endParaRPr lang="en-US"/>
+          </a:p>
+        </p:txBody>
+      </p:sp>
+      <p:sp>
+        <p:nvSpPr>
+          <p:cNvPr id="18" name="Oval 17"/>
+          <p:cNvSpPr/>
+          <p:nvPr/>
+        </p:nvSpPr>
+        <p:spPr>
+          <a:xfrm>
+            <a:off x="3275868" y="3941240"/>
+            <a:ext cx="288032" cy="288032"/>
+          </a:xfrm>
+          <a:prstGeom prst="ellipse">
+            <a:avLst/>
+          </a:prstGeom>
+          <a:noFill/>
+          <a:ln>
+            <a:solidFill>
+              <a:schemeClr val="tx1"/>
+            </a:solidFill>
+          </a:ln>
+        </p:spPr>
+        <p:style>
+          <a:lnRef idx="2">
+            <a:schemeClr val="accent1">
+              <a:shade val="50000"/>
+            </a:schemeClr>
+          </a:lnRef>
+          <a:fillRef idx="1">
+            <a:schemeClr val="accent1"/>
+          </a:fillRef>
+          <a:effectRef idx="0">
+            <a:schemeClr val="accent1"/>
+          </a:effectRef>
+          <a:fontRef idx="minor">
+            <a:schemeClr val="lt1"/>
+          </a:fontRef>
+        </p:style>
+        <p:txBody>
+          <a:bodyPr rtlCol="0" anchor="ctr"/>
+          <a:lstStyle/>
+          <a:p>
+            <a:pPr algn="ctr"/>
+            <a:endParaRPr lang="en-US"/>
+          </a:p>
+        </p:txBody>
+      </p:sp>
+      <p:sp>
+        <p:nvSpPr>
+          <p:cNvPr id="20" name="Oval 19"/>
+          <p:cNvSpPr/>
+          <p:nvPr/>
+        </p:nvSpPr>
+        <p:spPr>
+          <a:xfrm>
+            <a:off x="4067944" y="2570056"/>
+            <a:ext cx="288032" cy="288032"/>
+          </a:xfrm>
+          <a:prstGeom prst="ellipse">
+            <a:avLst/>
+          </a:prstGeom>
+          <a:solidFill>
+            <a:srgbClr val="FF0000"/>
+          </a:solidFill>
+          <a:ln>
+            <a:solidFill>
+              <a:schemeClr val="tx1"/>
+            </a:solidFill>
+          </a:ln>
+        </p:spPr>
+        <p:style>
+          <a:lnRef idx="2">
+            <a:schemeClr val="accent1">
+              <a:shade val="50000"/>
+            </a:schemeClr>
+          </a:lnRef>
+          <a:fillRef idx="1">
+            <a:schemeClr val="accent1"/>
+          </a:fillRef>
+          <a:effectRef idx="0">
+            <a:schemeClr val="accent1"/>
+          </a:effectRef>
+          <a:fontRef idx="minor">
+            <a:schemeClr val="lt1"/>
+          </a:fontRef>
+        </p:style>
+        <p:txBody>
+          <a:bodyPr rtlCol="0" anchor="ctr"/>
+          <a:lstStyle/>
+          <a:p>
+            <a:pPr algn="ctr"/>
+            <a:endParaRPr lang="en-US"/>
+          </a:p>
+        </p:txBody>
+      </p:sp>
+      <p:sp>
+        <p:nvSpPr>
+          <p:cNvPr id="21" name="Oval 20"/>
+          <p:cNvSpPr/>
+          <p:nvPr/>
+        </p:nvSpPr>
+        <p:spPr>
+          <a:xfrm>
+            <a:off x="4067944" y="3255648"/>
+            <a:ext cx="288032" cy="288032"/>
+          </a:xfrm>
+          <a:prstGeom prst="ellipse">
+            <a:avLst/>
+          </a:prstGeom>
+          <a:pattFill prst="wdDnDiag">
+            <a:fgClr>
+              <a:srgbClr val="FF0000"/>
+            </a:fgClr>
+            <a:bgClr>
+              <a:srgbClr val="00B050"/>
+            </a:bgClr>
+          </a:pattFill>
+          <a:ln>
+            <a:solidFill>
+              <a:schemeClr val="tx1"/>
+            </a:solidFill>
+          </a:ln>
+        </p:spPr>
+        <p:style>
+          <a:lnRef idx="2">
+            <a:schemeClr val="accent1">
+              <a:shade val="50000"/>
+            </a:schemeClr>
+          </a:lnRef>
+          <a:fillRef idx="1">
+            <a:schemeClr val="accent1"/>
+          </a:fillRef>
+          <a:effectRef idx="0">
+            <a:schemeClr val="accent1"/>
+          </a:effectRef>
+          <a:fontRef idx="minor">
+            <a:schemeClr val="lt1"/>
+          </a:fontRef>
+        </p:style>
+        <p:txBody>
+          <a:bodyPr rtlCol="0" anchor="ctr"/>
+          <a:lstStyle/>
+          <a:p>
+            <a:pPr algn="ctr"/>
+            <a:endParaRPr lang="en-US"/>
+          </a:p>
+        </p:txBody>
+      </p:sp>
+      <p:sp>
+        <p:nvSpPr>
+          <p:cNvPr id="22" name="Oval 21"/>
+          <p:cNvSpPr/>
+          <p:nvPr/>
+        </p:nvSpPr>
+        <p:spPr>
+          <a:xfrm>
+            <a:off x="4067944" y="3941240"/>
+            <a:ext cx="288032" cy="288032"/>
+          </a:xfrm>
+          <a:prstGeom prst="ellipse">
+            <a:avLst/>
+          </a:prstGeom>
+          <a:noFill/>
+          <a:ln>
+            <a:solidFill>
+              <a:schemeClr val="tx1"/>
+            </a:solidFill>
+          </a:ln>
+        </p:spPr>
+        <p:style>
+          <a:lnRef idx="2">
+            <a:schemeClr val="accent1">
+              <a:shade val="50000"/>
+            </a:schemeClr>
+          </a:lnRef>
+          <a:fillRef idx="1">
+            <a:schemeClr val="accent1"/>
+          </a:fillRef>
+          <a:effectRef idx="0">
+            <a:schemeClr val="accent1"/>
+          </a:effectRef>
+          <a:fontRef idx="minor">
+            <a:schemeClr val="lt1"/>
+          </a:fontRef>
+        </p:style>
+        <p:txBody>
+          <a:bodyPr rtlCol="0" anchor="ctr"/>
+          <a:lstStyle/>
+          <a:p>
+            <a:pPr algn="ctr"/>
+            <a:endParaRPr lang="en-US"/>
+          </a:p>
+        </p:txBody>
+      </p:sp>
+      <p:sp>
+        <p:nvSpPr>
           <p:cNvPr id="23" name="TextBox 22"/>
           <p:cNvSpPr txBox="1"/>
           <p:nvPr/>
@@ -5885,6 +6585,708 @@
     <p:extLst>
       <p:ext uri="{BB962C8B-B14F-4D97-AF65-F5344CB8AC3E}">
         <p14:creationId xmlns:p14="http://schemas.microsoft.com/office/powerpoint/2010/main" val="2373186575"/>
+      </p:ext>
+    </p:extLst>
+  </p:cSld>
+  <p:clrMapOvr>
+    <a:masterClrMapping/>
+  </p:clrMapOvr>
+</p:sld>
+</file>
+
+<file path=ppt/slides/slide7.xml><?xml version="1.0" encoding="utf-8"?>
+<p:sld xmlns:a="http://schemas.openxmlformats.org/drawingml/2006/main" xmlns:r="http://schemas.openxmlformats.org/officeDocument/2006/relationships" xmlns:p="http://schemas.openxmlformats.org/presentationml/2006/main">
+  <p:cSld>
+    <p:spTree>
+      <p:nvGrpSpPr>
+        <p:cNvPr id="1" name=""/>
+        <p:cNvGrpSpPr/>
+        <p:nvPr/>
+      </p:nvGrpSpPr>
+      <p:grpSpPr>
+        <a:xfrm>
+          <a:off x="0" y="0"/>
+          <a:ext cx="0" cy="0"/>
+          <a:chOff x="0" y="0"/>
+          <a:chExt cx="0" cy="0"/>
+        </a:xfrm>
+      </p:grpSpPr>
+      <p:sp>
+        <p:nvSpPr>
+          <p:cNvPr id="4" name="Oval 3"/>
+          <p:cNvSpPr/>
+          <p:nvPr/>
+        </p:nvSpPr>
+        <p:spPr>
+          <a:xfrm>
+            <a:off x="2483792" y="2570056"/>
+            <a:ext cx="288032" cy="288032"/>
+          </a:xfrm>
+          <a:prstGeom prst="ellipse">
+            <a:avLst/>
+          </a:prstGeom>
+          <a:pattFill prst="wdDnDiag">
+            <a:fgClr>
+              <a:srgbClr val="FF0000"/>
+            </a:fgClr>
+            <a:bgClr>
+              <a:srgbClr val="00B050"/>
+            </a:bgClr>
+          </a:pattFill>
+          <a:ln>
+            <a:solidFill>
+              <a:schemeClr val="tx1"/>
+            </a:solidFill>
+          </a:ln>
+        </p:spPr>
+        <p:style>
+          <a:lnRef idx="2">
+            <a:schemeClr val="accent1">
+              <a:shade val="50000"/>
+            </a:schemeClr>
+          </a:lnRef>
+          <a:fillRef idx="1">
+            <a:schemeClr val="accent1"/>
+          </a:fillRef>
+          <a:effectRef idx="0">
+            <a:schemeClr val="accent1"/>
+          </a:effectRef>
+          <a:fontRef idx="minor">
+            <a:schemeClr val="lt1"/>
+          </a:fontRef>
+        </p:style>
+        <p:txBody>
+          <a:bodyPr rtlCol="0" anchor="ctr"/>
+          <a:lstStyle/>
+          <a:p>
+            <a:pPr algn="ctr"/>
+            <a:endParaRPr lang="en-US"/>
+          </a:p>
+        </p:txBody>
+      </p:sp>
+      <p:sp>
+        <p:nvSpPr>
+          <p:cNvPr id="7" name="Oval 6"/>
+          <p:cNvSpPr/>
+          <p:nvPr/>
+        </p:nvSpPr>
+        <p:spPr>
+          <a:xfrm>
+            <a:off x="2483792" y="3255648"/>
+            <a:ext cx="288032" cy="288032"/>
+          </a:xfrm>
+          <a:prstGeom prst="ellipse">
+            <a:avLst/>
+          </a:prstGeom>
+          <a:solidFill>
+            <a:srgbClr val="FF0000"/>
+          </a:solidFill>
+          <a:ln>
+            <a:solidFill>
+              <a:schemeClr val="tx1"/>
+            </a:solidFill>
+          </a:ln>
+        </p:spPr>
+        <p:style>
+          <a:lnRef idx="2">
+            <a:schemeClr val="accent1">
+              <a:shade val="50000"/>
+            </a:schemeClr>
+          </a:lnRef>
+          <a:fillRef idx="1">
+            <a:schemeClr val="accent1"/>
+          </a:fillRef>
+          <a:effectRef idx="0">
+            <a:schemeClr val="accent1"/>
+          </a:effectRef>
+          <a:fontRef idx="minor">
+            <a:schemeClr val="lt1"/>
+          </a:fontRef>
+        </p:style>
+        <p:txBody>
+          <a:bodyPr rtlCol="0" anchor="ctr"/>
+          <a:lstStyle/>
+          <a:p>
+            <a:pPr algn="ctr"/>
+            <a:endParaRPr lang="en-US"/>
+          </a:p>
+        </p:txBody>
+      </p:sp>
+      <p:sp>
+        <p:nvSpPr>
+          <p:cNvPr id="10" name="Oval 9"/>
+          <p:cNvSpPr/>
+          <p:nvPr/>
+        </p:nvSpPr>
+        <p:spPr>
+          <a:xfrm>
+            <a:off x="2483792" y="3941240"/>
+            <a:ext cx="288032" cy="288032"/>
+          </a:xfrm>
+          <a:prstGeom prst="ellipse">
+            <a:avLst/>
+          </a:prstGeom>
+          <a:noFill/>
+          <a:ln>
+            <a:solidFill>
+              <a:schemeClr val="tx1"/>
+            </a:solidFill>
+          </a:ln>
+        </p:spPr>
+        <p:style>
+          <a:lnRef idx="2">
+            <a:schemeClr val="accent1">
+              <a:shade val="50000"/>
+            </a:schemeClr>
+          </a:lnRef>
+          <a:fillRef idx="1">
+            <a:schemeClr val="accent1"/>
+          </a:fillRef>
+          <a:effectRef idx="0">
+            <a:schemeClr val="accent1"/>
+          </a:effectRef>
+          <a:fontRef idx="minor">
+            <a:schemeClr val="lt1"/>
+          </a:fontRef>
+        </p:style>
+        <p:txBody>
+          <a:bodyPr rtlCol="0" anchor="ctr"/>
+          <a:lstStyle/>
+          <a:p>
+            <a:pPr algn="ctr"/>
+            <a:endParaRPr lang="en-US"/>
+          </a:p>
+        </p:txBody>
+      </p:sp>
+      <p:sp>
+        <p:nvSpPr>
+          <p:cNvPr id="16" name="Oval 15"/>
+          <p:cNvSpPr/>
+          <p:nvPr/>
+        </p:nvSpPr>
+        <p:spPr>
+          <a:xfrm>
+            <a:off x="3275868" y="2570056"/>
+            <a:ext cx="288032" cy="288032"/>
+          </a:xfrm>
+          <a:prstGeom prst="ellipse">
+            <a:avLst/>
+          </a:prstGeom>
+          <a:pattFill prst="wdDnDiag">
+            <a:fgClr>
+              <a:srgbClr val="FF0000"/>
+            </a:fgClr>
+            <a:bgClr>
+              <a:schemeClr val="accent1"/>
+            </a:bgClr>
+          </a:pattFill>
+          <a:ln>
+            <a:solidFill>
+              <a:schemeClr val="tx1"/>
+            </a:solidFill>
+          </a:ln>
+        </p:spPr>
+        <p:style>
+          <a:lnRef idx="2">
+            <a:schemeClr val="accent1">
+              <a:shade val="50000"/>
+            </a:schemeClr>
+          </a:lnRef>
+          <a:fillRef idx="1">
+            <a:schemeClr val="accent1"/>
+          </a:fillRef>
+          <a:effectRef idx="0">
+            <a:schemeClr val="accent1"/>
+          </a:effectRef>
+          <a:fontRef idx="minor">
+            <a:schemeClr val="lt1"/>
+          </a:fontRef>
+        </p:style>
+        <p:txBody>
+          <a:bodyPr rtlCol="0" anchor="ctr"/>
+          <a:lstStyle/>
+          <a:p>
+            <a:pPr algn="ctr"/>
+            <a:endParaRPr lang="en-US"/>
+          </a:p>
+        </p:txBody>
+      </p:sp>
+      <p:sp>
+        <p:nvSpPr>
+          <p:cNvPr id="17" name="Oval 16"/>
+          <p:cNvSpPr/>
+          <p:nvPr/>
+        </p:nvSpPr>
+        <p:spPr>
+          <a:xfrm>
+            <a:off x="3275868" y="3255648"/>
+            <a:ext cx="288032" cy="288032"/>
+          </a:xfrm>
+          <a:prstGeom prst="ellipse">
+            <a:avLst/>
+          </a:prstGeom>
+          <a:pattFill prst="wdDnDiag">
+            <a:fgClr>
+              <a:srgbClr val="FF0000"/>
+            </a:fgClr>
+            <a:bgClr>
+              <a:schemeClr val="accent1"/>
+            </a:bgClr>
+          </a:pattFill>
+          <a:ln>
+            <a:solidFill>
+              <a:schemeClr val="tx1"/>
+            </a:solidFill>
+          </a:ln>
+        </p:spPr>
+        <p:style>
+          <a:lnRef idx="2">
+            <a:schemeClr val="accent1">
+              <a:shade val="50000"/>
+            </a:schemeClr>
+          </a:lnRef>
+          <a:fillRef idx="1">
+            <a:schemeClr val="accent1"/>
+          </a:fillRef>
+          <a:effectRef idx="0">
+            <a:schemeClr val="accent1"/>
+          </a:effectRef>
+          <a:fontRef idx="minor">
+            <a:schemeClr val="lt1"/>
+          </a:fontRef>
+        </p:style>
+        <p:txBody>
+          <a:bodyPr rtlCol="0" anchor="ctr"/>
+          <a:lstStyle/>
+          <a:p>
+            <a:pPr algn="ctr"/>
+            <a:endParaRPr lang="en-US"/>
+          </a:p>
+        </p:txBody>
+      </p:sp>
+      <p:sp>
+        <p:nvSpPr>
+          <p:cNvPr id="18" name="Oval 17"/>
+          <p:cNvSpPr/>
+          <p:nvPr/>
+        </p:nvSpPr>
+        <p:spPr>
+          <a:xfrm>
+            <a:off x="3275868" y="3941240"/>
+            <a:ext cx="288032" cy="288032"/>
+          </a:xfrm>
+          <a:prstGeom prst="ellipse">
+            <a:avLst/>
+          </a:prstGeom>
+          <a:noFill/>
+          <a:ln>
+            <a:solidFill>
+              <a:schemeClr val="tx1"/>
+            </a:solidFill>
+          </a:ln>
+        </p:spPr>
+        <p:style>
+          <a:lnRef idx="2">
+            <a:schemeClr val="accent1">
+              <a:shade val="50000"/>
+            </a:schemeClr>
+          </a:lnRef>
+          <a:fillRef idx="1">
+            <a:schemeClr val="accent1"/>
+          </a:fillRef>
+          <a:effectRef idx="0">
+            <a:schemeClr val="accent1"/>
+          </a:effectRef>
+          <a:fontRef idx="minor">
+            <a:schemeClr val="lt1"/>
+          </a:fontRef>
+        </p:style>
+        <p:txBody>
+          <a:bodyPr rtlCol="0" anchor="ctr"/>
+          <a:lstStyle/>
+          <a:p>
+            <a:pPr algn="ctr"/>
+            <a:endParaRPr lang="en-US"/>
+          </a:p>
+        </p:txBody>
+      </p:sp>
+      <p:sp>
+        <p:nvSpPr>
+          <p:cNvPr id="20" name="Oval 19"/>
+          <p:cNvSpPr/>
+          <p:nvPr/>
+        </p:nvSpPr>
+        <p:spPr>
+          <a:xfrm>
+            <a:off x="4067944" y="2570056"/>
+            <a:ext cx="288032" cy="288032"/>
+          </a:xfrm>
+          <a:prstGeom prst="ellipse">
+            <a:avLst/>
+          </a:prstGeom>
+          <a:pattFill prst="wdDnDiag">
+            <a:fgClr>
+              <a:srgbClr val="FF0000"/>
+            </a:fgClr>
+            <a:bgClr>
+              <a:srgbClr val="00B050"/>
+            </a:bgClr>
+          </a:pattFill>
+          <a:ln>
+            <a:solidFill>
+              <a:schemeClr val="tx1"/>
+            </a:solidFill>
+          </a:ln>
+        </p:spPr>
+        <p:style>
+          <a:lnRef idx="2">
+            <a:schemeClr val="accent1">
+              <a:shade val="50000"/>
+            </a:schemeClr>
+          </a:lnRef>
+          <a:fillRef idx="1">
+            <a:schemeClr val="accent1"/>
+          </a:fillRef>
+          <a:effectRef idx="0">
+            <a:schemeClr val="accent1"/>
+          </a:effectRef>
+          <a:fontRef idx="minor">
+            <a:schemeClr val="lt1"/>
+          </a:fontRef>
+        </p:style>
+        <p:txBody>
+          <a:bodyPr rtlCol="0" anchor="ctr"/>
+          <a:lstStyle/>
+          <a:p>
+            <a:pPr algn="ctr"/>
+            <a:endParaRPr lang="en-US"/>
+          </a:p>
+        </p:txBody>
+      </p:sp>
+      <p:sp>
+        <p:nvSpPr>
+          <p:cNvPr id="21" name="Oval 20"/>
+          <p:cNvSpPr/>
+          <p:nvPr/>
+        </p:nvSpPr>
+        <p:spPr>
+          <a:xfrm>
+            <a:off x="4067944" y="3255648"/>
+            <a:ext cx="288032" cy="288032"/>
+          </a:xfrm>
+          <a:prstGeom prst="ellipse">
+            <a:avLst/>
+          </a:prstGeom>
+          <a:solidFill>
+            <a:srgbClr val="FF0000"/>
+          </a:solidFill>
+          <a:ln>
+            <a:solidFill>
+              <a:schemeClr val="tx1"/>
+            </a:solidFill>
+          </a:ln>
+        </p:spPr>
+        <p:style>
+          <a:lnRef idx="2">
+            <a:schemeClr val="accent1">
+              <a:shade val="50000"/>
+            </a:schemeClr>
+          </a:lnRef>
+          <a:fillRef idx="1">
+            <a:schemeClr val="accent1"/>
+          </a:fillRef>
+          <a:effectRef idx="0">
+            <a:schemeClr val="accent1"/>
+          </a:effectRef>
+          <a:fontRef idx="minor">
+            <a:schemeClr val="lt1"/>
+          </a:fontRef>
+        </p:style>
+        <p:txBody>
+          <a:bodyPr rtlCol="0" anchor="ctr"/>
+          <a:lstStyle/>
+          <a:p>
+            <a:pPr algn="ctr"/>
+            <a:endParaRPr lang="en-US"/>
+          </a:p>
+        </p:txBody>
+      </p:sp>
+      <p:sp>
+        <p:nvSpPr>
+          <p:cNvPr id="22" name="Oval 21"/>
+          <p:cNvSpPr/>
+          <p:nvPr/>
+        </p:nvSpPr>
+        <p:spPr>
+          <a:xfrm>
+            <a:off x="4067944" y="3941240"/>
+            <a:ext cx="288032" cy="288032"/>
+          </a:xfrm>
+          <a:prstGeom prst="ellipse">
+            <a:avLst/>
+          </a:prstGeom>
+          <a:noFill/>
+          <a:ln>
+            <a:solidFill>
+              <a:schemeClr val="tx1"/>
+            </a:solidFill>
+          </a:ln>
+        </p:spPr>
+        <p:style>
+          <a:lnRef idx="2">
+            <a:schemeClr val="accent1">
+              <a:shade val="50000"/>
+            </a:schemeClr>
+          </a:lnRef>
+          <a:fillRef idx="1">
+            <a:schemeClr val="accent1"/>
+          </a:fillRef>
+          <a:effectRef idx="0">
+            <a:schemeClr val="accent1"/>
+          </a:effectRef>
+          <a:fontRef idx="minor">
+            <a:schemeClr val="lt1"/>
+          </a:fontRef>
+        </p:style>
+        <p:txBody>
+          <a:bodyPr rtlCol="0" anchor="ctr"/>
+          <a:lstStyle/>
+          <a:p>
+            <a:pPr algn="ctr"/>
+            <a:endParaRPr lang="en-US"/>
+          </a:p>
+        </p:txBody>
+      </p:sp>
+      <p:sp>
+        <p:nvSpPr>
+          <p:cNvPr id="23" name="TextBox 22"/>
+          <p:cNvSpPr txBox="1"/>
+          <p:nvPr/>
+        </p:nvSpPr>
+        <p:spPr>
+          <a:xfrm>
+            <a:off x="1763688" y="3941240"/>
+            <a:ext cx="569387" cy="369332"/>
+          </a:xfrm>
+          <a:prstGeom prst="rect">
+            <a:avLst/>
+          </a:prstGeom>
+          <a:noFill/>
+        </p:spPr>
+        <p:txBody>
+          <a:bodyPr wrap="none" rtlCol="0">
+            <a:spAutoFit/>
+          </a:bodyPr>
+          <a:lstStyle/>
+          <a:p>
+            <a:r>
+              <a:rPr lang="en-US" dirty="0" smtClean="0"/>
+              <a:t>m-1</a:t>
+            </a:r>
+            <a:endParaRPr lang="en-US" dirty="0"/>
+          </a:p>
+        </p:txBody>
+      </p:sp>
+      <p:sp>
+        <p:nvSpPr>
+          <p:cNvPr id="24" name="TextBox 23"/>
+          <p:cNvSpPr txBox="1"/>
+          <p:nvPr/>
+        </p:nvSpPr>
+        <p:spPr>
+          <a:xfrm>
+            <a:off x="1763687" y="3214998"/>
+            <a:ext cx="369012" cy="369332"/>
+          </a:xfrm>
+          <a:prstGeom prst="rect">
+            <a:avLst/>
+          </a:prstGeom>
+          <a:noFill/>
+        </p:spPr>
+        <p:txBody>
+          <a:bodyPr wrap="none" rtlCol="0">
+            <a:spAutoFit/>
+          </a:bodyPr>
+          <a:lstStyle/>
+          <a:p>
+            <a:r>
+              <a:rPr lang="en-US" dirty="0" smtClean="0"/>
+              <a:t>m</a:t>
+            </a:r>
+            <a:endParaRPr lang="en-US" dirty="0"/>
+          </a:p>
+        </p:txBody>
+      </p:sp>
+      <p:sp>
+        <p:nvSpPr>
+          <p:cNvPr id="25" name="TextBox 24"/>
+          <p:cNvSpPr txBox="1"/>
+          <p:nvPr/>
+        </p:nvSpPr>
+        <p:spPr>
+          <a:xfrm>
+            <a:off x="1763686" y="2529406"/>
+            <a:ext cx="601447" cy="369332"/>
+          </a:xfrm>
+          <a:prstGeom prst="rect">
+            <a:avLst/>
+          </a:prstGeom>
+          <a:noFill/>
+        </p:spPr>
+        <p:txBody>
+          <a:bodyPr wrap="none" rtlCol="0">
+            <a:spAutoFit/>
+          </a:bodyPr>
+          <a:lstStyle/>
+          <a:p>
+            <a:r>
+              <a:rPr lang="en-US" dirty="0" smtClean="0"/>
+              <a:t>m+1</a:t>
+            </a:r>
+            <a:endParaRPr lang="en-US" dirty="0"/>
+          </a:p>
+        </p:txBody>
+      </p:sp>
+      <p:sp>
+        <p:nvSpPr>
+          <p:cNvPr id="26" name="TextBox 25"/>
+          <p:cNvSpPr txBox="1"/>
+          <p:nvPr/>
+        </p:nvSpPr>
+        <p:spPr>
+          <a:xfrm>
+            <a:off x="2365133" y="4335046"/>
+            <a:ext cx="599844" cy="369332"/>
+          </a:xfrm>
+          <a:prstGeom prst="rect">
+            <a:avLst/>
+          </a:prstGeom>
+          <a:noFill/>
+        </p:spPr>
+        <p:txBody>
+          <a:bodyPr wrap="none" rtlCol="0">
+            <a:spAutoFit/>
+          </a:bodyPr>
+          <a:lstStyle/>
+          <a:p>
+            <a:r>
+              <a:rPr lang="en-US" dirty="0" smtClean="0"/>
+              <a:t>n - 1</a:t>
+            </a:r>
+            <a:endParaRPr lang="en-US" dirty="0"/>
+          </a:p>
+        </p:txBody>
+      </p:sp>
+      <p:sp>
+        <p:nvSpPr>
+          <p:cNvPr id="27" name="TextBox 26"/>
+          <p:cNvSpPr txBox="1"/>
+          <p:nvPr/>
+        </p:nvSpPr>
+        <p:spPr>
+          <a:xfrm>
+            <a:off x="3277028" y="4327036"/>
+            <a:ext cx="306494" cy="369332"/>
+          </a:xfrm>
+          <a:prstGeom prst="rect">
+            <a:avLst/>
+          </a:prstGeom>
+          <a:noFill/>
+        </p:spPr>
+        <p:txBody>
+          <a:bodyPr wrap="none" rtlCol="0">
+            <a:spAutoFit/>
+          </a:bodyPr>
+          <a:lstStyle/>
+          <a:p>
+            <a:r>
+              <a:rPr lang="en-US" dirty="0" smtClean="0"/>
+              <a:t>n</a:t>
+            </a:r>
+            <a:endParaRPr lang="en-US" dirty="0"/>
+          </a:p>
+        </p:txBody>
+      </p:sp>
+      <p:sp>
+        <p:nvSpPr>
+          <p:cNvPr id="28" name="TextBox 27"/>
+          <p:cNvSpPr txBox="1"/>
+          <p:nvPr/>
+        </p:nvSpPr>
+        <p:spPr>
+          <a:xfrm>
+            <a:off x="3912038" y="4335046"/>
+            <a:ext cx="644728" cy="369332"/>
+          </a:xfrm>
+          <a:prstGeom prst="rect">
+            <a:avLst/>
+          </a:prstGeom>
+          <a:noFill/>
+        </p:spPr>
+        <p:txBody>
+          <a:bodyPr wrap="none" rtlCol="0">
+            <a:spAutoFit/>
+          </a:bodyPr>
+          <a:lstStyle/>
+          <a:p>
+            <a:r>
+              <a:rPr lang="en-US" dirty="0" smtClean="0"/>
+              <a:t>n + 1</a:t>
+            </a:r>
+            <a:endParaRPr lang="en-US" dirty="0"/>
+          </a:p>
+        </p:txBody>
+      </p:sp>
+      <p:sp>
+        <p:nvSpPr>
+          <p:cNvPr id="2" name="TextBox 1"/>
+          <p:cNvSpPr txBox="1"/>
+          <p:nvPr/>
+        </p:nvSpPr>
+        <p:spPr>
+          <a:xfrm>
+            <a:off x="2365133" y="692696"/>
+            <a:ext cx="4104432" cy="1569660"/>
+          </a:xfrm>
+          <a:prstGeom prst="rect">
+            <a:avLst/>
+          </a:prstGeom>
+          <a:noFill/>
+        </p:spPr>
+        <p:txBody>
+          <a:bodyPr wrap="square" rtlCol="0">
+            <a:spAutoFit/>
+          </a:bodyPr>
+          <a:lstStyle/>
+          <a:p>
+            <a:r>
+              <a:rPr lang="en-US" sz="3200" dirty="0" smtClean="0"/>
+              <a:t>time – BDW FO</a:t>
+            </a:r>
+          </a:p>
+          <a:p>
+            <a:r>
+              <a:rPr lang="en-US" sz="3200" dirty="0" smtClean="0"/>
+              <a:t>SO – CLARK-NICOLSON</a:t>
+            </a:r>
+          </a:p>
+          <a:p>
+            <a:r>
+              <a:rPr lang="en-US" sz="3200" dirty="0" smtClean="0"/>
+              <a:t>NL – </a:t>
+            </a:r>
+            <a:r>
+              <a:rPr lang="en-US" sz="3200" dirty="0" smtClean="0"/>
+              <a:t>IMPLICIT SO</a:t>
+            </a:r>
+            <a:endParaRPr lang="en-US" sz="3200" dirty="0"/>
+          </a:p>
+        </p:txBody>
+      </p:sp>
+    </p:spTree>
+    <p:extLst>
+      <p:ext uri="{BB962C8B-B14F-4D97-AF65-F5344CB8AC3E}">
+        <p14:creationId xmlns:p14="http://schemas.microsoft.com/office/powerpoint/2010/main" val="3227603042"/>
       </p:ext>
     </p:extLst>
   </p:cSld>

--- a/applications/InverseHeatTransfer/sem27/finite_difference_scheme.pptx
+++ b/applications/InverseHeatTransfer/sem27/finite_difference_scheme.pptx
@@ -7,11 +7,15 @@
   <p:sldIdLst>
     <p:sldId id="256" r:id="rId2"/>
     <p:sldId id="257" r:id="rId3"/>
-    <p:sldId id="260" r:id="rId4"/>
-    <p:sldId id="258" r:id="rId5"/>
-    <p:sldId id="264" r:id="rId6"/>
-    <p:sldId id="262" r:id="rId7"/>
-    <p:sldId id="263" r:id="rId8"/>
+    <p:sldId id="266" r:id="rId4"/>
+    <p:sldId id="260" r:id="rId5"/>
+    <p:sldId id="258" r:id="rId6"/>
+    <p:sldId id="264" r:id="rId7"/>
+    <p:sldId id="262" r:id="rId8"/>
+    <p:sldId id="265" r:id="rId9"/>
+    <p:sldId id="263" r:id="rId10"/>
+    <p:sldId id="268" r:id="rId11"/>
+    <p:sldId id="267" r:id="rId12"/>
   </p:sldIdLst>
   <p:sldSz cx="9144000" cy="6858000" type="screen4x3"/>
   <p:notesSz cx="6858000" cy="9144000"/>
@@ -110,6 +114,22 @@
       </a:defRPr>
     </a:lvl9pPr>
   </p:defaultTextStyle>
+  <p:extLst>
+    <p:ext uri="{EFAFB233-063F-42B5-8137-9DF3F51BA10A}">
+      <p15:sldGuideLst xmlns:p15="http://schemas.microsoft.com/office/powerpoint/2012/main">
+        <p15:guide id="1" orient="horz" pos="2160">
+          <p15:clr>
+            <a:srgbClr val="A4A3A4"/>
+          </p15:clr>
+        </p15:guide>
+        <p15:guide id="2" pos="2880">
+          <p15:clr>
+            <a:srgbClr val="A4A3A4"/>
+          </p15:clr>
+        </p15:guide>
+      </p15:sldGuideLst>
+    </p:ext>
+  </p:extLst>
 </p:presentation>
 </file>
 
@@ -151,10 +171,9 @@
           <a:lstStyle/>
           <a:p>
             <a:r>
-              <a:rPr lang="en-US" smtClean="0"/>
+              <a:rPr lang="en-US"/>
               <a:t>Click to edit Master title style</a:t>
             </a:r>
-            <a:endParaRPr lang="en-US"/>
           </a:p>
         </p:txBody>
       </p:sp>
@@ -270,10 +289,9 @@
           </a:lstStyle>
           <a:p>
             <a:r>
-              <a:rPr lang="en-US" smtClean="0"/>
+              <a:rPr lang="en-US"/>
               <a:t>Click to edit Master subtitle style</a:t>
             </a:r>
-            <a:endParaRPr lang="en-US"/>
           </a:p>
         </p:txBody>
       </p:sp>
@@ -294,7 +312,7 @@
           <a:p>
             <a:fld id="{3DA9003E-A3D9-441F-A159-D43D7BE5B659}" type="datetimeFigureOut">
               <a:rPr lang="en-US" smtClean="0"/>
-              <a:t>1/4/2026</a:t>
+              <a:t>1/6/2026</a:t>
             </a:fld>
             <a:endParaRPr lang="en-US"/>
           </a:p>
@@ -388,10 +406,9 @@
           <a:lstStyle/>
           <a:p>
             <a:r>
-              <a:rPr lang="en-US" smtClean="0"/>
+              <a:rPr lang="en-US"/>
               <a:t>Click to edit Master title style</a:t>
             </a:r>
-            <a:endParaRPr lang="en-US"/>
           </a:p>
         </p:txBody>
       </p:sp>
@@ -412,38 +429,37 @@
           <a:p>
             <a:pPr lvl="0"/>
             <a:r>
-              <a:rPr lang="en-US" smtClean="0"/>
+              <a:rPr lang="en-US"/>
               <a:t>Click to edit Master text styles</a:t>
             </a:r>
           </a:p>
           <a:p>
             <a:pPr lvl="1"/>
             <a:r>
-              <a:rPr lang="en-US" smtClean="0"/>
+              <a:rPr lang="en-US"/>
               <a:t>Second level</a:t>
             </a:r>
           </a:p>
           <a:p>
             <a:pPr lvl="2"/>
             <a:r>
-              <a:rPr lang="en-US" smtClean="0"/>
+              <a:rPr lang="en-US"/>
               <a:t>Third level</a:t>
             </a:r>
           </a:p>
           <a:p>
             <a:pPr lvl="3"/>
             <a:r>
-              <a:rPr lang="en-US" smtClean="0"/>
+              <a:rPr lang="en-US"/>
               <a:t>Fourth level</a:t>
             </a:r>
           </a:p>
           <a:p>
             <a:pPr lvl="4"/>
             <a:r>
-              <a:rPr lang="en-US" smtClean="0"/>
+              <a:rPr lang="en-US"/>
               <a:t>Fifth level</a:t>
             </a:r>
-            <a:endParaRPr lang="en-US"/>
           </a:p>
         </p:txBody>
       </p:sp>
@@ -464,7 +480,7 @@
           <a:p>
             <a:fld id="{3DA9003E-A3D9-441F-A159-D43D7BE5B659}" type="datetimeFigureOut">
               <a:rPr lang="en-US" smtClean="0"/>
-              <a:t>1/4/2026</a:t>
+              <a:t>1/6/2026</a:t>
             </a:fld>
             <a:endParaRPr lang="en-US"/>
           </a:p>
@@ -563,10 +579,9 @@
           <a:lstStyle/>
           <a:p>
             <a:r>
-              <a:rPr lang="en-US" smtClean="0"/>
+              <a:rPr lang="en-US"/>
               <a:t>Click to edit Master title style</a:t>
             </a:r>
-            <a:endParaRPr lang="en-US"/>
           </a:p>
         </p:txBody>
       </p:sp>
@@ -592,38 +607,37 @@
           <a:p>
             <a:pPr lvl="0"/>
             <a:r>
-              <a:rPr lang="en-US" smtClean="0"/>
+              <a:rPr lang="en-US"/>
               <a:t>Click to edit Master text styles</a:t>
             </a:r>
           </a:p>
           <a:p>
             <a:pPr lvl="1"/>
             <a:r>
-              <a:rPr lang="en-US" smtClean="0"/>
+              <a:rPr lang="en-US"/>
               <a:t>Second level</a:t>
             </a:r>
           </a:p>
           <a:p>
             <a:pPr lvl="2"/>
             <a:r>
-              <a:rPr lang="en-US" smtClean="0"/>
+              <a:rPr lang="en-US"/>
               <a:t>Third level</a:t>
             </a:r>
           </a:p>
           <a:p>
             <a:pPr lvl="3"/>
             <a:r>
-              <a:rPr lang="en-US" smtClean="0"/>
+              <a:rPr lang="en-US"/>
               <a:t>Fourth level</a:t>
             </a:r>
           </a:p>
           <a:p>
             <a:pPr lvl="4"/>
             <a:r>
-              <a:rPr lang="en-US" smtClean="0"/>
+              <a:rPr lang="en-US"/>
               <a:t>Fifth level</a:t>
             </a:r>
-            <a:endParaRPr lang="en-US"/>
           </a:p>
         </p:txBody>
       </p:sp>
@@ -644,7 +658,7 @@
           <a:p>
             <a:fld id="{3DA9003E-A3D9-441F-A159-D43D7BE5B659}" type="datetimeFigureOut">
               <a:rPr lang="en-US" smtClean="0"/>
-              <a:t>1/4/2026</a:t>
+              <a:t>1/6/2026</a:t>
             </a:fld>
             <a:endParaRPr lang="en-US"/>
           </a:p>
@@ -738,10 +752,9 @@
           <a:lstStyle/>
           <a:p>
             <a:r>
-              <a:rPr lang="en-US" smtClean="0"/>
+              <a:rPr lang="en-US"/>
               <a:t>Click to edit Master title style</a:t>
             </a:r>
-            <a:endParaRPr lang="en-US"/>
           </a:p>
         </p:txBody>
       </p:sp>
@@ -762,38 +775,37 @@
           <a:p>
             <a:pPr lvl="0"/>
             <a:r>
-              <a:rPr lang="en-US" smtClean="0"/>
+              <a:rPr lang="en-US"/>
               <a:t>Click to edit Master text styles</a:t>
             </a:r>
           </a:p>
           <a:p>
             <a:pPr lvl="1"/>
             <a:r>
-              <a:rPr lang="en-US" smtClean="0"/>
+              <a:rPr lang="en-US"/>
               <a:t>Second level</a:t>
             </a:r>
           </a:p>
           <a:p>
             <a:pPr lvl="2"/>
             <a:r>
-              <a:rPr lang="en-US" smtClean="0"/>
+              <a:rPr lang="en-US"/>
               <a:t>Third level</a:t>
             </a:r>
           </a:p>
           <a:p>
             <a:pPr lvl="3"/>
             <a:r>
-              <a:rPr lang="en-US" smtClean="0"/>
+              <a:rPr lang="en-US"/>
               <a:t>Fourth level</a:t>
             </a:r>
           </a:p>
           <a:p>
             <a:pPr lvl="4"/>
             <a:r>
-              <a:rPr lang="en-US" smtClean="0"/>
+              <a:rPr lang="en-US"/>
               <a:t>Fifth level</a:t>
             </a:r>
-            <a:endParaRPr lang="en-US"/>
           </a:p>
         </p:txBody>
       </p:sp>
@@ -814,7 +826,7 @@
           <a:p>
             <a:fld id="{3DA9003E-A3D9-441F-A159-D43D7BE5B659}" type="datetimeFigureOut">
               <a:rPr lang="en-US" smtClean="0"/>
-              <a:t>1/4/2026</a:t>
+              <a:t>1/6/2026</a:t>
             </a:fld>
             <a:endParaRPr lang="en-US"/>
           </a:p>
@@ -917,10 +929,9 @@
           </a:lstStyle>
           <a:p>
             <a:r>
-              <a:rPr lang="en-US" smtClean="0"/>
+              <a:rPr lang="en-US"/>
               <a:t>Click to edit Master title style</a:t>
             </a:r>
-            <a:endParaRPr lang="en-US"/>
           </a:p>
         </p:txBody>
       </p:sp>
@@ -1037,7 +1048,7 @@
           <a:p>
             <a:pPr lvl="0"/>
             <a:r>
-              <a:rPr lang="en-US" smtClean="0"/>
+              <a:rPr lang="en-US"/>
               <a:t>Click to edit Master text styles</a:t>
             </a:r>
           </a:p>
@@ -1060,7 +1071,7 @@
           <a:p>
             <a:fld id="{3DA9003E-A3D9-441F-A159-D43D7BE5B659}" type="datetimeFigureOut">
               <a:rPr lang="en-US" smtClean="0"/>
-              <a:t>1/4/2026</a:t>
+              <a:t>1/6/2026</a:t>
             </a:fld>
             <a:endParaRPr lang="en-US"/>
           </a:p>
@@ -1154,10 +1165,9 @@
           <a:lstStyle/>
           <a:p>
             <a:r>
-              <a:rPr lang="en-US" smtClean="0"/>
+              <a:rPr lang="en-US"/>
               <a:t>Click to edit Master title style</a:t>
             </a:r>
-            <a:endParaRPr lang="en-US"/>
           </a:p>
         </p:txBody>
       </p:sp>
@@ -1211,38 +1221,37 @@
           <a:p>
             <a:pPr lvl="0"/>
             <a:r>
-              <a:rPr lang="en-US" smtClean="0"/>
+              <a:rPr lang="en-US"/>
               <a:t>Click to edit Master text styles</a:t>
             </a:r>
           </a:p>
           <a:p>
             <a:pPr lvl="1"/>
             <a:r>
-              <a:rPr lang="en-US" smtClean="0"/>
+              <a:rPr lang="en-US"/>
               <a:t>Second level</a:t>
             </a:r>
           </a:p>
           <a:p>
             <a:pPr lvl="2"/>
             <a:r>
-              <a:rPr lang="en-US" smtClean="0"/>
+              <a:rPr lang="en-US"/>
               <a:t>Third level</a:t>
             </a:r>
           </a:p>
           <a:p>
             <a:pPr lvl="3"/>
             <a:r>
-              <a:rPr lang="en-US" smtClean="0"/>
+              <a:rPr lang="en-US"/>
               <a:t>Fourth level</a:t>
             </a:r>
           </a:p>
           <a:p>
             <a:pPr lvl="4"/>
             <a:r>
-              <a:rPr lang="en-US" smtClean="0"/>
+              <a:rPr lang="en-US"/>
               <a:t>Fifth level</a:t>
             </a:r>
-            <a:endParaRPr lang="en-US"/>
           </a:p>
         </p:txBody>
       </p:sp>
@@ -1296,38 +1305,37 @@
           <a:p>
             <a:pPr lvl="0"/>
             <a:r>
-              <a:rPr lang="en-US" smtClean="0"/>
+              <a:rPr lang="en-US"/>
               <a:t>Click to edit Master text styles</a:t>
             </a:r>
           </a:p>
           <a:p>
             <a:pPr lvl="1"/>
             <a:r>
-              <a:rPr lang="en-US" smtClean="0"/>
+              <a:rPr lang="en-US"/>
               <a:t>Second level</a:t>
             </a:r>
           </a:p>
           <a:p>
             <a:pPr lvl="2"/>
             <a:r>
-              <a:rPr lang="en-US" smtClean="0"/>
+              <a:rPr lang="en-US"/>
               <a:t>Third level</a:t>
             </a:r>
           </a:p>
           <a:p>
             <a:pPr lvl="3"/>
             <a:r>
-              <a:rPr lang="en-US" smtClean="0"/>
+              <a:rPr lang="en-US"/>
               <a:t>Fourth level</a:t>
             </a:r>
           </a:p>
           <a:p>
             <a:pPr lvl="4"/>
             <a:r>
-              <a:rPr lang="en-US" smtClean="0"/>
+              <a:rPr lang="en-US"/>
               <a:t>Fifth level</a:t>
             </a:r>
-            <a:endParaRPr lang="en-US"/>
           </a:p>
         </p:txBody>
       </p:sp>
@@ -1348,7 +1356,7 @@
           <a:p>
             <a:fld id="{3DA9003E-A3D9-441F-A159-D43D7BE5B659}" type="datetimeFigureOut">
               <a:rPr lang="en-US" smtClean="0"/>
-              <a:t>1/4/2026</a:t>
+              <a:t>1/6/2026</a:t>
             </a:fld>
             <a:endParaRPr lang="en-US"/>
           </a:p>
@@ -1446,10 +1454,9 @@
           </a:lstStyle>
           <a:p>
             <a:r>
-              <a:rPr lang="en-US" smtClean="0"/>
+              <a:rPr lang="en-US"/>
               <a:t>Click to edit Master title style</a:t>
             </a:r>
-            <a:endParaRPr lang="en-US"/>
           </a:p>
         </p:txBody>
       </p:sp>
@@ -1512,7 +1519,7 @@
           <a:p>
             <a:pPr lvl="0"/>
             <a:r>
-              <a:rPr lang="en-US" smtClean="0"/>
+              <a:rPr lang="en-US"/>
               <a:t>Click to edit Master text styles</a:t>
             </a:r>
           </a:p>
@@ -1568,38 +1575,37 @@
           <a:p>
             <a:pPr lvl="0"/>
             <a:r>
-              <a:rPr lang="en-US" smtClean="0"/>
+              <a:rPr lang="en-US"/>
               <a:t>Click to edit Master text styles</a:t>
             </a:r>
           </a:p>
           <a:p>
             <a:pPr lvl="1"/>
             <a:r>
-              <a:rPr lang="en-US" smtClean="0"/>
+              <a:rPr lang="en-US"/>
               <a:t>Second level</a:t>
             </a:r>
           </a:p>
           <a:p>
             <a:pPr lvl="2"/>
             <a:r>
-              <a:rPr lang="en-US" smtClean="0"/>
+              <a:rPr lang="en-US"/>
               <a:t>Third level</a:t>
             </a:r>
           </a:p>
           <a:p>
             <a:pPr lvl="3"/>
             <a:r>
-              <a:rPr lang="en-US" smtClean="0"/>
+              <a:rPr lang="en-US"/>
               <a:t>Fourth level</a:t>
             </a:r>
           </a:p>
           <a:p>
             <a:pPr lvl="4"/>
             <a:r>
-              <a:rPr lang="en-US" smtClean="0"/>
+              <a:rPr lang="en-US"/>
               <a:t>Fifth level</a:t>
             </a:r>
-            <a:endParaRPr lang="en-US"/>
           </a:p>
         </p:txBody>
       </p:sp>
@@ -1662,7 +1668,7 @@
           <a:p>
             <a:pPr lvl="0"/>
             <a:r>
-              <a:rPr lang="en-US" smtClean="0"/>
+              <a:rPr lang="en-US"/>
               <a:t>Click to edit Master text styles</a:t>
             </a:r>
           </a:p>
@@ -1718,38 +1724,37 @@
           <a:p>
             <a:pPr lvl="0"/>
             <a:r>
-              <a:rPr lang="en-US" smtClean="0"/>
+              <a:rPr lang="en-US"/>
               <a:t>Click to edit Master text styles</a:t>
             </a:r>
           </a:p>
           <a:p>
             <a:pPr lvl="1"/>
             <a:r>
-              <a:rPr lang="en-US" smtClean="0"/>
+              <a:rPr lang="en-US"/>
               <a:t>Second level</a:t>
             </a:r>
           </a:p>
           <a:p>
             <a:pPr lvl="2"/>
             <a:r>
-              <a:rPr lang="en-US" smtClean="0"/>
+              <a:rPr lang="en-US"/>
               <a:t>Third level</a:t>
             </a:r>
           </a:p>
           <a:p>
             <a:pPr lvl="3"/>
             <a:r>
-              <a:rPr lang="en-US" smtClean="0"/>
+              <a:rPr lang="en-US"/>
               <a:t>Fourth level</a:t>
             </a:r>
           </a:p>
           <a:p>
             <a:pPr lvl="4"/>
             <a:r>
-              <a:rPr lang="en-US" smtClean="0"/>
+              <a:rPr lang="en-US"/>
               <a:t>Fifth level</a:t>
             </a:r>
-            <a:endParaRPr lang="en-US"/>
           </a:p>
         </p:txBody>
       </p:sp>
@@ -1770,7 +1775,7 @@
           <a:p>
             <a:fld id="{3DA9003E-A3D9-441F-A159-D43D7BE5B659}" type="datetimeFigureOut">
               <a:rPr lang="en-US" smtClean="0"/>
-              <a:t>1/4/2026</a:t>
+              <a:t>1/6/2026</a:t>
             </a:fld>
             <a:endParaRPr lang="en-US"/>
           </a:p>
@@ -1864,10 +1869,9 @@
           <a:lstStyle/>
           <a:p>
             <a:r>
-              <a:rPr lang="en-US" smtClean="0"/>
+              <a:rPr lang="en-US"/>
               <a:t>Click to edit Master title style</a:t>
             </a:r>
-            <a:endParaRPr lang="en-US"/>
           </a:p>
         </p:txBody>
       </p:sp>
@@ -1888,7 +1892,7 @@
           <a:p>
             <a:fld id="{3DA9003E-A3D9-441F-A159-D43D7BE5B659}" type="datetimeFigureOut">
               <a:rPr lang="en-US" smtClean="0"/>
-              <a:t>1/4/2026</a:t>
+              <a:t>1/6/2026</a:t>
             </a:fld>
             <a:endParaRPr lang="en-US"/>
           </a:p>
@@ -1983,7 +1987,7 @@
           <a:p>
             <a:fld id="{3DA9003E-A3D9-441F-A159-D43D7BE5B659}" type="datetimeFigureOut">
               <a:rPr lang="en-US" smtClean="0"/>
-              <a:t>1/4/2026</a:t>
+              <a:t>1/6/2026</a:t>
             </a:fld>
             <a:endParaRPr lang="en-US"/>
           </a:p>
@@ -2086,10 +2090,9 @@
           </a:lstStyle>
           <a:p>
             <a:r>
-              <a:rPr lang="en-US" smtClean="0"/>
+              <a:rPr lang="en-US"/>
               <a:t>Click to edit Master title style</a:t>
             </a:r>
-            <a:endParaRPr lang="en-US"/>
           </a:p>
         </p:txBody>
       </p:sp>
@@ -2143,38 +2146,37 @@
           <a:p>
             <a:pPr lvl="0"/>
             <a:r>
-              <a:rPr lang="en-US" smtClean="0"/>
+              <a:rPr lang="en-US"/>
               <a:t>Click to edit Master text styles</a:t>
             </a:r>
           </a:p>
           <a:p>
             <a:pPr lvl="1"/>
             <a:r>
-              <a:rPr lang="en-US" smtClean="0"/>
+              <a:rPr lang="en-US"/>
               <a:t>Second level</a:t>
             </a:r>
           </a:p>
           <a:p>
             <a:pPr lvl="2"/>
             <a:r>
-              <a:rPr lang="en-US" smtClean="0"/>
+              <a:rPr lang="en-US"/>
               <a:t>Third level</a:t>
             </a:r>
           </a:p>
           <a:p>
             <a:pPr lvl="3"/>
             <a:r>
-              <a:rPr lang="en-US" smtClean="0"/>
+              <a:rPr lang="en-US"/>
               <a:t>Fourth level</a:t>
             </a:r>
           </a:p>
           <a:p>
             <a:pPr lvl="4"/>
             <a:r>
-              <a:rPr lang="en-US" smtClean="0"/>
+              <a:rPr lang="en-US"/>
               <a:t>Fifth level</a:t>
             </a:r>
-            <a:endParaRPr lang="en-US"/>
           </a:p>
         </p:txBody>
       </p:sp>
@@ -2237,7 +2239,7 @@
           <a:p>
             <a:pPr lvl="0"/>
             <a:r>
-              <a:rPr lang="en-US" smtClean="0"/>
+              <a:rPr lang="en-US"/>
               <a:t>Click to edit Master text styles</a:t>
             </a:r>
           </a:p>
@@ -2260,7 +2262,7 @@
           <a:p>
             <a:fld id="{3DA9003E-A3D9-441F-A159-D43D7BE5B659}" type="datetimeFigureOut">
               <a:rPr lang="en-US" smtClean="0"/>
-              <a:t>1/4/2026</a:t>
+              <a:t>1/6/2026</a:t>
             </a:fld>
             <a:endParaRPr lang="en-US"/>
           </a:p>
@@ -2363,10 +2365,9 @@
           </a:lstStyle>
           <a:p>
             <a:r>
-              <a:rPr lang="en-US" smtClean="0"/>
+              <a:rPr lang="en-US"/>
               <a:t>Click to edit Master title style</a:t>
             </a:r>
-            <a:endParaRPr lang="en-US"/>
           </a:p>
         </p:txBody>
       </p:sp>
@@ -2490,7 +2491,7 @@
           <a:p>
             <a:pPr lvl="0"/>
             <a:r>
-              <a:rPr lang="en-US" smtClean="0"/>
+              <a:rPr lang="en-US"/>
               <a:t>Click to edit Master text styles</a:t>
             </a:r>
           </a:p>
@@ -2513,7 +2514,7 @@
           <a:p>
             <a:fld id="{3DA9003E-A3D9-441F-A159-D43D7BE5B659}" type="datetimeFigureOut">
               <a:rPr lang="en-US" smtClean="0"/>
-              <a:t>1/4/2026</a:t>
+              <a:t>1/6/2026</a:t>
             </a:fld>
             <a:endParaRPr lang="en-US"/>
           </a:p>
@@ -2622,10 +2623,9 @@
           <a:lstStyle/>
           <a:p>
             <a:r>
-              <a:rPr lang="en-US" smtClean="0"/>
+              <a:rPr lang="en-US"/>
               <a:t>Click to edit Master title style</a:t>
             </a:r>
-            <a:endParaRPr lang="en-US"/>
           </a:p>
         </p:txBody>
       </p:sp>
@@ -2656,38 +2656,37 @@
           <a:p>
             <a:pPr lvl="0"/>
             <a:r>
-              <a:rPr lang="en-US" smtClean="0"/>
+              <a:rPr lang="en-US"/>
               <a:t>Click to edit Master text styles</a:t>
             </a:r>
           </a:p>
           <a:p>
             <a:pPr lvl="1"/>
             <a:r>
-              <a:rPr lang="en-US" smtClean="0"/>
+              <a:rPr lang="en-US"/>
               <a:t>Second level</a:t>
             </a:r>
           </a:p>
           <a:p>
             <a:pPr lvl="2"/>
             <a:r>
-              <a:rPr lang="en-US" smtClean="0"/>
+              <a:rPr lang="en-US"/>
               <a:t>Third level</a:t>
             </a:r>
           </a:p>
           <a:p>
             <a:pPr lvl="3"/>
             <a:r>
-              <a:rPr lang="en-US" smtClean="0"/>
+              <a:rPr lang="en-US"/>
               <a:t>Fourth level</a:t>
             </a:r>
           </a:p>
           <a:p>
             <a:pPr lvl="4"/>
             <a:r>
-              <a:rPr lang="en-US" smtClean="0"/>
+              <a:rPr lang="en-US"/>
               <a:t>Fifth level</a:t>
             </a:r>
-            <a:endParaRPr lang="en-US"/>
           </a:p>
         </p:txBody>
       </p:sp>
@@ -2726,7 +2725,7 @@
           <a:p>
             <a:fld id="{3DA9003E-A3D9-441F-A159-D43D7BE5B659}" type="datetimeFigureOut">
               <a:rPr lang="en-US" smtClean="0"/>
-              <a:t>1/4/2026</a:t>
+              <a:t>1/6/2026</a:t>
             </a:fld>
             <a:endParaRPr lang="en-US"/>
           </a:p>
@@ -3152,6 +3151,1392 @@
 </p:sld>
 </file>
 
+<file path=ppt/slides/slide10.xml><?xml version="1.0" encoding="utf-8"?>
+<p:sld xmlns:a="http://schemas.openxmlformats.org/drawingml/2006/main" xmlns:r="http://schemas.openxmlformats.org/officeDocument/2006/relationships" xmlns:p="http://schemas.openxmlformats.org/presentationml/2006/main">
+  <p:cSld>
+    <p:spTree>
+      <p:nvGrpSpPr>
+        <p:cNvPr id="1" name=""/>
+        <p:cNvGrpSpPr/>
+        <p:nvPr/>
+      </p:nvGrpSpPr>
+      <p:grpSpPr>
+        <a:xfrm>
+          <a:off x="0" y="0"/>
+          <a:ext cx="0" cy="0"/>
+          <a:chOff x="0" y="0"/>
+          <a:chExt cx="0" cy="0"/>
+        </a:xfrm>
+      </p:grpSpPr>
+      <p:sp>
+        <p:nvSpPr>
+          <p:cNvPr id="4" name="Oval 3"/>
+          <p:cNvSpPr/>
+          <p:nvPr/>
+        </p:nvSpPr>
+        <p:spPr>
+          <a:xfrm>
+            <a:off x="2483792" y="2570056"/>
+            <a:ext cx="288032" cy="288032"/>
+          </a:xfrm>
+          <a:prstGeom prst="ellipse">
+            <a:avLst/>
+          </a:prstGeom>
+          <a:solidFill>
+            <a:srgbClr val="FF0000"/>
+          </a:solidFill>
+          <a:ln>
+            <a:solidFill>
+              <a:schemeClr val="tx1"/>
+            </a:solidFill>
+          </a:ln>
+        </p:spPr>
+        <p:style>
+          <a:lnRef idx="2">
+            <a:schemeClr val="accent1">
+              <a:shade val="50000"/>
+            </a:schemeClr>
+          </a:lnRef>
+          <a:fillRef idx="1">
+            <a:schemeClr val="accent1"/>
+          </a:fillRef>
+          <a:effectRef idx="0">
+            <a:schemeClr val="accent1"/>
+          </a:effectRef>
+          <a:fontRef idx="minor">
+            <a:schemeClr val="lt1"/>
+          </a:fontRef>
+        </p:style>
+        <p:txBody>
+          <a:bodyPr rtlCol="0" anchor="ctr"/>
+          <a:lstStyle/>
+          <a:p>
+            <a:pPr algn="ctr"/>
+            <a:endParaRPr lang="en-US"/>
+          </a:p>
+        </p:txBody>
+      </p:sp>
+      <p:sp>
+        <p:nvSpPr>
+          <p:cNvPr id="7" name="Oval 6"/>
+          <p:cNvSpPr/>
+          <p:nvPr/>
+        </p:nvSpPr>
+        <p:spPr>
+          <a:xfrm>
+            <a:off x="2483792" y="3255648"/>
+            <a:ext cx="288032" cy="288032"/>
+          </a:xfrm>
+          <a:prstGeom prst="ellipse">
+            <a:avLst/>
+          </a:prstGeom>
+          <a:pattFill prst="wdDnDiag">
+            <a:fgClr>
+              <a:srgbClr val="FF0000"/>
+            </a:fgClr>
+            <a:bgClr>
+              <a:srgbClr val="00B050"/>
+            </a:bgClr>
+          </a:pattFill>
+          <a:ln>
+            <a:solidFill>
+              <a:schemeClr val="tx1"/>
+            </a:solidFill>
+          </a:ln>
+        </p:spPr>
+        <p:style>
+          <a:lnRef idx="2">
+            <a:schemeClr val="accent1">
+              <a:shade val="50000"/>
+            </a:schemeClr>
+          </a:lnRef>
+          <a:fillRef idx="1">
+            <a:schemeClr val="accent1"/>
+          </a:fillRef>
+          <a:effectRef idx="0">
+            <a:schemeClr val="accent1"/>
+          </a:effectRef>
+          <a:fontRef idx="minor">
+            <a:schemeClr val="lt1"/>
+          </a:fontRef>
+        </p:style>
+        <p:txBody>
+          <a:bodyPr rtlCol="0" anchor="ctr"/>
+          <a:lstStyle/>
+          <a:p>
+            <a:pPr algn="ctr"/>
+            <a:endParaRPr lang="en-US"/>
+          </a:p>
+        </p:txBody>
+      </p:sp>
+      <p:sp>
+        <p:nvSpPr>
+          <p:cNvPr id="10" name="Oval 9"/>
+          <p:cNvSpPr/>
+          <p:nvPr/>
+        </p:nvSpPr>
+        <p:spPr>
+          <a:xfrm>
+            <a:off x="2483792" y="3941240"/>
+            <a:ext cx="288032" cy="288032"/>
+          </a:xfrm>
+          <a:prstGeom prst="ellipse">
+            <a:avLst/>
+          </a:prstGeom>
+          <a:noFill/>
+          <a:ln>
+            <a:solidFill>
+              <a:schemeClr val="tx1"/>
+            </a:solidFill>
+          </a:ln>
+        </p:spPr>
+        <p:style>
+          <a:lnRef idx="2">
+            <a:schemeClr val="accent1">
+              <a:shade val="50000"/>
+            </a:schemeClr>
+          </a:lnRef>
+          <a:fillRef idx="1">
+            <a:schemeClr val="accent1"/>
+          </a:fillRef>
+          <a:effectRef idx="0">
+            <a:schemeClr val="accent1"/>
+          </a:effectRef>
+          <a:fontRef idx="minor">
+            <a:schemeClr val="lt1"/>
+          </a:fontRef>
+        </p:style>
+        <p:txBody>
+          <a:bodyPr rtlCol="0" anchor="ctr"/>
+          <a:lstStyle/>
+          <a:p>
+            <a:pPr algn="ctr"/>
+            <a:endParaRPr lang="en-US"/>
+          </a:p>
+        </p:txBody>
+      </p:sp>
+      <p:sp>
+        <p:nvSpPr>
+          <p:cNvPr id="16" name="Oval 15"/>
+          <p:cNvSpPr/>
+          <p:nvPr/>
+        </p:nvSpPr>
+        <p:spPr>
+          <a:xfrm>
+            <a:off x="3275868" y="2570056"/>
+            <a:ext cx="288032" cy="288032"/>
+          </a:xfrm>
+          <a:prstGeom prst="ellipse">
+            <a:avLst/>
+          </a:prstGeom>
+          <a:pattFill prst="wdDnDiag">
+            <a:fgClr>
+              <a:srgbClr val="FF0000"/>
+            </a:fgClr>
+            <a:bgClr>
+              <a:schemeClr val="accent1"/>
+            </a:bgClr>
+          </a:pattFill>
+          <a:ln>
+            <a:solidFill>
+              <a:schemeClr val="tx1"/>
+            </a:solidFill>
+          </a:ln>
+        </p:spPr>
+        <p:style>
+          <a:lnRef idx="2">
+            <a:schemeClr val="accent1">
+              <a:shade val="50000"/>
+            </a:schemeClr>
+          </a:lnRef>
+          <a:fillRef idx="1">
+            <a:schemeClr val="accent1"/>
+          </a:fillRef>
+          <a:effectRef idx="0">
+            <a:schemeClr val="accent1"/>
+          </a:effectRef>
+          <a:fontRef idx="minor">
+            <a:schemeClr val="lt1"/>
+          </a:fontRef>
+        </p:style>
+        <p:txBody>
+          <a:bodyPr rtlCol="0" anchor="ctr"/>
+          <a:lstStyle/>
+          <a:p>
+            <a:pPr algn="ctr"/>
+            <a:endParaRPr lang="en-US"/>
+          </a:p>
+        </p:txBody>
+      </p:sp>
+      <p:sp>
+        <p:nvSpPr>
+          <p:cNvPr id="17" name="Oval 16"/>
+          <p:cNvSpPr/>
+          <p:nvPr/>
+        </p:nvSpPr>
+        <p:spPr>
+          <a:xfrm>
+            <a:off x="3275868" y="3255648"/>
+            <a:ext cx="288032" cy="288032"/>
+          </a:xfrm>
+          <a:prstGeom prst="ellipse">
+            <a:avLst/>
+          </a:prstGeom>
+          <a:pattFill prst="wdDnDiag">
+            <a:fgClr>
+              <a:srgbClr val="FF0000"/>
+            </a:fgClr>
+            <a:bgClr>
+              <a:schemeClr val="accent1"/>
+            </a:bgClr>
+          </a:pattFill>
+          <a:ln>
+            <a:solidFill>
+              <a:schemeClr val="tx1"/>
+            </a:solidFill>
+          </a:ln>
+        </p:spPr>
+        <p:style>
+          <a:lnRef idx="2">
+            <a:schemeClr val="accent1">
+              <a:shade val="50000"/>
+            </a:schemeClr>
+          </a:lnRef>
+          <a:fillRef idx="1">
+            <a:schemeClr val="accent1"/>
+          </a:fillRef>
+          <a:effectRef idx="0">
+            <a:schemeClr val="accent1"/>
+          </a:effectRef>
+          <a:fontRef idx="minor">
+            <a:schemeClr val="lt1"/>
+          </a:fontRef>
+        </p:style>
+        <p:txBody>
+          <a:bodyPr rtlCol="0" anchor="ctr"/>
+          <a:lstStyle/>
+          <a:p>
+            <a:pPr algn="ctr"/>
+            <a:endParaRPr lang="en-US"/>
+          </a:p>
+        </p:txBody>
+      </p:sp>
+      <p:sp>
+        <p:nvSpPr>
+          <p:cNvPr id="18" name="Oval 17"/>
+          <p:cNvSpPr/>
+          <p:nvPr/>
+        </p:nvSpPr>
+        <p:spPr>
+          <a:xfrm>
+            <a:off x="3275868" y="3941240"/>
+            <a:ext cx="288032" cy="288032"/>
+          </a:xfrm>
+          <a:prstGeom prst="ellipse">
+            <a:avLst/>
+          </a:prstGeom>
+          <a:solidFill>
+            <a:srgbClr val="0070C0"/>
+          </a:solidFill>
+          <a:ln>
+            <a:solidFill>
+              <a:schemeClr val="tx1"/>
+            </a:solidFill>
+          </a:ln>
+        </p:spPr>
+        <p:style>
+          <a:lnRef idx="2">
+            <a:schemeClr val="accent1">
+              <a:shade val="50000"/>
+            </a:schemeClr>
+          </a:lnRef>
+          <a:fillRef idx="1">
+            <a:schemeClr val="accent1"/>
+          </a:fillRef>
+          <a:effectRef idx="0">
+            <a:schemeClr val="accent1"/>
+          </a:effectRef>
+          <a:fontRef idx="minor">
+            <a:schemeClr val="lt1"/>
+          </a:fontRef>
+        </p:style>
+        <p:txBody>
+          <a:bodyPr rtlCol="0" anchor="ctr"/>
+          <a:lstStyle/>
+          <a:p>
+            <a:pPr algn="ctr"/>
+            <a:endParaRPr lang="en-US"/>
+          </a:p>
+        </p:txBody>
+      </p:sp>
+      <p:sp>
+        <p:nvSpPr>
+          <p:cNvPr id="20" name="Oval 19"/>
+          <p:cNvSpPr/>
+          <p:nvPr/>
+        </p:nvSpPr>
+        <p:spPr>
+          <a:xfrm>
+            <a:off x="4067944" y="2570056"/>
+            <a:ext cx="288032" cy="288032"/>
+          </a:xfrm>
+          <a:prstGeom prst="ellipse">
+            <a:avLst/>
+          </a:prstGeom>
+          <a:solidFill>
+            <a:srgbClr val="FF0000"/>
+          </a:solidFill>
+          <a:ln>
+            <a:solidFill>
+              <a:schemeClr val="tx1"/>
+            </a:solidFill>
+          </a:ln>
+        </p:spPr>
+        <p:style>
+          <a:lnRef idx="2">
+            <a:schemeClr val="accent1">
+              <a:shade val="50000"/>
+            </a:schemeClr>
+          </a:lnRef>
+          <a:fillRef idx="1">
+            <a:schemeClr val="accent1"/>
+          </a:fillRef>
+          <a:effectRef idx="0">
+            <a:schemeClr val="accent1"/>
+          </a:effectRef>
+          <a:fontRef idx="minor">
+            <a:schemeClr val="lt1"/>
+          </a:fontRef>
+        </p:style>
+        <p:txBody>
+          <a:bodyPr rtlCol="0" anchor="ctr"/>
+          <a:lstStyle/>
+          <a:p>
+            <a:pPr algn="ctr"/>
+            <a:endParaRPr lang="en-US"/>
+          </a:p>
+        </p:txBody>
+      </p:sp>
+      <p:sp>
+        <p:nvSpPr>
+          <p:cNvPr id="21" name="Oval 20"/>
+          <p:cNvSpPr/>
+          <p:nvPr/>
+        </p:nvSpPr>
+        <p:spPr>
+          <a:xfrm>
+            <a:off x="4067944" y="3255648"/>
+            <a:ext cx="288032" cy="288032"/>
+          </a:xfrm>
+          <a:prstGeom prst="ellipse">
+            <a:avLst/>
+          </a:prstGeom>
+          <a:pattFill prst="wdDnDiag">
+            <a:fgClr>
+              <a:srgbClr val="FF0000"/>
+            </a:fgClr>
+            <a:bgClr>
+              <a:srgbClr val="00B050"/>
+            </a:bgClr>
+          </a:pattFill>
+          <a:ln>
+            <a:solidFill>
+              <a:schemeClr val="tx1"/>
+            </a:solidFill>
+          </a:ln>
+        </p:spPr>
+        <p:style>
+          <a:lnRef idx="2">
+            <a:schemeClr val="accent1">
+              <a:shade val="50000"/>
+            </a:schemeClr>
+          </a:lnRef>
+          <a:fillRef idx="1">
+            <a:schemeClr val="accent1"/>
+          </a:fillRef>
+          <a:effectRef idx="0">
+            <a:schemeClr val="accent1"/>
+          </a:effectRef>
+          <a:fontRef idx="minor">
+            <a:schemeClr val="lt1"/>
+          </a:fontRef>
+        </p:style>
+        <p:txBody>
+          <a:bodyPr rtlCol="0" anchor="ctr"/>
+          <a:lstStyle/>
+          <a:p>
+            <a:pPr algn="ctr"/>
+            <a:endParaRPr lang="en-US"/>
+          </a:p>
+        </p:txBody>
+      </p:sp>
+      <p:sp>
+        <p:nvSpPr>
+          <p:cNvPr id="22" name="Oval 21"/>
+          <p:cNvSpPr/>
+          <p:nvPr/>
+        </p:nvSpPr>
+        <p:spPr>
+          <a:xfrm>
+            <a:off x="4067944" y="3941240"/>
+            <a:ext cx="288032" cy="288032"/>
+          </a:xfrm>
+          <a:prstGeom prst="ellipse">
+            <a:avLst/>
+          </a:prstGeom>
+          <a:noFill/>
+          <a:ln>
+            <a:solidFill>
+              <a:schemeClr val="tx1"/>
+            </a:solidFill>
+          </a:ln>
+        </p:spPr>
+        <p:style>
+          <a:lnRef idx="2">
+            <a:schemeClr val="accent1">
+              <a:shade val="50000"/>
+            </a:schemeClr>
+          </a:lnRef>
+          <a:fillRef idx="1">
+            <a:schemeClr val="accent1"/>
+          </a:fillRef>
+          <a:effectRef idx="0">
+            <a:schemeClr val="accent1"/>
+          </a:effectRef>
+          <a:fontRef idx="minor">
+            <a:schemeClr val="lt1"/>
+          </a:fontRef>
+        </p:style>
+        <p:txBody>
+          <a:bodyPr rtlCol="0" anchor="ctr"/>
+          <a:lstStyle/>
+          <a:p>
+            <a:pPr algn="ctr"/>
+            <a:endParaRPr lang="en-US"/>
+          </a:p>
+        </p:txBody>
+      </p:sp>
+      <p:sp>
+        <p:nvSpPr>
+          <p:cNvPr id="23" name="TextBox 22"/>
+          <p:cNvSpPr txBox="1"/>
+          <p:nvPr/>
+        </p:nvSpPr>
+        <p:spPr>
+          <a:xfrm>
+            <a:off x="1763688" y="3941240"/>
+            <a:ext cx="569387" cy="369332"/>
+          </a:xfrm>
+          <a:prstGeom prst="rect">
+            <a:avLst/>
+          </a:prstGeom>
+          <a:noFill/>
+        </p:spPr>
+        <p:txBody>
+          <a:bodyPr wrap="none" rtlCol="0">
+            <a:spAutoFit/>
+          </a:bodyPr>
+          <a:lstStyle/>
+          <a:p>
+            <a:r>
+              <a:rPr lang="en-US" dirty="0"/>
+              <a:t>m-1</a:t>
+            </a:r>
+          </a:p>
+        </p:txBody>
+      </p:sp>
+      <p:sp>
+        <p:nvSpPr>
+          <p:cNvPr id="24" name="TextBox 23"/>
+          <p:cNvSpPr txBox="1"/>
+          <p:nvPr/>
+        </p:nvSpPr>
+        <p:spPr>
+          <a:xfrm>
+            <a:off x="1763687" y="3214998"/>
+            <a:ext cx="369012" cy="369332"/>
+          </a:xfrm>
+          <a:prstGeom prst="rect">
+            <a:avLst/>
+          </a:prstGeom>
+          <a:noFill/>
+        </p:spPr>
+        <p:txBody>
+          <a:bodyPr wrap="none" rtlCol="0">
+            <a:spAutoFit/>
+          </a:bodyPr>
+          <a:lstStyle/>
+          <a:p>
+            <a:r>
+              <a:rPr lang="en-US" dirty="0"/>
+              <a:t>m</a:t>
+            </a:r>
+          </a:p>
+        </p:txBody>
+      </p:sp>
+      <p:sp>
+        <p:nvSpPr>
+          <p:cNvPr id="25" name="TextBox 24"/>
+          <p:cNvSpPr txBox="1"/>
+          <p:nvPr/>
+        </p:nvSpPr>
+        <p:spPr>
+          <a:xfrm>
+            <a:off x="1763686" y="2529406"/>
+            <a:ext cx="601447" cy="369332"/>
+          </a:xfrm>
+          <a:prstGeom prst="rect">
+            <a:avLst/>
+          </a:prstGeom>
+          <a:noFill/>
+        </p:spPr>
+        <p:txBody>
+          <a:bodyPr wrap="none" rtlCol="0">
+            <a:spAutoFit/>
+          </a:bodyPr>
+          <a:lstStyle/>
+          <a:p>
+            <a:r>
+              <a:rPr lang="en-US" dirty="0"/>
+              <a:t>m+1</a:t>
+            </a:r>
+          </a:p>
+        </p:txBody>
+      </p:sp>
+      <p:sp>
+        <p:nvSpPr>
+          <p:cNvPr id="26" name="TextBox 25"/>
+          <p:cNvSpPr txBox="1"/>
+          <p:nvPr/>
+        </p:nvSpPr>
+        <p:spPr>
+          <a:xfrm>
+            <a:off x="2365133" y="4335046"/>
+            <a:ext cx="599844" cy="369332"/>
+          </a:xfrm>
+          <a:prstGeom prst="rect">
+            <a:avLst/>
+          </a:prstGeom>
+          <a:noFill/>
+        </p:spPr>
+        <p:txBody>
+          <a:bodyPr wrap="none" rtlCol="0">
+            <a:spAutoFit/>
+          </a:bodyPr>
+          <a:lstStyle/>
+          <a:p>
+            <a:r>
+              <a:rPr lang="en-US" dirty="0"/>
+              <a:t>n - 1</a:t>
+            </a:r>
+          </a:p>
+        </p:txBody>
+      </p:sp>
+      <p:sp>
+        <p:nvSpPr>
+          <p:cNvPr id="27" name="TextBox 26"/>
+          <p:cNvSpPr txBox="1"/>
+          <p:nvPr/>
+        </p:nvSpPr>
+        <p:spPr>
+          <a:xfrm>
+            <a:off x="3277028" y="4327036"/>
+            <a:ext cx="306494" cy="369332"/>
+          </a:xfrm>
+          <a:prstGeom prst="rect">
+            <a:avLst/>
+          </a:prstGeom>
+          <a:noFill/>
+        </p:spPr>
+        <p:txBody>
+          <a:bodyPr wrap="none" rtlCol="0">
+            <a:spAutoFit/>
+          </a:bodyPr>
+          <a:lstStyle/>
+          <a:p>
+            <a:r>
+              <a:rPr lang="en-US" dirty="0"/>
+              <a:t>n</a:t>
+            </a:r>
+          </a:p>
+        </p:txBody>
+      </p:sp>
+      <p:sp>
+        <p:nvSpPr>
+          <p:cNvPr id="28" name="TextBox 27"/>
+          <p:cNvSpPr txBox="1"/>
+          <p:nvPr/>
+        </p:nvSpPr>
+        <p:spPr>
+          <a:xfrm>
+            <a:off x="3912038" y="4335046"/>
+            <a:ext cx="644728" cy="369332"/>
+          </a:xfrm>
+          <a:prstGeom prst="rect">
+            <a:avLst/>
+          </a:prstGeom>
+          <a:noFill/>
+        </p:spPr>
+        <p:txBody>
+          <a:bodyPr wrap="none" rtlCol="0">
+            <a:spAutoFit/>
+          </a:bodyPr>
+          <a:lstStyle/>
+          <a:p>
+            <a:r>
+              <a:rPr lang="en-US" dirty="0"/>
+              <a:t>n + 1</a:t>
+            </a:r>
+          </a:p>
+        </p:txBody>
+      </p:sp>
+      <p:sp>
+        <p:nvSpPr>
+          <p:cNvPr id="2" name="TextBox 1"/>
+          <p:cNvSpPr txBox="1"/>
+          <p:nvPr/>
+        </p:nvSpPr>
+        <p:spPr>
+          <a:xfrm>
+            <a:off x="2365133" y="692696"/>
+            <a:ext cx="4104432" cy="1569660"/>
+          </a:xfrm>
+          <a:prstGeom prst="rect">
+            <a:avLst/>
+          </a:prstGeom>
+          <a:noFill/>
+        </p:spPr>
+        <p:txBody>
+          <a:bodyPr wrap="square" rtlCol="0">
+            <a:spAutoFit/>
+          </a:bodyPr>
+          <a:lstStyle/>
+          <a:p>
+            <a:r>
+              <a:rPr lang="en-US" sz="3200" dirty="0"/>
+              <a:t>time – BFD2</a:t>
+            </a:r>
+          </a:p>
+          <a:p>
+            <a:r>
+              <a:rPr lang="en-US" sz="3200" dirty="0"/>
+              <a:t>SO – CLARK-NICOLSON</a:t>
+            </a:r>
+          </a:p>
+          <a:p>
+            <a:r>
+              <a:rPr lang="en-US" sz="3200" dirty="0"/>
+              <a:t>NL – EXPLICIT SO</a:t>
+            </a:r>
+          </a:p>
+        </p:txBody>
+      </p:sp>
+    </p:spTree>
+    <p:extLst>
+      <p:ext uri="{BB962C8B-B14F-4D97-AF65-F5344CB8AC3E}">
+        <p14:creationId xmlns:p14="http://schemas.microsoft.com/office/powerpoint/2010/main" val="2630492587"/>
+      </p:ext>
+    </p:extLst>
+  </p:cSld>
+  <p:clrMapOvr>
+    <a:masterClrMapping/>
+  </p:clrMapOvr>
+</p:sld>
+</file>
+
+<file path=ppt/slides/slide11.xml><?xml version="1.0" encoding="utf-8"?>
+<p:sld xmlns:a="http://schemas.openxmlformats.org/drawingml/2006/main" xmlns:r="http://schemas.openxmlformats.org/officeDocument/2006/relationships" xmlns:p="http://schemas.openxmlformats.org/presentationml/2006/main">
+  <p:cSld>
+    <p:spTree>
+      <p:nvGrpSpPr>
+        <p:cNvPr id="1" name=""/>
+        <p:cNvGrpSpPr/>
+        <p:nvPr/>
+      </p:nvGrpSpPr>
+      <p:grpSpPr>
+        <a:xfrm>
+          <a:off x="0" y="0"/>
+          <a:ext cx="0" cy="0"/>
+          <a:chOff x="0" y="0"/>
+          <a:chExt cx="0" cy="0"/>
+        </a:xfrm>
+      </p:grpSpPr>
+      <p:sp>
+        <p:nvSpPr>
+          <p:cNvPr id="4" name="Oval 3"/>
+          <p:cNvSpPr/>
+          <p:nvPr/>
+        </p:nvSpPr>
+        <p:spPr>
+          <a:xfrm>
+            <a:off x="2483792" y="2570056"/>
+            <a:ext cx="288032" cy="288032"/>
+          </a:xfrm>
+          <a:prstGeom prst="ellipse">
+            <a:avLst/>
+          </a:prstGeom>
+          <a:pattFill prst="wdDnDiag">
+            <a:fgClr>
+              <a:srgbClr val="FF0000"/>
+            </a:fgClr>
+            <a:bgClr>
+              <a:srgbClr val="00B050"/>
+            </a:bgClr>
+          </a:pattFill>
+          <a:ln>
+            <a:solidFill>
+              <a:schemeClr val="tx1"/>
+            </a:solidFill>
+          </a:ln>
+        </p:spPr>
+        <p:style>
+          <a:lnRef idx="2">
+            <a:schemeClr val="accent1">
+              <a:shade val="50000"/>
+            </a:schemeClr>
+          </a:lnRef>
+          <a:fillRef idx="1">
+            <a:schemeClr val="accent1"/>
+          </a:fillRef>
+          <a:effectRef idx="0">
+            <a:schemeClr val="accent1"/>
+          </a:effectRef>
+          <a:fontRef idx="minor">
+            <a:schemeClr val="lt1"/>
+          </a:fontRef>
+        </p:style>
+        <p:txBody>
+          <a:bodyPr rtlCol="0" anchor="ctr"/>
+          <a:lstStyle/>
+          <a:p>
+            <a:pPr algn="ctr"/>
+            <a:endParaRPr lang="en-US"/>
+          </a:p>
+        </p:txBody>
+      </p:sp>
+      <p:sp>
+        <p:nvSpPr>
+          <p:cNvPr id="7" name="Oval 6"/>
+          <p:cNvSpPr/>
+          <p:nvPr/>
+        </p:nvSpPr>
+        <p:spPr>
+          <a:xfrm>
+            <a:off x="2483792" y="3255648"/>
+            <a:ext cx="288032" cy="288032"/>
+          </a:xfrm>
+          <a:prstGeom prst="ellipse">
+            <a:avLst/>
+          </a:prstGeom>
+          <a:solidFill>
+            <a:srgbClr val="FF0000"/>
+          </a:solidFill>
+          <a:ln>
+            <a:solidFill>
+              <a:schemeClr val="tx1"/>
+            </a:solidFill>
+          </a:ln>
+        </p:spPr>
+        <p:style>
+          <a:lnRef idx="2">
+            <a:schemeClr val="accent1">
+              <a:shade val="50000"/>
+            </a:schemeClr>
+          </a:lnRef>
+          <a:fillRef idx="1">
+            <a:schemeClr val="accent1"/>
+          </a:fillRef>
+          <a:effectRef idx="0">
+            <a:schemeClr val="accent1"/>
+          </a:effectRef>
+          <a:fontRef idx="minor">
+            <a:schemeClr val="lt1"/>
+          </a:fontRef>
+        </p:style>
+        <p:txBody>
+          <a:bodyPr rtlCol="0" anchor="ctr"/>
+          <a:lstStyle/>
+          <a:p>
+            <a:pPr algn="ctr"/>
+            <a:endParaRPr lang="en-US"/>
+          </a:p>
+        </p:txBody>
+      </p:sp>
+      <p:sp>
+        <p:nvSpPr>
+          <p:cNvPr id="10" name="Oval 9"/>
+          <p:cNvSpPr/>
+          <p:nvPr/>
+        </p:nvSpPr>
+        <p:spPr>
+          <a:xfrm>
+            <a:off x="2483792" y="3941240"/>
+            <a:ext cx="288032" cy="288032"/>
+          </a:xfrm>
+          <a:prstGeom prst="ellipse">
+            <a:avLst/>
+          </a:prstGeom>
+          <a:noFill/>
+          <a:ln>
+            <a:solidFill>
+              <a:schemeClr val="tx1"/>
+            </a:solidFill>
+          </a:ln>
+        </p:spPr>
+        <p:style>
+          <a:lnRef idx="2">
+            <a:schemeClr val="accent1">
+              <a:shade val="50000"/>
+            </a:schemeClr>
+          </a:lnRef>
+          <a:fillRef idx="1">
+            <a:schemeClr val="accent1"/>
+          </a:fillRef>
+          <a:effectRef idx="0">
+            <a:schemeClr val="accent1"/>
+          </a:effectRef>
+          <a:fontRef idx="minor">
+            <a:schemeClr val="lt1"/>
+          </a:fontRef>
+        </p:style>
+        <p:txBody>
+          <a:bodyPr rtlCol="0" anchor="ctr"/>
+          <a:lstStyle/>
+          <a:p>
+            <a:pPr algn="ctr"/>
+            <a:endParaRPr lang="en-US"/>
+          </a:p>
+        </p:txBody>
+      </p:sp>
+      <p:sp>
+        <p:nvSpPr>
+          <p:cNvPr id="16" name="Oval 15"/>
+          <p:cNvSpPr/>
+          <p:nvPr/>
+        </p:nvSpPr>
+        <p:spPr>
+          <a:xfrm>
+            <a:off x="3275868" y="2570056"/>
+            <a:ext cx="288032" cy="288032"/>
+          </a:xfrm>
+          <a:prstGeom prst="ellipse">
+            <a:avLst/>
+          </a:prstGeom>
+          <a:pattFill prst="wdDnDiag">
+            <a:fgClr>
+              <a:srgbClr val="FF0000"/>
+            </a:fgClr>
+            <a:bgClr>
+              <a:schemeClr val="accent1"/>
+            </a:bgClr>
+          </a:pattFill>
+          <a:ln>
+            <a:solidFill>
+              <a:schemeClr val="tx1"/>
+            </a:solidFill>
+          </a:ln>
+        </p:spPr>
+        <p:style>
+          <a:lnRef idx="2">
+            <a:schemeClr val="accent1">
+              <a:shade val="50000"/>
+            </a:schemeClr>
+          </a:lnRef>
+          <a:fillRef idx="1">
+            <a:schemeClr val="accent1"/>
+          </a:fillRef>
+          <a:effectRef idx="0">
+            <a:schemeClr val="accent1"/>
+          </a:effectRef>
+          <a:fontRef idx="minor">
+            <a:schemeClr val="lt1"/>
+          </a:fontRef>
+        </p:style>
+        <p:txBody>
+          <a:bodyPr rtlCol="0" anchor="ctr"/>
+          <a:lstStyle/>
+          <a:p>
+            <a:pPr algn="ctr"/>
+            <a:endParaRPr lang="en-US"/>
+          </a:p>
+        </p:txBody>
+      </p:sp>
+      <p:sp>
+        <p:nvSpPr>
+          <p:cNvPr id="17" name="Oval 16"/>
+          <p:cNvSpPr/>
+          <p:nvPr/>
+        </p:nvSpPr>
+        <p:spPr>
+          <a:xfrm>
+            <a:off x="3275868" y="3255648"/>
+            <a:ext cx="288032" cy="288032"/>
+          </a:xfrm>
+          <a:prstGeom prst="ellipse">
+            <a:avLst/>
+          </a:prstGeom>
+          <a:pattFill prst="wdDnDiag">
+            <a:fgClr>
+              <a:srgbClr val="FF0000"/>
+            </a:fgClr>
+            <a:bgClr>
+              <a:schemeClr val="accent1"/>
+            </a:bgClr>
+          </a:pattFill>
+          <a:ln>
+            <a:solidFill>
+              <a:schemeClr val="tx1"/>
+            </a:solidFill>
+          </a:ln>
+        </p:spPr>
+        <p:style>
+          <a:lnRef idx="2">
+            <a:schemeClr val="accent1">
+              <a:shade val="50000"/>
+            </a:schemeClr>
+          </a:lnRef>
+          <a:fillRef idx="1">
+            <a:schemeClr val="accent1"/>
+          </a:fillRef>
+          <a:effectRef idx="0">
+            <a:schemeClr val="accent1"/>
+          </a:effectRef>
+          <a:fontRef idx="minor">
+            <a:schemeClr val="lt1"/>
+          </a:fontRef>
+        </p:style>
+        <p:txBody>
+          <a:bodyPr rtlCol="0" anchor="ctr"/>
+          <a:lstStyle/>
+          <a:p>
+            <a:pPr algn="ctr"/>
+            <a:endParaRPr lang="en-US"/>
+          </a:p>
+        </p:txBody>
+      </p:sp>
+      <p:sp>
+        <p:nvSpPr>
+          <p:cNvPr id="18" name="Oval 17"/>
+          <p:cNvSpPr/>
+          <p:nvPr/>
+        </p:nvSpPr>
+        <p:spPr>
+          <a:xfrm>
+            <a:off x="3275868" y="3941240"/>
+            <a:ext cx="288032" cy="288032"/>
+          </a:xfrm>
+          <a:prstGeom prst="ellipse">
+            <a:avLst/>
+          </a:prstGeom>
+          <a:solidFill>
+            <a:srgbClr val="0070C0"/>
+          </a:solidFill>
+          <a:ln>
+            <a:solidFill>
+              <a:schemeClr val="tx1"/>
+            </a:solidFill>
+          </a:ln>
+        </p:spPr>
+        <p:style>
+          <a:lnRef idx="2">
+            <a:schemeClr val="accent1">
+              <a:shade val="50000"/>
+            </a:schemeClr>
+          </a:lnRef>
+          <a:fillRef idx="1">
+            <a:schemeClr val="accent1"/>
+          </a:fillRef>
+          <a:effectRef idx="0">
+            <a:schemeClr val="accent1"/>
+          </a:effectRef>
+          <a:fontRef idx="minor">
+            <a:schemeClr val="lt1"/>
+          </a:fontRef>
+        </p:style>
+        <p:txBody>
+          <a:bodyPr rtlCol="0" anchor="ctr"/>
+          <a:lstStyle/>
+          <a:p>
+            <a:pPr algn="ctr"/>
+            <a:endParaRPr lang="en-US"/>
+          </a:p>
+        </p:txBody>
+      </p:sp>
+      <p:sp>
+        <p:nvSpPr>
+          <p:cNvPr id="20" name="Oval 19"/>
+          <p:cNvSpPr/>
+          <p:nvPr/>
+        </p:nvSpPr>
+        <p:spPr>
+          <a:xfrm>
+            <a:off x="4067944" y="2570056"/>
+            <a:ext cx="288032" cy="288032"/>
+          </a:xfrm>
+          <a:prstGeom prst="ellipse">
+            <a:avLst/>
+          </a:prstGeom>
+          <a:pattFill prst="wdDnDiag">
+            <a:fgClr>
+              <a:srgbClr val="FF0000"/>
+            </a:fgClr>
+            <a:bgClr>
+              <a:srgbClr val="00B050"/>
+            </a:bgClr>
+          </a:pattFill>
+          <a:ln>
+            <a:solidFill>
+              <a:schemeClr val="tx1"/>
+            </a:solidFill>
+          </a:ln>
+        </p:spPr>
+        <p:style>
+          <a:lnRef idx="2">
+            <a:schemeClr val="accent1">
+              <a:shade val="50000"/>
+            </a:schemeClr>
+          </a:lnRef>
+          <a:fillRef idx="1">
+            <a:schemeClr val="accent1"/>
+          </a:fillRef>
+          <a:effectRef idx="0">
+            <a:schemeClr val="accent1"/>
+          </a:effectRef>
+          <a:fontRef idx="minor">
+            <a:schemeClr val="lt1"/>
+          </a:fontRef>
+        </p:style>
+        <p:txBody>
+          <a:bodyPr rtlCol="0" anchor="ctr"/>
+          <a:lstStyle/>
+          <a:p>
+            <a:pPr algn="ctr"/>
+            <a:endParaRPr lang="en-US"/>
+          </a:p>
+        </p:txBody>
+      </p:sp>
+      <p:sp>
+        <p:nvSpPr>
+          <p:cNvPr id="21" name="Oval 20"/>
+          <p:cNvSpPr/>
+          <p:nvPr/>
+        </p:nvSpPr>
+        <p:spPr>
+          <a:xfrm>
+            <a:off x="4067944" y="3255648"/>
+            <a:ext cx="288032" cy="288032"/>
+          </a:xfrm>
+          <a:prstGeom prst="ellipse">
+            <a:avLst/>
+          </a:prstGeom>
+          <a:solidFill>
+            <a:srgbClr val="FF0000"/>
+          </a:solidFill>
+          <a:ln>
+            <a:solidFill>
+              <a:schemeClr val="tx1"/>
+            </a:solidFill>
+          </a:ln>
+        </p:spPr>
+        <p:style>
+          <a:lnRef idx="2">
+            <a:schemeClr val="accent1">
+              <a:shade val="50000"/>
+            </a:schemeClr>
+          </a:lnRef>
+          <a:fillRef idx="1">
+            <a:schemeClr val="accent1"/>
+          </a:fillRef>
+          <a:effectRef idx="0">
+            <a:schemeClr val="accent1"/>
+          </a:effectRef>
+          <a:fontRef idx="minor">
+            <a:schemeClr val="lt1"/>
+          </a:fontRef>
+        </p:style>
+        <p:txBody>
+          <a:bodyPr rtlCol="0" anchor="ctr"/>
+          <a:lstStyle/>
+          <a:p>
+            <a:pPr algn="ctr"/>
+            <a:endParaRPr lang="en-US"/>
+          </a:p>
+        </p:txBody>
+      </p:sp>
+      <p:sp>
+        <p:nvSpPr>
+          <p:cNvPr id="22" name="Oval 21"/>
+          <p:cNvSpPr/>
+          <p:nvPr/>
+        </p:nvSpPr>
+        <p:spPr>
+          <a:xfrm>
+            <a:off x="4067944" y="3941240"/>
+            <a:ext cx="288032" cy="288032"/>
+          </a:xfrm>
+          <a:prstGeom prst="ellipse">
+            <a:avLst/>
+          </a:prstGeom>
+          <a:noFill/>
+          <a:ln>
+            <a:solidFill>
+              <a:schemeClr val="tx1"/>
+            </a:solidFill>
+          </a:ln>
+        </p:spPr>
+        <p:style>
+          <a:lnRef idx="2">
+            <a:schemeClr val="accent1">
+              <a:shade val="50000"/>
+            </a:schemeClr>
+          </a:lnRef>
+          <a:fillRef idx="1">
+            <a:schemeClr val="accent1"/>
+          </a:fillRef>
+          <a:effectRef idx="0">
+            <a:schemeClr val="accent1"/>
+          </a:effectRef>
+          <a:fontRef idx="minor">
+            <a:schemeClr val="lt1"/>
+          </a:fontRef>
+        </p:style>
+        <p:txBody>
+          <a:bodyPr rtlCol="0" anchor="ctr"/>
+          <a:lstStyle/>
+          <a:p>
+            <a:pPr algn="ctr"/>
+            <a:endParaRPr lang="en-US"/>
+          </a:p>
+        </p:txBody>
+      </p:sp>
+      <p:sp>
+        <p:nvSpPr>
+          <p:cNvPr id="23" name="TextBox 22"/>
+          <p:cNvSpPr txBox="1"/>
+          <p:nvPr/>
+        </p:nvSpPr>
+        <p:spPr>
+          <a:xfrm>
+            <a:off x="1763688" y="3941240"/>
+            <a:ext cx="569387" cy="369332"/>
+          </a:xfrm>
+          <a:prstGeom prst="rect">
+            <a:avLst/>
+          </a:prstGeom>
+          <a:noFill/>
+        </p:spPr>
+        <p:txBody>
+          <a:bodyPr wrap="none" rtlCol="0">
+            <a:spAutoFit/>
+          </a:bodyPr>
+          <a:lstStyle/>
+          <a:p>
+            <a:r>
+              <a:rPr lang="en-US" dirty="0"/>
+              <a:t>m-1</a:t>
+            </a:r>
+          </a:p>
+        </p:txBody>
+      </p:sp>
+      <p:sp>
+        <p:nvSpPr>
+          <p:cNvPr id="24" name="TextBox 23"/>
+          <p:cNvSpPr txBox="1"/>
+          <p:nvPr/>
+        </p:nvSpPr>
+        <p:spPr>
+          <a:xfrm>
+            <a:off x="1763687" y="3214998"/>
+            <a:ext cx="369012" cy="369332"/>
+          </a:xfrm>
+          <a:prstGeom prst="rect">
+            <a:avLst/>
+          </a:prstGeom>
+          <a:noFill/>
+        </p:spPr>
+        <p:txBody>
+          <a:bodyPr wrap="none" rtlCol="0">
+            <a:spAutoFit/>
+          </a:bodyPr>
+          <a:lstStyle/>
+          <a:p>
+            <a:r>
+              <a:rPr lang="en-US" dirty="0"/>
+              <a:t>m</a:t>
+            </a:r>
+          </a:p>
+        </p:txBody>
+      </p:sp>
+      <p:sp>
+        <p:nvSpPr>
+          <p:cNvPr id="25" name="TextBox 24"/>
+          <p:cNvSpPr txBox="1"/>
+          <p:nvPr/>
+        </p:nvSpPr>
+        <p:spPr>
+          <a:xfrm>
+            <a:off x="1763686" y="2529406"/>
+            <a:ext cx="601447" cy="369332"/>
+          </a:xfrm>
+          <a:prstGeom prst="rect">
+            <a:avLst/>
+          </a:prstGeom>
+          <a:noFill/>
+        </p:spPr>
+        <p:txBody>
+          <a:bodyPr wrap="none" rtlCol="0">
+            <a:spAutoFit/>
+          </a:bodyPr>
+          <a:lstStyle/>
+          <a:p>
+            <a:r>
+              <a:rPr lang="en-US" dirty="0"/>
+              <a:t>m+1</a:t>
+            </a:r>
+          </a:p>
+        </p:txBody>
+      </p:sp>
+      <p:sp>
+        <p:nvSpPr>
+          <p:cNvPr id="26" name="TextBox 25"/>
+          <p:cNvSpPr txBox="1"/>
+          <p:nvPr/>
+        </p:nvSpPr>
+        <p:spPr>
+          <a:xfrm>
+            <a:off x="2365133" y="4335046"/>
+            <a:ext cx="599844" cy="369332"/>
+          </a:xfrm>
+          <a:prstGeom prst="rect">
+            <a:avLst/>
+          </a:prstGeom>
+          <a:noFill/>
+        </p:spPr>
+        <p:txBody>
+          <a:bodyPr wrap="none" rtlCol="0">
+            <a:spAutoFit/>
+          </a:bodyPr>
+          <a:lstStyle/>
+          <a:p>
+            <a:r>
+              <a:rPr lang="en-US" dirty="0"/>
+              <a:t>n - 1</a:t>
+            </a:r>
+          </a:p>
+        </p:txBody>
+      </p:sp>
+      <p:sp>
+        <p:nvSpPr>
+          <p:cNvPr id="27" name="TextBox 26"/>
+          <p:cNvSpPr txBox="1"/>
+          <p:nvPr/>
+        </p:nvSpPr>
+        <p:spPr>
+          <a:xfrm>
+            <a:off x="3277028" y="4327036"/>
+            <a:ext cx="306494" cy="369332"/>
+          </a:xfrm>
+          <a:prstGeom prst="rect">
+            <a:avLst/>
+          </a:prstGeom>
+          <a:noFill/>
+        </p:spPr>
+        <p:txBody>
+          <a:bodyPr wrap="none" rtlCol="0">
+            <a:spAutoFit/>
+          </a:bodyPr>
+          <a:lstStyle/>
+          <a:p>
+            <a:r>
+              <a:rPr lang="en-US" dirty="0"/>
+              <a:t>n</a:t>
+            </a:r>
+          </a:p>
+        </p:txBody>
+      </p:sp>
+      <p:sp>
+        <p:nvSpPr>
+          <p:cNvPr id="28" name="TextBox 27"/>
+          <p:cNvSpPr txBox="1"/>
+          <p:nvPr/>
+        </p:nvSpPr>
+        <p:spPr>
+          <a:xfrm>
+            <a:off x="3912038" y="4335046"/>
+            <a:ext cx="644728" cy="369332"/>
+          </a:xfrm>
+          <a:prstGeom prst="rect">
+            <a:avLst/>
+          </a:prstGeom>
+          <a:noFill/>
+        </p:spPr>
+        <p:txBody>
+          <a:bodyPr wrap="none" rtlCol="0">
+            <a:spAutoFit/>
+          </a:bodyPr>
+          <a:lstStyle/>
+          <a:p>
+            <a:r>
+              <a:rPr lang="en-US" dirty="0"/>
+              <a:t>n + 1</a:t>
+            </a:r>
+          </a:p>
+        </p:txBody>
+      </p:sp>
+      <p:sp>
+        <p:nvSpPr>
+          <p:cNvPr id="2" name="TextBox 1"/>
+          <p:cNvSpPr txBox="1"/>
+          <p:nvPr/>
+        </p:nvSpPr>
+        <p:spPr>
+          <a:xfrm>
+            <a:off x="2365133" y="692696"/>
+            <a:ext cx="4104432" cy="1569660"/>
+          </a:xfrm>
+          <a:prstGeom prst="rect">
+            <a:avLst/>
+          </a:prstGeom>
+          <a:noFill/>
+        </p:spPr>
+        <p:txBody>
+          <a:bodyPr wrap="square" rtlCol="0">
+            <a:spAutoFit/>
+          </a:bodyPr>
+          <a:lstStyle/>
+          <a:p>
+            <a:r>
+              <a:rPr lang="en-US" sz="3200" dirty="0"/>
+              <a:t>time – BFD2</a:t>
+            </a:r>
+          </a:p>
+          <a:p>
+            <a:r>
+              <a:rPr lang="en-US" sz="3200" dirty="0"/>
+              <a:t>SO – CLARK-NICOLSON</a:t>
+            </a:r>
+          </a:p>
+          <a:p>
+            <a:r>
+              <a:rPr lang="en-US" sz="3200" dirty="0"/>
+              <a:t>NL – IMPLICIT SO</a:t>
+            </a:r>
+          </a:p>
+        </p:txBody>
+      </p:sp>
+    </p:spTree>
+    <p:extLst>
+      <p:ext uri="{BB962C8B-B14F-4D97-AF65-F5344CB8AC3E}">
+        <p14:creationId xmlns:p14="http://schemas.microsoft.com/office/powerpoint/2010/main" val="2277570465"/>
+      </p:ext>
+    </p:extLst>
+  </p:cSld>
+  <p:clrMapOvr>
+    <a:masterClrMapping/>
+  </p:clrMapOvr>
+</p:sld>
+</file>
+
 <file path=ppt/slides/slide2.xml><?xml version="1.0" encoding="utf-8"?>
 <p:sld xmlns:a="http://schemas.openxmlformats.org/drawingml/2006/main" xmlns:r="http://schemas.openxmlformats.org/officeDocument/2006/relationships" xmlns:p="http://schemas.openxmlformats.org/presentationml/2006/main">
   <p:cSld>
@@ -3651,10 +5036,9 @@
           <a:lstStyle/>
           <a:p>
             <a:r>
-              <a:rPr lang="en-US" dirty="0" smtClean="0"/>
+              <a:rPr lang="en-US" dirty="0"/>
               <a:t>m-1</a:t>
             </a:r>
-            <a:endParaRPr lang="en-US" dirty="0"/>
           </a:p>
         </p:txBody>
       </p:sp>
@@ -3681,10 +5065,9 @@
           <a:lstStyle/>
           <a:p>
             <a:r>
-              <a:rPr lang="en-US" dirty="0" smtClean="0"/>
+              <a:rPr lang="en-US" dirty="0"/>
               <a:t>m</a:t>
             </a:r>
-            <a:endParaRPr lang="en-US" dirty="0"/>
           </a:p>
         </p:txBody>
       </p:sp>
@@ -3711,10 +5094,9 @@
           <a:lstStyle/>
           <a:p>
             <a:r>
-              <a:rPr lang="en-US" dirty="0" smtClean="0"/>
+              <a:rPr lang="en-US" dirty="0"/>
               <a:t>m+1</a:t>
             </a:r>
-            <a:endParaRPr lang="en-US" dirty="0"/>
           </a:p>
         </p:txBody>
       </p:sp>
@@ -3741,10 +5123,9 @@
           <a:lstStyle/>
           <a:p>
             <a:r>
-              <a:rPr lang="en-US" dirty="0" smtClean="0"/>
+              <a:rPr lang="en-US" dirty="0"/>
               <a:t>n - 1</a:t>
             </a:r>
-            <a:endParaRPr lang="en-US" dirty="0"/>
           </a:p>
         </p:txBody>
       </p:sp>
@@ -3771,10 +5152,9 @@
           <a:lstStyle/>
           <a:p>
             <a:r>
-              <a:rPr lang="en-US" dirty="0" smtClean="0"/>
+              <a:rPr lang="en-US" dirty="0"/>
               <a:t>n</a:t>
             </a:r>
-            <a:endParaRPr lang="en-US" dirty="0"/>
           </a:p>
         </p:txBody>
       </p:sp>
@@ -3801,10 +5181,9 @@
           <a:lstStyle/>
           <a:p>
             <a:r>
-              <a:rPr lang="en-US" dirty="0" smtClean="0"/>
+              <a:rPr lang="en-US" dirty="0"/>
               <a:t>n + 1</a:t>
             </a:r>
-            <a:endParaRPr lang="en-US" dirty="0"/>
           </a:p>
         </p:txBody>
       </p:sp>
@@ -3852,7 +5231,9 @@
           <a:prstGeom prst="ellipse">
             <a:avLst/>
           </a:prstGeom>
-          <a:noFill/>
+          <a:solidFill>
+            <a:srgbClr val="FF0000"/>
+          </a:solidFill>
           <a:ln>
             <a:solidFill>
               <a:schemeClr val="tx1"/>
@@ -3892,20 +5273,15 @@
         </p:nvSpPr>
         <p:spPr>
           <a:xfrm>
-            <a:off x="2483792" y="3255648"/>
+            <a:off x="2483792" y="3278827"/>
             <a:ext cx="288032" cy="288032"/>
           </a:xfrm>
           <a:prstGeom prst="ellipse">
             <a:avLst/>
           </a:prstGeom>
-          <a:pattFill prst="wdDnDiag">
-            <a:fgClr>
-              <a:srgbClr val="00B050"/>
-            </a:fgClr>
-            <a:bgClr>
-              <a:srgbClr val="FF0000"/>
-            </a:bgClr>
-          </a:pattFill>
+          <a:solidFill>
+            <a:srgbClr val="00B050"/>
+          </a:solidFill>
           <a:ln>
             <a:solidFill>
               <a:schemeClr val="tx1"/>
@@ -3945,53 +5321,7 @@
         </p:nvSpPr>
         <p:spPr>
           <a:xfrm>
-            <a:off x="2483792" y="3941240"/>
-            <a:ext cx="288032" cy="288032"/>
-          </a:xfrm>
-          <a:prstGeom prst="ellipse">
-            <a:avLst/>
-          </a:prstGeom>
-          <a:noFill/>
-          <a:ln>
-            <a:solidFill>
-              <a:schemeClr val="tx1"/>
-            </a:solidFill>
-          </a:ln>
-        </p:spPr>
-        <p:style>
-          <a:lnRef idx="2">
-            <a:schemeClr val="accent1">
-              <a:shade val="50000"/>
-            </a:schemeClr>
-          </a:lnRef>
-          <a:fillRef idx="1">
-            <a:schemeClr val="accent1"/>
-          </a:fillRef>
-          <a:effectRef idx="0">
-            <a:schemeClr val="accent1"/>
-          </a:effectRef>
-          <a:fontRef idx="minor">
-            <a:schemeClr val="lt1"/>
-          </a:fontRef>
-        </p:style>
-        <p:txBody>
-          <a:bodyPr rtlCol="0" anchor="ctr"/>
-          <a:lstStyle/>
-          <a:p>
-            <a:pPr algn="ctr"/>
-            <a:endParaRPr lang="en-US"/>
-          </a:p>
-        </p:txBody>
-      </p:sp>
-      <p:sp>
-        <p:nvSpPr>
-          <p:cNvPr id="16" name="Oval 15"/>
-          <p:cNvSpPr/>
-          <p:nvPr/>
-        </p:nvSpPr>
-        <p:spPr>
-          <a:xfrm>
-            <a:off x="3275868" y="2570056"/>
+            <a:off x="2483792" y="3987598"/>
             <a:ext cx="288032" cy="288032"/>
           </a:xfrm>
           <a:prstGeom prst="ellipse">
@@ -4033,26 +5363,19 @@
       </p:sp>
       <p:sp>
         <p:nvSpPr>
-          <p:cNvPr id="17" name="Oval 16"/>
+          <p:cNvPr id="18" name="Oval 17"/>
           <p:cNvSpPr/>
           <p:nvPr/>
         </p:nvSpPr>
         <p:spPr>
           <a:xfrm>
-            <a:off x="3275868" y="3255648"/>
+            <a:off x="2483792" y="4696368"/>
             <a:ext cx="288032" cy="288032"/>
           </a:xfrm>
           <a:prstGeom prst="ellipse">
             <a:avLst/>
           </a:prstGeom>
-          <a:pattFill prst="wdDnDiag">
-            <a:fgClr>
-              <a:srgbClr val="FF0000"/>
-            </a:fgClr>
-            <a:bgClr>
-              <a:schemeClr val="accent1"/>
-            </a:bgClr>
-          </a:pattFill>
+          <a:noFill/>
           <a:ln>
             <a:solidFill>
               <a:schemeClr val="tx1"/>
@@ -4086,385 +5409,20 @@
       </p:sp>
       <p:sp>
         <p:nvSpPr>
-          <p:cNvPr id="18" name="Oval 17"/>
-          <p:cNvSpPr/>
-          <p:nvPr/>
-        </p:nvSpPr>
-        <p:spPr>
-          <a:xfrm>
-            <a:off x="3275868" y="3941240"/>
-            <a:ext cx="288032" cy="288032"/>
-          </a:xfrm>
-          <a:prstGeom prst="ellipse">
-            <a:avLst/>
-          </a:prstGeom>
-          <a:noFill/>
-          <a:ln>
-            <a:solidFill>
-              <a:schemeClr val="tx1"/>
-            </a:solidFill>
-          </a:ln>
-        </p:spPr>
-        <p:style>
-          <a:lnRef idx="2">
-            <a:schemeClr val="accent1">
-              <a:shade val="50000"/>
-            </a:schemeClr>
-          </a:lnRef>
-          <a:fillRef idx="1">
-            <a:schemeClr val="accent1"/>
-          </a:fillRef>
-          <a:effectRef idx="0">
-            <a:schemeClr val="accent1"/>
-          </a:effectRef>
-          <a:fontRef idx="minor">
-            <a:schemeClr val="lt1"/>
-          </a:fontRef>
-        </p:style>
-        <p:txBody>
-          <a:bodyPr rtlCol="0" anchor="ctr"/>
-          <a:lstStyle/>
-          <a:p>
-            <a:pPr algn="ctr"/>
-            <a:endParaRPr lang="en-US"/>
-          </a:p>
-        </p:txBody>
-      </p:sp>
-      <p:sp>
-        <p:nvSpPr>
-          <p:cNvPr id="20" name="Oval 19"/>
-          <p:cNvSpPr/>
-          <p:nvPr/>
-        </p:nvSpPr>
-        <p:spPr>
-          <a:xfrm>
-            <a:off x="4067944" y="2570056"/>
-            <a:ext cx="288032" cy="288032"/>
-          </a:xfrm>
-          <a:prstGeom prst="ellipse">
-            <a:avLst/>
-          </a:prstGeom>
-          <a:noFill/>
-          <a:ln>
-            <a:solidFill>
-              <a:schemeClr val="tx1"/>
-            </a:solidFill>
-          </a:ln>
-        </p:spPr>
-        <p:style>
-          <a:lnRef idx="2">
-            <a:schemeClr val="accent1">
-              <a:shade val="50000"/>
-            </a:schemeClr>
-          </a:lnRef>
-          <a:fillRef idx="1">
-            <a:schemeClr val="accent1"/>
-          </a:fillRef>
-          <a:effectRef idx="0">
-            <a:schemeClr val="accent1"/>
-          </a:effectRef>
-          <a:fontRef idx="minor">
-            <a:schemeClr val="lt1"/>
-          </a:fontRef>
-        </p:style>
-        <p:txBody>
-          <a:bodyPr rtlCol="0" anchor="ctr"/>
-          <a:lstStyle/>
-          <a:p>
-            <a:pPr algn="ctr"/>
-            <a:endParaRPr lang="en-US"/>
-          </a:p>
-        </p:txBody>
-      </p:sp>
-      <p:sp>
-        <p:nvSpPr>
-          <p:cNvPr id="21" name="Oval 20"/>
-          <p:cNvSpPr/>
-          <p:nvPr/>
-        </p:nvSpPr>
-        <p:spPr>
-          <a:xfrm>
-            <a:off x="4067944" y="3255648"/>
-            <a:ext cx="288032" cy="288032"/>
-          </a:xfrm>
-          <a:prstGeom prst="ellipse">
-            <a:avLst/>
-          </a:prstGeom>
-          <a:pattFill prst="wdDnDiag">
-            <a:fgClr>
-              <a:srgbClr val="00B050"/>
-            </a:fgClr>
-            <a:bgClr>
-              <a:srgbClr val="FF0000"/>
-            </a:bgClr>
-          </a:pattFill>
-          <a:ln>
-            <a:solidFill>
-              <a:schemeClr val="tx1"/>
-            </a:solidFill>
-          </a:ln>
-        </p:spPr>
-        <p:style>
-          <a:lnRef idx="2">
-            <a:schemeClr val="accent1">
-              <a:shade val="50000"/>
-            </a:schemeClr>
-          </a:lnRef>
-          <a:fillRef idx="1">
-            <a:schemeClr val="accent1"/>
-          </a:fillRef>
-          <a:effectRef idx="0">
-            <a:schemeClr val="accent1"/>
-          </a:effectRef>
-          <a:fontRef idx="minor">
-            <a:schemeClr val="lt1"/>
-          </a:fontRef>
-        </p:style>
-        <p:txBody>
-          <a:bodyPr rtlCol="0" anchor="ctr"/>
-          <a:lstStyle/>
-          <a:p>
-            <a:pPr algn="ctr"/>
-            <a:endParaRPr lang="en-US"/>
-          </a:p>
-        </p:txBody>
-      </p:sp>
-      <p:sp>
-        <p:nvSpPr>
-          <p:cNvPr id="22" name="Oval 21"/>
-          <p:cNvSpPr/>
-          <p:nvPr/>
-        </p:nvSpPr>
-        <p:spPr>
-          <a:xfrm>
-            <a:off x="4067944" y="3941240"/>
-            <a:ext cx="288032" cy="288032"/>
-          </a:xfrm>
-          <a:prstGeom prst="ellipse">
-            <a:avLst/>
-          </a:prstGeom>
-          <a:noFill/>
-          <a:ln>
-            <a:solidFill>
-              <a:schemeClr val="tx1"/>
-            </a:solidFill>
-          </a:ln>
-        </p:spPr>
-        <p:style>
-          <a:lnRef idx="2">
-            <a:schemeClr val="accent1">
-              <a:shade val="50000"/>
-            </a:schemeClr>
-          </a:lnRef>
-          <a:fillRef idx="1">
-            <a:schemeClr val="accent1"/>
-          </a:fillRef>
-          <a:effectRef idx="0">
-            <a:schemeClr val="accent1"/>
-          </a:effectRef>
-          <a:fontRef idx="minor">
-            <a:schemeClr val="lt1"/>
-          </a:fontRef>
-        </p:style>
-        <p:txBody>
-          <a:bodyPr rtlCol="0" anchor="ctr"/>
-          <a:lstStyle/>
-          <a:p>
-            <a:pPr algn="ctr"/>
-            <a:endParaRPr lang="en-US"/>
-          </a:p>
-        </p:txBody>
-      </p:sp>
-      <p:sp>
-        <p:nvSpPr>
-          <p:cNvPr id="23" name="TextBox 22"/>
+          <p:cNvPr id="3" name="TextBox 2">
+            <a:extLst>
+              <a:ext uri="{FF2B5EF4-FFF2-40B4-BE49-F238E27FC236}">
+                <a16:creationId xmlns:a16="http://schemas.microsoft.com/office/drawing/2014/main" id="{39C910F9-CC25-4AF2-B1A6-C4C4B53D2124}"/>
+              </a:ext>
+            </a:extLst>
+          </p:cNvPr>
           <p:cNvSpPr txBox="1"/>
           <p:nvPr/>
         </p:nvSpPr>
         <p:spPr>
           <a:xfrm>
-            <a:off x="1763688" y="3941240"/>
-            <a:ext cx="569387" cy="369332"/>
-          </a:xfrm>
-          <a:prstGeom prst="rect">
-            <a:avLst/>
-          </a:prstGeom>
-          <a:noFill/>
-        </p:spPr>
-        <p:txBody>
-          <a:bodyPr wrap="none" rtlCol="0">
-            <a:spAutoFit/>
-          </a:bodyPr>
-          <a:lstStyle/>
-          <a:p>
-            <a:r>
-              <a:rPr lang="en-US" dirty="0" smtClean="0"/>
-              <a:t>m-1</a:t>
-            </a:r>
-            <a:endParaRPr lang="en-US" dirty="0"/>
-          </a:p>
-        </p:txBody>
-      </p:sp>
-      <p:sp>
-        <p:nvSpPr>
-          <p:cNvPr id="24" name="TextBox 23"/>
-          <p:cNvSpPr txBox="1"/>
-          <p:nvPr/>
-        </p:nvSpPr>
-        <p:spPr>
-          <a:xfrm>
-            <a:off x="1763687" y="3214998"/>
-            <a:ext cx="369012" cy="369332"/>
-          </a:xfrm>
-          <a:prstGeom prst="rect">
-            <a:avLst/>
-          </a:prstGeom>
-          <a:noFill/>
-        </p:spPr>
-        <p:txBody>
-          <a:bodyPr wrap="none" rtlCol="0">
-            <a:spAutoFit/>
-          </a:bodyPr>
-          <a:lstStyle/>
-          <a:p>
-            <a:r>
-              <a:rPr lang="en-US" dirty="0" smtClean="0"/>
-              <a:t>m</a:t>
-            </a:r>
-            <a:endParaRPr lang="en-US" dirty="0"/>
-          </a:p>
-        </p:txBody>
-      </p:sp>
-      <p:sp>
-        <p:nvSpPr>
-          <p:cNvPr id="25" name="TextBox 24"/>
-          <p:cNvSpPr txBox="1"/>
-          <p:nvPr/>
-        </p:nvSpPr>
-        <p:spPr>
-          <a:xfrm>
-            <a:off x="1763686" y="2529406"/>
-            <a:ext cx="601447" cy="369332"/>
-          </a:xfrm>
-          <a:prstGeom prst="rect">
-            <a:avLst/>
-          </a:prstGeom>
-          <a:noFill/>
-        </p:spPr>
-        <p:txBody>
-          <a:bodyPr wrap="none" rtlCol="0">
-            <a:spAutoFit/>
-          </a:bodyPr>
-          <a:lstStyle/>
-          <a:p>
-            <a:r>
-              <a:rPr lang="en-US" dirty="0" smtClean="0"/>
-              <a:t>m+1</a:t>
-            </a:r>
-            <a:endParaRPr lang="en-US" dirty="0"/>
-          </a:p>
-        </p:txBody>
-      </p:sp>
-      <p:sp>
-        <p:nvSpPr>
-          <p:cNvPr id="26" name="TextBox 25"/>
-          <p:cNvSpPr txBox="1"/>
-          <p:nvPr/>
-        </p:nvSpPr>
-        <p:spPr>
-          <a:xfrm>
-            <a:off x="2365133" y="4335046"/>
-            <a:ext cx="599844" cy="369332"/>
-          </a:xfrm>
-          <a:prstGeom prst="rect">
-            <a:avLst/>
-          </a:prstGeom>
-          <a:noFill/>
-        </p:spPr>
-        <p:txBody>
-          <a:bodyPr wrap="none" rtlCol="0">
-            <a:spAutoFit/>
-          </a:bodyPr>
-          <a:lstStyle/>
-          <a:p>
-            <a:r>
-              <a:rPr lang="en-US" dirty="0" smtClean="0"/>
-              <a:t>n - 1</a:t>
-            </a:r>
-            <a:endParaRPr lang="en-US" dirty="0"/>
-          </a:p>
-        </p:txBody>
-      </p:sp>
-      <p:sp>
-        <p:nvSpPr>
-          <p:cNvPr id="27" name="TextBox 26"/>
-          <p:cNvSpPr txBox="1"/>
-          <p:nvPr/>
-        </p:nvSpPr>
-        <p:spPr>
-          <a:xfrm>
-            <a:off x="3277028" y="4327036"/>
-            <a:ext cx="306494" cy="369332"/>
-          </a:xfrm>
-          <a:prstGeom prst="rect">
-            <a:avLst/>
-          </a:prstGeom>
-          <a:noFill/>
-        </p:spPr>
-        <p:txBody>
-          <a:bodyPr wrap="none" rtlCol="0">
-            <a:spAutoFit/>
-          </a:bodyPr>
-          <a:lstStyle/>
-          <a:p>
-            <a:r>
-              <a:rPr lang="en-US" dirty="0" smtClean="0"/>
-              <a:t>n</a:t>
-            </a:r>
-            <a:endParaRPr lang="en-US" dirty="0"/>
-          </a:p>
-        </p:txBody>
-      </p:sp>
-      <p:sp>
-        <p:nvSpPr>
-          <p:cNvPr id="28" name="TextBox 27"/>
-          <p:cNvSpPr txBox="1"/>
-          <p:nvPr/>
-        </p:nvSpPr>
-        <p:spPr>
-          <a:xfrm>
-            <a:off x="3912038" y="4335046"/>
-            <a:ext cx="644728" cy="369332"/>
-          </a:xfrm>
-          <a:prstGeom prst="rect">
-            <a:avLst/>
-          </a:prstGeom>
-          <a:noFill/>
-        </p:spPr>
-        <p:txBody>
-          <a:bodyPr wrap="none" rtlCol="0">
-            <a:spAutoFit/>
-          </a:bodyPr>
-          <a:lstStyle/>
-          <a:p>
-            <a:r>
-              <a:rPr lang="en-US" dirty="0" smtClean="0"/>
-              <a:t>n + 1</a:t>
-            </a:r>
-            <a:endParaRPr lang="en-US" dirty="0"/>
-          </a:p>
-        </p:txBody>
-      </p:sp>
-      <p:sp>
-        <p:nvSpPr>
-          <p:cNvPr id="29" name="TextBox 28"/>
-          <p:cNvSpPr txBox="1"/>
-          <p:nvPr/>
-        </p:nvSpPr>
-        <p:spPr>
-          <a:xfrm>
-            <a:off x="2483792" y="764704"/>
-            <a:ext cx="3586879" cy="1569660"/>
+            <a:off x="3059832" y="2535114"/>
+            <a:ext cx="2808288" cy="369332"/>
           </a:xfrm>
           <a:prstGeom prst="rect">
             <a:avLst/>
@@ -4478,29 +5436,196 @@
           <a:lstStyle/>
           <a:p>
             <a:r>
-              <a:rPr lang="en-US" sz="3200" dirty="0" smtClean="0"/>
-              <a:t>time – BDW FO</a:t>
-            </a:r>
-          </a:p>
-          <a:p>
-            <a:r>
-              <a:rPr lang="en-US" sz="3200" dirty="0" smtClean="0"/>
-              <a:t>SO – EXPLICIT</a:t>
-            </a:r>
-          </a:p>
-          <a:p>
-            <a:r>
-              <a:rPr lang="en-US" sz="3200" dirty="0" smtClean="0"/>
-              <a:t>NL – EXPLICIT SO</a:t>
-            </a:r>
-            <a:endParaRPr lang="en-US" sz="3200" dirty="0"/>
+              <a:rPr lang="en-US" dirty="0"/>
+              <a:t> - </a:t>
+            </a:r>
+            <a:r>
+              <a:rPr lang="ru-RU" dirty="0"/>
+              <a:t>2-й производной по Х</a:t>
+            </a:r>
+            <a:endParaRPr lang="en-US" dirty="0"/>
+          </a:p>
+        </p:txBody>
+      </p:sp>
+      <p:sp>
+        <p:nvSpPr>
+          <p:cNvPr id="19" name="TextBox 18">
+            <a:extLst>
+              <a:ext uri="{FF2B5EF4-FFF2-40B4-BE49-F238E27FC236}">
+                <a16:creationId xmlns:a16="http://schemas.microsoft.com/office/drawing/2014/main" id="{C2D075CC-D48D-4D41-914D-419A17511A15}"/>
+              </a:ext>
+            </a:extLst>
+          </p:cNvPr>
+          <p:cNvSpPr txBox="1"/>
+          <p:nvPr/>
+        </p:nvSpPr>
+        <p:spPr>
+          <a:xfrm>
+            <a:off x="2411760" y="2062310"/>
+            <a:ext cx="4320480" cy="369332"/>
+          </a:xfrm>
+          <a:prstGeom prst="rect">
+            <a:avLst/>
+          </a:prstGeom>
+          <a:noFill/>
+        </p:spPr>
+        <p:txBody>
+          <a:bodyPr wrap="square" rtlCol="0">
+            <a:spAutoFit/>
+          </a:bodyPr>
+          <a:lstStyle/>
+          <a:p>
+            <a:r>
+              <a:rPr lang="ru-RU" dirty="0"/>
+              <a:t>Узел задействован в аппроксимации</a:t>
+            </a:r>
+            <a:r>
+              <a:rPr lang="en-US" dirty="0"/>
+              <a:t>:</a:t>
+            </a:r>
+          </a:p>
+        </p:txBody>
+      </p:sp>
+      <p:sp>
+        <p:nvSpPr>
+          <p:cNvPr id="29" name="TextBox 28">
+            <a:extLst>
+              <a:ext uri="{FF2B5EF4-FFF2-40B4-BE49-F238E27FC236}">
+                <a16:creationId xmlns:a16="http://schemas.microsoft.com/office/drawing/2014/main" id="{F8E9ED92-77F9-4980-A323-02BC8727404B}"/>
+              </a:ext>
+            </a:extLst>
+          </p:cNvPr>
+          <p:cNvSpPr txBox="1"/>
+          <p:nvPr/>
+        </p:nvSpPr>
+        <p:spPr>
+          <a:xfrm>
+            <a:off x="3059832" y="3241982"/>
+            <a:ext cx="2808288" cy="369332"/>
+          </a:xfrm>
+          <a:prstGeom prst="rect">
+            <a:avLst/>
+          </a:prstGeom>
+          <a:noFill/>
+        </p:spPr>
+        <p:txBody>
+          <a:bodyPr wrap="square" rtlCol="0">
+            <a:spAutoFit/>
+          </a:bodyPr>
+          <a:lstStyle/>
+          <a:p>
+            <a:r>
+              <a:rPr lang="en-US" dirty="0"/>
+              <a:t> - </a:t>
+            </a:r>
+            <a:r>
+              <a:rPr lang="ru-RU" dirty="0"/>
+              <a:t>нелинейной части</a:t>
+            </a:r>
+            <a:endParaRPr lang="en-US" dirty="0"/>
+          </a:p>
+        </p:txBody>
+      </p:sp>
+      <p:sp>
+        <p:nvSpPr>
+          <p:cNvPr id="30" name="TextBox 29">
+            <a:extLst>
+              <a:ext uri="{FF2B5EF4-FFF2-40B4-BE49-F238E27FC236}">
+                <a16:creationId xmlns:a16="http://schemas.microsoft.com/office/drawing/2014/main" id="{652A5F69-0994-4843-871A-2EF3300BB322}"/>
+              </a:ext>
+            </a:extLst>
+          </p:cNvPr>
+          <p:cNvSpPr txBox="1"/>
+          <p:nvPr/>
+        </p:nvSpPr>
+        <p:spPr>
+          <a:xfrm>
+            <a:off x="3059832" y="3948850"/>
+            <a:ext cx="2808288" cy="369332"/>
+          </a:xfrm>
+          <a:prstGeom prst="rect">
+            <a:avLst/>
+          </a:prstGeom>
+          <a:noFill/>
+        </p:spPr>
+        <p:txBody>
+          <a:bodyPr wrap="square" rtlCol="0">
+            <a:spAutoFit/>
+          </a:bodyPr>
+          <a:lstStyle/>
+          <a:p>
+            <a:r>
+              <a:rPr lang="en-US" dirty="0"/>
+              <a:t> -</a:t>
+            </a:r>
+            <a:r>
+              <a:rPr lang="ru-RU" dirty="0"/>
+              <a:t> производной по </a:t>
+            </a:r>
+            <a:r>
+              <a:rPr lang="en-US" dirty="0"/>
+              <a:t>t </a:t>
+            </a:r>
+            <a:r>
+              <a:rPr lang="ru-RU" dirty="0"/>
+              <a:t> </a:t>
+            </a:r>
+            <a:endParaRPr lang="en-US" dirty="0"/>
+          </a:p>
+        </p:txBody>
+      </p:sp>
+      <p:sp>
+        <p:nvSpPr>
+          <p:cNvPr id="31" name="TextBox 30">
+            <a:extLst>
+              <a:ext uri="{FF2B5EF4-FFF2-40B4-BE49-F238E27FC236}">
+                <a16:creationId xmlns:a16="http://schemas.microsoft.com/office/drawing/2014/main" id="{39FCAAAE-A348-403D-A322-45F9D2555CC8}"/>
+              </a:ext>
+            </a:extLst>
+          </p:cNvPr>
+          <p:cNvSpPr txBox="1"/>
+          <p:nvPr/>
+        </p:nvSpPr>
+        <p:spPr>
+          <a:xfrm>
+            <a:off x="3059832" y="4655718"/>
+            <a:ext cx="2808288" cy="369332"/>
+          </a:xfrm>
+          <a:prstGeom prst="rect">
+            <a:avLst/>
+          </a:prstGeom>
+          <a:noFill/>
+        </p:spPr>
+        <p:txBody>
+          <a:bodyPr wrap="square" rtlCol="0">
+            <a:spAutoFit/>
+          </a:bodyPr>
+          <a:lstStyle/>
+          <a:p>
+            <a:r>
+              <a:rPr lang="en-US" dirty="0"/>
+              <a:t> -</a:t>
+            </a:r>
+            <a:r>
+              <a:rPr lang="ru-RU" dirty="0"/>
+              <a:t> не задействован</a:t>
+            </a:r>
+            <a:r>
+              <a:rPr lang="en-US" dirty="0"/>
+              <a:t> </a:t>
+            </a:r>
+            <a:r>
+              <a:rPr lang="ru-RU" dirty="0"/>
+              <a:t> </a:t>
+            </a:r>
+            <a:endParaRPr lang="en-US" dirty="0"/>
           </a:p>
         </p:txBody>
       </p:sp>
     </p:spTree>
     <p:extLst>
       <p:ext uri="{BB962C8B-B14F-4D97-AF65-F5344CB8AC3E}">
-        <p14:creationId xmlns:p14="http://schemas.microsoft.com/office/powerpoint/2010/main" val="2034181841"/>
+        <p14:creationId xmlns:p14="http://schemas.microsoft.com/office/powerpoint/2010/main" val="912075446"/>
       </p:ext>
     </p:extLst>
   </p:cSld>
@@ -4541,9 +5666,7 @@
           <a:prstGeom prst="ellipse">
             <a:avLst/>
           </a:prstGeom>
-          <a:solidFill>
-            <a:srgbClr val="FF0000"/>
-          </a:solidFill>
+          <a:noFill/>
           <a:ln>
             <a:solidFill>
               <a:schemeClr val="tx1"/>
@@ -4589,9 +5712,14 @@
           <a:prstGeom prst="ellipse">
             <a:avLst/>
           </a:prstGeom>
-          <a:solidFill>
-            <a:srgbClr val="00B050"/>
-          </a:solidFill>
+          <a:pattFill prst="wdDnDiag">
+            <a:fgClr>
+              <a:srgbClr val="00B050"/>
+            </a:fgClr>
+            <a:bgClr>
+              <a:srgbClr val="FF0000"/>
+            </a:bgClr>
+          </a:pattFill>
           <a:ln>
             <a:solidFill>
               <a:schemeClr val="tx1"/>
@@ -4678,6 +5806,54 @@
         <p:spPr>
           <a:xfrm>
             <a:off x="3275868" y="2570056"/>
+            <a:ext cx="288032" cy="288032"/>
+          </a:xfrm>
+          <a:prstGeom prst="ellipse">
+            <a:avLst/>
+          </a:prstGeom>
+          <a:solidFill>
+            <a:srgbClr val="0070C0"/>
+          </a:solidFill>
+          <a:ln>
+            <a:solidFill>
+              <a:schemeClr val="tx1"/>
+            </a:solidFill>
+          </a:ln>
+        </p:spPr>
+        <p:style>
+          <a:lnRef idx="2">
+            <a:schemeClr val="accent1">
+              <a:shade val="50000"/>
+            </a:schemeClr>
+          </a:lnRef>
+          <a:fillRef idx="1">
+            <a:schemeClr val="accent1"/>
+          </a:fillRef>
+          <a:effectRef idx="0">
+            <a:schemeClr val="accent1"/>
+          </a:effectRef>
+          <a:fontRef idx="minor">
+            <a:schemeClr val="lt1"/>
+          </a:fontRef>
+        </p:style>
+        <p:txBody>
+          <a:bodyPr rtlCol="0" anchor="ctr"/>
+          <a:lstStyle/>
+          <a:p>
+            <a:pPr algn="ctr"/>
+            <a:endParaRPr lang="en-US"/>
+          </a:p>
+        </p:txBody>
+      </p:sp>
+      <p:sp>
+        <p:nvSpPr>
+          <p:cNvPr id="17" name="Oval 16"/>
+          <p:cNvSpPr/>
+          <p:nvPr/>
+        </p:nvSpPr>
+        <p:spPr>
+          <a:xfrm>
+            <a:off x="3275868" y="3255648"/>
             <a:ext cx="288032" cy="288032"/>
           </a:xfrm>
           <a:prstGeom prst="ellipse">
@@ -4724,13 +5900,105 @@
       </p:sp>
       <p:sp>
         <p:nvSpPr>
-          <p:cNvPr id="17" name="Oval 16"/>
+          <p:cNvPr id="18" name="Oval 17"/>
           <p:cNvSpPr/>
           <p:nvPr/>
         </p:nvSpPr>
         <p:spPr>
           <a:xfrm>
-            <a:off x="3275868" y="3255648"/>
+            <a:off x="3275868" y="3941240"/>
+            <a:ext cx="288032" cy="288032"/>
+          </a:xfrm>
+          <a:prstGeom prst="ellipse">
+            <a:avLst/>
+          </a:prstGeom>
+          <a:noFill/>
+          <a:ln>
+            <a:solidFill>
+              <a:schemeClr val="tx1"/>
+            </a:solidFill>
+          </a:ln>
+        </p:spPr>
+        <p:style>
+          <a:lnRef idx="2">
+            <a:schemeClr val="accent1">
+              <a:shade val="50000"/>
+            </a:schemeClr>
+          </a:lnRef>
+          <a:fillRef idx="1">
+            <a:schemeClr val="accent1"/>
+          </a:fillRef>
+          <a:effectRef idx="0">
+            <a:schemeClr val="accent1"/>
+          </a:effectRef>
+          <a:fontRef idx="minor">
+            <a:schemeClr val="lt1"/>
+          </a:fontRef>
+        </p:style>
+        <p:txBody>
+          <a:bodyPr rtlCol="0" anchor="ctr"/>
+          <a:lstStyle/>
+          <a:p>
+            <a:pPr algn="ctr"/>
+            <a:endParaRPr lang="en-US"/>
+          </a:p>
+        </p:txBody>
+      </p:sp>
+      <p:sp>
+        <p:nvSpPr>
+          <p:cNvPr id="20" name="Oval 19"/>
+          <p:cNvSpPr/>
+          <p:nvPr/>
+        </p:nvSpPr>
+        <p:spPr>
+          <a:xfrm>
+            <a:off x="4067944" y="2570056"/>
+            <a:ext cx="288032" cy="288032"/>
+          </a:xfrm>
+          <a:prstGeom prst="ellipse">
+            <a:avLst/>
+          </a:prstGeom>
+          <a:noFill/>
+          <a:ln>
+            <a:solidFill>
+              <a:schemeClr val="tx1"/>
+            </a:solidFill>
+          </a:ln>
+        </p:spPr>
+        <p:style>
+          <a:lnRef idx="2">
+            <a:schemeClr val="accent1">
+              <a:shade val="50000"/>
+            </a:schemeClr>
+          </a:lnRef>
+          <a:fillRef idx="1">
+            <a:schemeClr val="accent1"/>
+          </a:fillRef>
+          <a:effectRef idx="0">
+            <a:schemeClr val="accent1"/>
+          </a:effectRef>
+          <a:fontRef idx="minor">
+            <a:schemeClr val="lt1"/>
+          </a:fontRef>
+        </p:style>
+        <p:txBody>
+          <a:bodyPr rtlCol="0" anchor="ctr"/>
+          <a:lstStyle/>
+          <a:p>
+            <a:pPr algn="ctr"/>
+            <a:endParaRPr lang="en-US"/>
+          </a:p>
+        </p:txBody>
+      </p:sp>
+      <p:sp>
+        <p:nvSpPr>
+          <p:cNvPr id="21" name="Oval 20"/>
+          <p:cNvSpPr/>
+          <p:nvPr/>
+        </p:nvSpPr>
+        <p:spPr>
+          <a:xfrm>
+            <a:off x="4067944" y="3255648"/>
             <a:ext cx="288032" cy="288032"/>
           </a:xfrm>
           <a:prstGeom prst="ellipse">
@@ -4738,10 +6006,10 @@
           </a:prstGeom>
           <a:pattFill prst="wdDnDiag">
             <a:fgClr>
-              <a:srgbClr val="FF0000"/>
+              <a:srgbClr val="00B050"/>
             </a:fgClr>
             <a:bgClr>
-              <a:schemeClr val="accent1"/>
+              <a:srgbClr val="FF0000"/>
             </a:bgClr>
           </a:pattFill>
           <a:ln>
@@ -4777,13 +6045,13 @@
       </p:sp>
       <p:sp>
         <p:nvSpPr>
-          <p:cNvPr id="18" name="Oval 17"/>
+          <p:cNvPr id="22" name="Oval 21"/>
           <p:cNvSpPr/>
           <p:nvPr/>
         </p:nvSpPr>
         <p:spPr>
           <a:xfrm>
-            <a:off x="3275868" y="3941240"/>
+            <a:off x="4067944" y="3941240"/>
             <a:ext cx="288032" cy="288032"/>
           </a:xfrm>
           <a:prstGeom prst="ellipse">
@@ -4823,148 +6091,6 @@
       </p:sp>
       <p:sp>
         <p:nvSpPr>
-          <p:cNvPr id="20" name="Oval 19"/>
-          <p:cNvSpPr/>
-          <p:nvPr/>
-        </p:nvSpPr>
-        <p:spPr>
-          <a:xfrm>
-            <a:off x="4067944" y="2570056"/>
-            <a:ext cx="288032" cy="288032"/>
-          </a:xfrm>
-          <a:prstGeom prst="ellipse">
-            <a:avLst/>
-          </a:prstGeom>
-          <a:solidFill>
-            <a:srgbClr val="FF0000"/>
-          </a:solidFill>
-          <a:ln>
-            <a:solidFill>
-              <a:schemeClr val="tx1"/>
-            </a:solidFill>
-          </a:ln>
-        </p:spPr>
-        <p:style>
-          <a:lnRef idx="2">
-            <a:schemeClr val="accent1">
-              <a:shade val="50000"/>
-            </a:schemeClr>
-          </a:lnRef>
-          <a:fillRef idx="1">
-            <a:schemeClr val="accent1"/>
-          </a:fillRef>
-          <a:effectRef idx="0">
-            <a:schemeClr val="accent1"/>
-          </a:effectRef>
-          <a:fontRef idx="minor">
-            <a:schemeClr val="lt1"/>
-          </a:fontRef>
-        </p:style>
-        <p:txBody>
-          <a:bodyPr rtlCol="0" anchor="ctr"/>
-          <a:lstStyle/>
-          <a:p>
-            <a:pPr algn="ctr"/>
-            <a:endParaRPr lang="en-US"/>
-          </a:p>
-        </p:txBody>
-      </p:sp>
-      <p:sp>
-        <p:nvSpPr>
-          <p:cNvPr id="21" name="Oval 20"/>
-          <p:cNvSpPr/>
-          <p:nvPr/>
-        </p:nvSpPr>
-        <p:spPr>
-          <a:xfrm>
-            <a:off x="4067944" y="3255648"/>
-            <a:ext cx="288032" cy="288032"/>
-          </a:xfrm>
-          <a:prstGeom prst="ellipse">
-            <a:avLst/>
-          </a:prstGeom>
-          <a:solidFill>
-            <a:srgbClr val="00B050"/>
-          </a:solidFill>
-          <a:ln>
-            <a:solidFill>
-              <a:schemeClr val="tx1"/>
-            </a:solidFill>
-          </a:ln>
-        </p:spPr>
-        <p:style>
-          <a:lnRef idx="2">
-            <a:schemeClr val="accent1">
-              <a:shade val="50000"/>
-            </a:schemeClr>
-          </a:lnRef>
-          <a:fillRef idx="1">
-            <a:schemeClr val="accent1"/>
-          </a:fillRef>
-          <a:effectRef idx="0">
-            <a:schemeClr val="accent1"/>
-          </a:effectRef>
-          <a:fontRef idx="minor">
-            <a:schemeClr val="lt1"/>
-          </a:fontRef>
-        </p:style>
-        <p:txBody>
-          <a:bodyPr rtlCol="0" anchor="ctr"/>
-          <a:lstStyle/>
-          <a:p>
-            <a:pPr algn="ctr"/>
-            <a:endParaRPr lang="en-US"/>
-          </a:p>
-        </p:txBody>
-      </p:sp>
-      <p:sp>
-        <p:nvSpPr>
-          <p:cNvPr id="22" name="Oval 21"/>
-          <p:cNvSpPr/>
-          <p:nvPr/>
-        </p:nvSpPr>
-        <p:spPr>
-          <a:xfrm>
-            <a:off x="4067944" y="3941240"/>
-            <a:ext cx="288032" cy="288032"/>
-          </a:xfrm>
-          <a:prstGeom prst="ellipse">
-            <a:avLst/>
-          </a:prstGeom>
-          <a:noFill/>
-          <a:ln>
-            <a:solidFill>
-              <a:schemeClr val="tx1"/>
-            </a:solidFill>
-          </a:ln>
-        </p:spPr>
-        <p:style>
-          <a:lnRef idx="2">
-            <a:schemeClr val="accent1">
-              <a:shade val="50000"/>
-            </a:schemeClr>
-          </a:lnRef>
-          <a:fillRef idx="1">
-            <a:schemeClr val="accent1"/>
-          </a:fillRef>
-          <a:effectRef idx="0">
-            <a:schemeClr val="accent1"/>
-          </a:effectRef>
-          <a:fontRef idx="minor">
-            <a:schemeClr val="lt1"/>
-          </a:fontRef>
-        </p:style>
-        <p:txBody>
-          <a:bodyPr rtlCol="0" anchor="ctr"/>
-          <a:lstStyle/>
-          <a:p>
-            <a:pPr algn="ctr"/>
-            <a:endParaRPr lang="en-US"/>
-          </a:p>
-        </p:txBody>
-      </p:sp>
-      <p:sp>
-        <p:nvSpPr>
           <p:cNvPr id="23" name="TextBox 22"/>
           <p:cNvSpPr txBox="1"/>
           <p:nvPr/>
@@ -4986,10 +6112,9 @@
           <a:lstStyle/>
           <a:p>
             <a:r>
-              <a:rPr lang="en-US" dirty="0" smtClean="0"/>
+              <a:rPr lang="en-US" dirty="0"/>
               <a:t>m-1</a:t>
             </a:r>
-            <a:endParaRPr lang="en-US" dirty="0"/>
           </a:p>
         </p:txBody>
       </p:sp>
@@ -5016,10 +6141,9 @@
           <a:lstStyle/>
           <a:p>
             <a:r>
-              <a:rPr lang="en-US" dirty="0" smtClean="0"/>
+              <a:rPr lang="en-US" dirty="0"/>
               <a:t>m</a:t>
             </a:r>
-            <a:endParaRPr lang="en-US" dirty="0"/>
           </a:p>
         </p:txBody>
       </p:sp>
@@ -5046,10 +6170,9 @@
           <a:lstStyle/>
           <a:p>
             <a:r>
-              <a:rPr lang="en-US" dirty="0" smtClean="0"/>
+              <a:rPr lang="en-US" dirty="0"/>
               <a:t>m+1</a:t>
             </a:r>
-            <a:endParaRPr lang="en-US" dirty="0"/>
           </a:p>
         </p:txBody>
       </p:sp>
@@ -5076,10 +6199,9 @@
           <a:lstStyle/>
           <a:p>
             <a:r>
-              <a:rPr lang="en-US" dirty="0" smtClean="0"/>
+              <a:rPr lang="en-US" dirty="0"/>
               <a:t>n - 1</a:t>
             </a:r>
-            <a:endParaRPr lang="en-US" dirty="0"/>
           </a:p>
         </p:txBody>
       </p:sp>
@@ -5106,10 +6228,9 @@
           <a:lstStyle/>
           <a:p>
             <a:r>
-              <a:rPr lang="en-US" dirty="0" smtClean="0"/>
+              <a:rPr lang="en-US" dirty="0"/>
               <a:t>n</a:t>
             </a:r>
-            <a:endParaRPr lang="en-US" dirty="0"/>
           </a:p>
         </p:txBody>
       </p:sp>
@@ -5136,23 +6257,22 @@
           <a:lstStyle/>
           <a:p>
             <a:r>
-              <a:rPr lang="en-US" dirty="0" smtClean="0"/>
+              <a:rPr lang="en-US" dirty="0"/>
               <a:t>n + 1</a:t>
             </a:r>
-            <a:endParaRPr lang="en-US" dirty="0"/>
-          </a:p>
-        </p:txBody>
-      </p:sp>
-      <p:sp>
-        <p:nvSpPr>
-          <p:cNvPr id="2" name="TextBox 1"/>
+          </a:p>
+        </p:txBody>
+      </p:sp>
+      <p:sp>
+        <p:nvSpPr>
+          <p:cNvPr id="29" name="TextBox 28"/>
           <p:cNvSpPr txBox="1"/>
           <p:nvPr/>
         </p:nvSpPr>
         <p:spPr>
           <a:xfrm>
-            <a:off x="2365133" y="692696"/>
-            <a:ext cx="4104432" cy="1569660"/>
+            <a:off x="2483792" y="764704"/>
+            <a:ext cx="3586879" cy="1569660"/>
           </a:xfrm>
           <a:prstGeom prst="rect">
             <a:avLst/>
@@ -5166,29 +6286,28 @@
           <a:lstStyle/>
           <a:p>
             <a:r>
-              <a:rPr lang="en-US" sz="3200" dirty="0" smtClean="0"/>
+              <a:rPr lang="en-US" sz="3200" dirty="0"/>
               <a:t>time – BDW FO</a:t>
             </a:r>
           </a:p>
           <a:p>
             <a:r>
-              <a:rPr lang="en-US" sz="3200" dirty="0" smtClean="0"/>
-              <a:t>SO – IMPLICIT</a:t>
-            </a:r>
-          </a:p>
-          <a:p>
-            <a:r>
-              <a:rPr lang="en-US" sz="3200" dirty="0" smtClean="0"/>
+              <a:rPr lang="en-US" sz="3200" dirty="0"/>
+              <a:t>SO – EXPLICIT</a:t>
+            </a:r>
+          </a:p>
+          <a:p>
+            <a:r>
+              <a:rPr lang="en-US" sz="3200" dirty="0"/>
               <a:t>NL – EXPLICIT SO</a:t>
             </a:r>
-            <a:endParaRPr lang="en-US" sz="3200" dirty="0"/>
           </a:p>
         </p:txBody>
       </p:sp>
     </p:spTree>
     <p:extLst>
       <p:ext uri="{BB962C8B-B14F-4D97-AF65-F5344CB8AC3E}">
-        <p14:creationId xmlns:p14="http://schemas.microsoft.com/office/powerpoint/2010/main" val="519592486"/>
+        <p14:creationId xmlns:p14="http://schemas.microsoft.com/office/powerpoint/2010/main" val="2034181841"/>
       </p:ext>
     </p:extLst>
   </p:cSld>
@@ -5229,14 +6348,9 @@
           <a:prstGeom prst="ellipse">
             <a:avLst/>
           </a:prstGeom>
-          <a:pattFill prst="wdDnDiag">
-            <a:fgClr>
-              <a:srgbClr val="FF0000"/>
-            </a:fgClr>
-            <a:bgClr>
-              <a:srgbClr val="00B050"/>
-            </a:bgClr>
-          </a:pattFill>
+          <a:solidFill>
+            <a:srgbClr val="FF0000"/>
+          </a:solidFill>
           <a:ln>
             <a:solidFill>
               <a:schemeClr val="tx1"/>
@@ -5282,7 +6396,9 @@
           <a:prstGeom prst="ellipse">
             <a:avLst/>
           </a:prstGeom>
-          <a:noFill/>
+          <a:solidFill>
+            <a:srgbClr val="00B050"/>
+          </a:solidFill>
           <a:ln>
             <a:solidFill>
               <a:schemeClr val="tx1"/>
@@ -5526,14 +6642,9 @@
           <a:prstGeom prst="ellipse">
             <a:avLst/>
           </a:prstGeom>
-          <a:pattFill prst="wdDnDiag">
-            <a:fgClr>
-              <a:srgbClr val="FF0000"/>
-            </a:fgClr>
-            <a:bgClr>
-              <a:srgbClr val="00B050"/>
-            </a:bgClr>
-          </a:pattFill>
+          <a:solidFill>
+            <a:srgbClr val="FF0000"/>
+          </a:solidFill>
           <a:ln>
             <a:solidFill>
               <a:schemeClr val="tx1"/>
@@ -5579,7 +6690,9 @@
           <a:prstGeom prst="ellipse">
             <a:avLst/>
           </a:prstGeom>
-          <a:noFill/>
+          <a:solidFill>
+            <a:srgbClr val="00B050"/>
+          </a:solidFill>
           <a:ln>
             <a:solidFill>
               <a:schemeClr val="tx1"/>
@@ -5680,10 +6793,9 @@
           <a:lstStyle/>
           <a:p>
             <a:r>
-              <a:rPr lang="en-US" dirty="0" smtClean="0"/>
+              <a:rPr lang="en-US" dirty="0"/>
               <a:t>m-1</a:t>
             </a:r>
-            <a:endParaRPr lang="en-US" dirty="0"/>
           </a:p>
         </p:txBody>
       </p:sp>
@@ -5710,10 +6822,9 @@
           <a:lstStyle/>
           <a:p>
             <a:r>
-              <a:rPr lang="en-US" dirty="0" smtClean="0"/>
+              <a:rPr lang="en-US" dirty="0"/>
               <a:t>m</a:t>
             </a:r>
-            <a:endParaRPr lang="en-US" dirty="0"/>
           </a:p>
         </p:txBody>
       </p:sp>
@@ -5740,10 +6851,9 @@
           <a:lstStyle/>
           <a:p>
             <a:r>
-              <a:rPr lang="en-US" dirty="0" smtClean="0"/>
+              <a:rPr lang="en-US" dirty="0"/>
               <a:t>m+1</a:t>
             </a:r>
-            <a:endParaRPr lang="en-US" dirty="0"/>
           </a:p>
         </p:txBody>
       </p:sp>
@@ -5770,10 +6880,9 @@
           <a:lstStyle/>
           <a:p>
             <a:r>
-              <a:rPr lang="en-US" dirty="0" smtClean="0"/>
+              <a:rPr lang="en-US" dirty="0"/>
               <a:t>n - 1</a:t>
             </a:r>
-            <a:endParaRPr lang="en-US" dirty="0"/>
           </a:p>
         </p:txBody>
       </p:sp>
@@ -5800,10 +6909,9 @@
           <a:lstStyle/>
           <a:p>
             <a:r>
-              <a:rPr lang="en-US" dirty="0" smtClean="0"/>
+              <a:rPr lang="en-US" dirty="0"/>
               <a:t>n</a:t>
             </a:r>
-            <a:endParaRPr lang="en-US" dirty="0"/>
           </a:p>
         </p:txBody>
       </p:sp>
@@ -5830,10 +6938,9 @@
           <a:lstStyle/>
           <a:p>
             <a:r>
-              <a:rPr lang="en-US" dirty="0" smtClean="0"/>
+              <a:rPr lang="en-US" dirty="0"/>
               <a:t>n + 1</a:t>
             </a:r>
-            <a:endParaRPr lang="en-US" dirty="0"/>
           </a:p>
         </p:txBody>
       </p:sp>
@@ -5860,33 +6967,28 @@
           <a:lstStyle/>
           <a:p>
             <a:r>
-              <a:rPr lang="en-US" sz="3200" dirty="0" smtClean="0"/>
+              <a:rPr lang="en-US" sz="3200" dirty="0"/>
               <a:t>time – BDW FO</a:t>
             </a:r>
           </a:p>
           <a:p>
             <a:r>
-              <a:rPr lang="en-US" sz="3200" dirty="0" smtClean="0"/>
+              <a:rPr lang="en-US" sz="3200" dirty="0"/>
               <a:t>SO – IMPLICIT</a:t>
             </a:r>
           </a:p>
           <a:p>
             <a:r>
-              <a:rPr lang="en-US" sz="3200" dirty="0" smtClean="0"/>
-              <a:t>NL – </a:t>
-            </a:r>
-            <a:r>
-              <a:rPr lang="en-US" sz="3200" dirty="0" smtClean="0"/>
-              <a:t>IMPLICIT SO</a:t>
-            </a:r>
-            <a:endParaRPr lang="en-US" sz="3200" dirty="0"/>
+              <a:rPr lang="en-US" sz="3200" dirty="0"/>
+              <a:t>NL – EXPLICIT SO</a:t>
+            </a:r>
           </a:p>
         </p:txBody>
       </p:sp>
     </p:spTree>
     <p:extLst>
       <p:ext uri="{BB962C8B-B14F-4D97-AF65-F5344CB8AC3E}">
-        <p14:creationId xmlns:p14="http://schemas.microsoft.com/office/powerpoint/2010/main" val="1201497143"/>
+        <p14:creationId xmlns:p14="http://schemas.microsoft.com/office/powerpoint/2010/main" val="519592486"/>
       </p:ext>
     </p:extLst>
   </p:cSld>
@@ -5927,54 +7029,6 @@
           <a:prstGeom prst="ellipse">
             <a:avLst/>
           </a:prstGeom>
-          <a:solidFill>
-            <a:srgbClr val="FF0000"/>
-          </a:solidFill>
-          <a:ln>
-            <a:solidFill>
-              <a:schemeClr val="tx1"/>
-            </a:solidFill>
-          </a:ln>
-        </p:spPr>
-        <p:style>
-          <a:lnRef idx="2">
-            <a:schemeClr val="accent1">
-              <a:shade val="50000"/>
-            </a:schemeClr>
-          </a:lnRef>
-          <a:fillRef idx="1">
-            <a:schemeClr val="accent1"/>
-          </a:fillRef>
-          <a:effectRef idx="0">
-            <a:schemeClr val="accent1"/>
-          </a:effectRef>
-          <a:fontRef idx="minor">
-            <a:schemeClr val="lt1"/>
-          </a:fontRef>
-        </p:style>
-        <p:txBody>
-          <a:bodyPr rtlCol="0" anchor="ctr"/>
-          <a:lstStyle/>
-          <a:p>
-            <a:pPr algn="ctr"/>
-            <a:endParaRPr lang="en-US"/>
-          </a:p>
-        </p:txBody>
-      </p:sp>
-      <p:sp>
-        <p:nvSpPr>
-          <p:cNvPr id="7" name="Oval 6"/>
-          <p:cNvSpPr/>
-          <p:nvPr/>
-        </p:nvSpPr>
-        <p:spPr>
-          <a:xfrm>
-            <a:off x="2483792" y="3255648"/>
-            <a:ext cx="288032" cy="288032"/>
-          </a:xfrm>
-          <a:prstGeom prst="ellipse">
-            <a:avLst/>
-          </a:prstGeom>
           <a:pattFill prst="wdDnDiag">
             <a:fgClr>
               <a:srgbClr val="FF0000"/>
@@ -6016,6 +7070,52 @@
       </p:sp>
       <p:sp>
         <p:nvSpPr>
+          <p:cNvPr id="7" name="Oval 6"/>
+          <p:cNvSpPr/>
+          <p:nvPr/>
+        </p:nvSpPr>
+        <p:spPr>
+          <a:xfrm>
+            <a:off x="2483792" y="3255648"/>
+            <a:ext cx="288032" cy="288032"/>
+          </a:xfrm>
+          <a:prstGeom prst="ellipse">
+            <a:avLst/>
+          </a:prstGeom>
+          <a:noFill/>
+          <a:ln>
+            <a:solidFill>
+              <a:schemeClr val="tx1"/>
+            </a:solidFill>
+          </a:ln>
+        </p:spPr>
+        <p:style>
+          <a:lnRef idx="2">
+            <a:schemeClr val="accent1">
+              <a:shade val="50000"/>
+            </a:schemeClr>
+          </a:lnRef>
+          <a:fillRef idx="1">
+            <a:schemeClr val="accent1"/>
+          </a:fillRef>
+          <a:effectRef idx="0">
+            <a:schemeClr val="accent1"/>
+          </a:effectRef>
+          <a:fontRef idx="minor">
+            <a:schemeClr val="lt1"/>
+          </a:fontRef>
+        </p:style>
+        <p:txBody>
+          <a:bodyPr rtlCol="0" anchor="ctr"/>
+          <a:lstStyle/>
+          <a:p>
+            <a:pPr algn="ctr"/>
+            <a:endParaRPr lang="en-US"/>
+          </a:p>
+        </p:txBody>
+      </p:sp>
+      <p:sp>
+        <p:nvSpPr>
           <p:cNvPr id="10" name="Oval 9"/>
           <p:cNvSpPr/>
           <p:nvPr/>
@@ -6226,54 +7326,6 @@
           <a:prstGeom prst="ellipse">
             <a:avLst/>
           </a:prstGeom>
-          <a:solidFill>
-            <a:srgbClr val="FF0000"/>
-          </a:solidFill>
-          <a:ln>
-            <a:solidFill>
-              <a:schemeClr val="tx1"/>
-            </a:solidFill>
-          </a:ln>
-        </p:spPr>
-        <p:style>
-          <a:lnRef idx="2">
-            <a:schemeClr val="accent1">
-              <a:shade val="50000"/>
-            </a:schemeClr>
-          </a:lnRef>
-          <a:fillRef idx="1">
-            <a:schemeClr val="accent1"/>
-          </a:fillRef>
-          <a:effectRef idx="0">
-            <a:schemeClr val="accent1"/>
-          </a:effectRef>
-          <a:fontRef idx="minor">
-            <a:schemeClr val="lt1"/>
-          </a:fontRef>
-        </p:style>
-        <p:txBody>
-          <a:bodyPr rtlCol="0" anchor="ctr"/>
-          <a:lstStyle/>
-          <a:p>
-            <a:pPr algn="ctr"/>
-            <a:endParaRPr lang="en-US"/>
-          </a:p>
-        </p:txBody>
-      </p:sp>
-      <p:sp>
-        <p:nvSpPr>
-          <p:cNvPr id="21" name="Oval 20"/>
-          <p:cNvSpPr/>
-          <p:nvPr/>
-        </p:nvSpPr>
-        <p:spPr>
-          <a:xfrm>
-            <a:off x="4067944" y="3255648"/>
-            <a:ext cx="288032" cy="288032"/>
-          </a:xfrm>
-          <a:prstGeom prst="ellipse">
-            <a:avLst/>
-          </a:prstGeom>
           <a:pattFill prst="wdDnDiag">
             <a:fgClr>
               <a:srgbClr val="FF0000"/>
@@ -6315,13 +7367,13 @@
       </p:sp>
       <p:sp>
         <p:nvSpPr>
-          <p:cNvPr id="22" name="Oval 21"/>
+          <p:cNvPr id="21" name="Oval 20"/>
           <p:cNvSpPr/>
           <p:nvPr/>
         </p:nvSpPr>
         <p:spPr>
           <a:xfrm>
-            <a:off x="4067944" y="3941240"/>
+            <a:off x="4067944" y="3255648"/>
             <a:ext cx="288032" cy="288032"/>
           </a:xfrm>
           <a:prstGeom prst="ellipse">
@@ -6361,6 +7413,52 @@
       </p:sp>
       <p:sp>
         <p:nvSpPr>
+          <p:cNvPr id="22" name="Oval 21"/>
+          <p:cNvSpPr/>
+          <p:nvPr/>
+        </p:nvSpPr>
+        <p:spPr>
+          <a:xfrm>
+            <a:off x="4067944" y="3941240"/>
+            <a:ext cx="288032" cy="288032"/>
+          </a:xfrm>
+          <a:prstGeom prst="ellipse">
+            <a:avLst/>
+          </a:prstGeom>
+          <a:noFill/>
+          <a:ln>
+            <a:solidFill>
+              <a:schemeClr val="tx1"/>
+            </a:solidFill>
+          </a:ln>
+        </p:spPr>
+        <p:style>
+          <a:lnRef idx="2">
+            <a:schemeClr val="accent1">
+              <a:shade val="50000"/>
+            </a:schemeClr>
+          </a:lnRef>
+          <a:fillRef idx="1">
+            <a:schemeClr val="accent1"/>
+          </a:fillRef>
+          <a:effectRef idx="0">
+            <a:schemeClr val="accent1"/>
+          </a:effectRef>
+          <a:fontRef idx="minor">
+            <a:schemeClr val="lt1"/>
+          </a:fontRef>
+        </p:style>
+        <p:txBody>
+          <a:bodyPr rtlCol="0" anchor="ctr"/>
+          <a:lstStyle/>
+          <a:p>
+            <a:pPr algn="ctr"/>
+            <a:endParaRPr lang="en-US"/>
+          </a:p>
+        </p:txBody>
+      </p:sp>
+      <p:sp>
+        <p:nvSpPr>
           <p:cNvPr id="23" name="TextBox 22"/>
           <p:cNvSpPr txBox="1"/>
           <p:nvPr/>
@@ -6382,10 +7480,9 @@
           <a:lstStyle/>
           <a:p>
             <a:r>
-              <a:rPr lang="en-US" dirty="0" smtClean="0"/>
+              <a:rPr lang="en-US" dirty="0"/>
               <a:t>m-1</a:t>
             </a:r>
-            <a:endParaRPr lang="en-US" dirty="0"/>
           </a:p>
         </p:txBody>
       </p:sp>
@@ -6412,10 +7509,9 @@
           <a:lstStyle/>
           <a:p>
             <a:r>
-              <a:rPr lang="en-US" dirty="0" smtClean="0"/>
+              <a:rPr lang="en-US" dirty="0"/>
               <a:t>m</a:t>
             </a:r>
-            <a:endParaRPr lang="en-US" dirty="0"/>
           </a:p>
         </p:txBody>
       </p:sp>
@@ -6442,10 +7538,9 @@
           <a:lstStyle/>
           <a:p>
             <a:r>
-              <a:rPr lang="en-US" dirty="0" smtClean="0"/>
+              <a:rPr lang="en-US" dirty="0"/>
               <a:t>m+1</a:t>
             </a:r>
-            <a:endParaRPr lang="en-US" dirty="0"/>
           </a:p>
         </p:txBody>
       </p:sp>
@@ -6472,10 +7567,9 @@
           <a:lstStyle/>
           <a:p>
             <a:r>
-              <a:rPr lang="en-US" dirty="0" smtClean="0"/>
+              <a:rPr lang="en-US" dirty="0"/>
               <a:t>n - 1</a:t>
             </a:r>
-            <a:endParaRPr lang="en-US" dirty="0"/>
           </a:p>
         </p:txBody>
       </p:sp>
@@ -6502,10 +7596,9 @@
           <a:lstStyle/>
           <a:p>
             <a:r>
-              <a:rPr lang="en-US" dirty="0" smtClean="0"/>
+              <a:rPr lang="en-US" dirty="0"/>
               <a:t>n</a:t>
             </a:r>
-            <a:endParaRPr lang="en-US" dirty="0"/>
           </a:p>
         </p:txBody>
       </p:sp>
@@ -6532,10 +7625,9 @@
           <a:lstStyle/>
           <a:p>
             <a:r>
-              <a:rPr lang="en-US" dirty="0" smtClean="0"/>
+              <a:rPr lang="en-US" dirty="0"/>
               <a:t>n + 1</a:t>
             </a:r>
-            <a:endParaRPr lang="en-US" dirty="0"/>
           </a:p>
         </p:txBody>
       </p:sp>
@@ -6562,29 +7654,28 @@
           <a:lstStyle/>
           <a:p>
             <a:r>
-              <a:rPr lang="en-US" sz="3200" dirty="0" smtClean="0"/>
+              <a:rPr lang="en-US" sz="3200" dirty="0"/>
               <a:t>time – BDW FO</a:t>
             </a:r>
           </a:p>
           <a:p>
             <a:r>
-              <a:rPr lang="en-US" sz="3200" dirty="0" smtClean="0"/>
-              <a:t>SO – CLARK-NICOLSON</a:t>
-            </a:r>
-          </a:p>
-          <a:p>
-            <a:r>
-              <a:rPr lang="en-US" sz="3200" dirty="0" smtClean="0"/>
-              <a:t>NL – EXPLICIT SO</a:t>
-            </a:r>
-            <a:endParaRPr lang="en-US" sz="3200" dirty="0"/>
+              <a:rPr lang="en-US" sz="3200" dirty="0"/>
+              <a:t>SO – IMPLICIT</a:t>
+            </a:r>
+          </a:p>
+          <a:p>
+            <a:r>
+              <a:rPr lang="en-US" sz="3200" dirty="0"/>
+              <a:t>NL – IMPLICIT SO</a:t>
+            </a:r>
           </a:p>
         </p:txBody>
       </p:sp>
     </p:spTree>
     <p:extLst>
       <p:ext uri="{BB962C8B-B14F-4D97-AF65-F5344CB8AC3E}">
-        <p14:creationId xmlns:p14="http://schemas.microsoft.com/office/powerpoint/2010/main" val="2373186575"/>
+        <p14:creationId xmlns:p14="http://schemas.microsoft.com/office/powerpoint/2010/main" val="1201497143"/>
       </p:ext>
     </p:extLst>
   </p:cSld>
@@ -6625,6 +7716,54 @@
           <a:prstGeom prst="ellipse">
             <a:avLst/>
           </a:prstGeom>
+          <a:solidFill>
+            <a:srgbClr val="FF0000"/>
+          </a:solidFill>
+          <a:ln>
+            <a:solidFill>
+              <a:schemeClr val="tx1"/>
+            </a:solidFill>
+          </a:ln>
+        </p:spPr>
+        <p:style>
+          <a:lnRef idx="2">
+            <a:schemeClr val="accent1">
+              <a:shade val="50000"/>
+            </a:schemeClr>
+          </a:lnRef>
+          <a:fillRef idx="1">
+            <a:schemeClr val="accent1"/>
+          </a:fillRef>
+          <a:effectRef idx="0">
+            <a:schemeClr val="accent1"/>
+          </a:effectRef>
+          <a:fontRef idx="minor">
+            <a:schemeClr val="lt1"/>
+          </a:fontRef>
+        </p:style>
+        <p:txBody>
+          <a:bodyPr rtlCol="0" anchor="ctr"/>
+          <a:lstStyle/>
+          <a:p>
+            <a:pPr algn="ctr"/>
+            <a:endParaRPr lang="en-US"/>
+          </a:p>
+        </p:txBody>
+      </p:sp>
+      <p:sp>
+        <p:nvSpPr>
+          <p:cNvPr id="7" name="Oval 6"/>
+          <p:cNvSpPr/>
+          <p:nvPr/>
+        </p:nvSpPr>
+        <p:spPr>
+          <a:xfrm>
+            <a:off x="2483792" y="3255648"/>
+            <a:ext cx="288032" cy="288032"/>
+          </a:xfrm>
+          <a:prstGeom prst="ellipse">
+            <a:avLst/>
+          </a:prstGeom>
           <a:pattFill prst="wdDnDiag">
             <a:fgClr>
               <a:srgbClr val="FF0000"/>
@@ -6666,54 +7805,6 @@
       </p:sp>
       <p:sp>
         <p:nvSpPr>
-          <p:cNvPr id="7" name="Oval 6"/>
-          <p:cNvSpPr/>
-          <p:nvPr/>
-        </p:nvSpPr>
-        <p:spPr>
-          <a:xfrm>
-            <a:off x="2483792" y="3255648"/>
-            <a:ext cx="288032" cy="288032"/>
-          </a:xfrm>
-          <a:prstGeom prst="ellipse">
-            <a:avLst/>
-          </a:prstGeom>
-          <a:solidFill>
-            <a:srgbClr val="FF0000"/>
-          </a:solidFill>
-          <a:ln>
-            <a:solidFill>
-              <a:schemeClr val="tx1"/>
-            </a:solidFill>
-          </a:ln>
-        </p:spPr>
-        <p:style>
-          <a:lnRef idx="2">
-            <a:schemeClr val="accent1">
-              <a:shade val="50000"/>
-            </a:schemeClr>
-          </a:lnRef>
-          <a:fillRef idx="1">
-            <a:schemeClr val="accent1"/>
-          </a:fillRef>
-          <a:effectRef idx="0">
-            <a:schemeClr val="accent1"/>
-          </a:effectRef>
-          <a:fontRef idx="minor">
-            <a:schemeClr val="lt1"/>
-          </a:fontRef>
-        </p:style>
-        <p:txBody>
-          <a:bodyPr rtlCol="0" anchor="ctr"/>
-          <a:lstStyle/>
-          <a:p>
-            <a:pPr algn="ctr"/>
-            <a:endParaRPr lang="en-US"/>
-          </a:p>
-        </p:txBody>
-      </p:sp>
-      <p:sp>
-        <p:nvSpPr>
           <p:cNvPr id="10" name="Oval 9"/>
           <p:cNvSpPr/>
           <p:nvPr/>
@@ -6924,6 +8015,54 @@
           <a:prstGeom prst="ellipse">
             <a:avLst/>
           </a:prstGeom>
+          <a:solidFill>
+            <a:srgbClr val="FF0000"/>
+          </a:solidFill>
+          <a:ln>
+            <a:solidFill>
+              <a:schemeClr val="tx1"/>
+            </a:solidFill>
+          </a:ln>
+        </p:spPr>
+        <p:style>
+          <a:lnRef idx="2">
+            <a:schemeClr val="accent1">
+              <a:shade val="50000"/>
+            </a:schemeClr>
+          </a:lnRef>
+          <a:fillRef idx="1">
+            <a:schemeClr val="accent1"/>
+          </a:fillRef>
+          <a:effectRef idx="0">
+            <a:schemeClr val="accent1"/>
+          </a:effectRef>
+          <a:fontRef idx="minor">
+            <a:schemeClr val="lt1"/>
+          </a:fontRef>
+        </p:style>
+        <p:txBody>
+          <a:bodyPr rtlCol="0" anchor="ctr"/>
+          <a:lstStyle/>
+          <a:p>
+            <a:pPr algn="ctr"/>
+            <a:endParaRPr lang="en-US"/>
+          </a:p>
+        </p:txBody>
+      </p:sp>
+      <p:sp>
+        <p:nvSpPr>
+          <p:cNvPr id="21" name="Oval 20"/>
+          <p:cNvSpPr/>
+          <p:nvPr/>
+        </p:nvSpPr>
+        <p:spPr>
+          <a:xfrm>
+            <a:off x="4067944" y="3255648"/>
+            <a:ext cx="288032" cy="288032"/>
+          </a:xfrm>
+          <a:prstGeom prst="ellipse">
+            <a:avLst/>
+          </a:prstGeom>
           <a:pattFill prst="wdDnDiag">
             <a:fgClr>
               <a:srgbClr val="FF0000"/>
@@ -6965,13 +8104,304 @@
       </p:sp>
       <p:sp>
         <p:nvSpPr>
-          <p:cNvPr id="21" name="Oval 20"/>
+          <p:cNvPr id="22" name="Oval 21"/>
           <p:cNvSpPr/>
           <p:nvPr/>
         </p:nvSpPr>
         <p:spPr>
           <a:xfrm>
-            <a:off x="4067944" y="3255648"/>
+            <a:off x="4067944" y="3941240"/>
+            <a:ext cx="288032" cy="288032"/>
+          </a:xfrm>
+          <a:prstGeom prst="ellipse">
+            <a:avLst/>
+          </a:prstGeom>
+          <a:noFill/>
+          <a:ln>
+            <a:solidFill>
+              <a:schemeClr val="tx1"/>
+            </a:solidFill>
+          </a:ln>
+        </p:spPr>
+        <p:style>
+          <a:lnRef idx="2">
+            <a:schemeClr val="accent1">
+              <a:shade val="50000"/>
+            </a:schemeClr>
+          </a:lnRef>
+          <a:fillRef idx="1">
+            <a:schemeClr val="accent1"/>
+          </a:fillRef>
+          <a:effectRef idx="0">
+            <a:schemeClr val="accent1"/>
+          </a:effectRef>
+          <a:fontRef idx="minor">
+            <a:schemeClr val="lt1"/>
+          </a:fontRef>
+        </p:style>
+        <p:txBody>
+          <a:bodyPr rtlCol="0" anchor="ctr"/>
+          <a:lstStyle/>
+          <a:p>
+            <a:pPr algn="ctr"/>
+            <a:endParaRPr lang="en-US"/>
+          </a:p>
+        </p:txBody>
+      </p:sp>
+      <p:sp>
+        <p:nvSpPr>
+          <p:cNvPr id="23" name="TextBox 22"/>
+          <p:cNvSpPr txBox="1"/>
+          <p:nvPr/>
+        </p:nvSpPr>
+        <p:spPr>
+          <a:xfrm>
+            <a:off x="1763688" y="3941240"/>
+            <a:ext cx="569387" cy="369332"/>
+          </a:xfrm>
+          <a:prstGeom prst="rect">
+            <a:avLst/>
+          </a:prstGeom>
+          <a:noFill/>
+        </p:spPr>
+        <p:txBody>
+          <a:bodyPr wrap="none" rtlCol="0">
+            <a:spAutoFit/>
+          </a:bodyPr>
+          <a:lstStyle/>
+          <a:p>
+            <a:r>
+              <a:rPr lang="en-US" dirty="0"/>
+              <a:t>m-1</a:t>
+            </a:r>
+          </a:p>
+        </p:txBody>
+      </p:sp>
+      <p:sp>
+        <p:nvSpPr>
+          <p:cNvPr id="24" name="TextBox 23"/>
+          <p:cNvSpPr txBox="1"/>
+          <p:nvPr/>
+        </p:nvSpPr>
+        <p:spPr>
+          <a:xfrm>
+            <a:off x="1763687" y="3214998"/>
+            <a:ext cx="369012" cy="369332"/>
+          </a:xfrm>
+          <a:prstGeom prst="rect">
+            <a:avLst/>
+          </a:prstGeom>
+          <a:noFill/>
+        </p:spPr>
+        <p:txBody>
+          <a:bodyPr wrap="none" rtlCol="0">
+            <a:spAutoFit/>
+          </a:bodyPr>
+          <a:lstStyle/>
+          <a:p>
+            <a:r>
+              <a:rPr lang="en-US" dirty="0"/>
+              <a:t>m</a:t>
+            </a:r>
+          </a:p>
+        </p:txBody>
+      </p:sp>
+      <p:sp>
+        <p:nvSpPr>
+          <p:cNvPr id="25" name="TextBox 24"/>
+          <p:cNvSpPr txBox="1"/>
+          <p:nvPr/>
+        </p:nvSpPr>
+        <p:spPr>
+          <a:xfrm>
+            <a:off x="1763686" y="2529406"/>
+            <a:ext cx="601447" cy="369332"/>
+          </a:xfrm>
+          <a:prstGeom prst="rect">
+            <a:avLst/>
+          </a:prstGeom>
+          <a:noFill/>
+        </p:spPr>
+        <p:txBody>
+          <a:bodyPr wrap="none" rtlCol="0">
+            <a:spAutoFit/>
+          </a:bodyPr>
+          <a:lstStyle/>
+          <a:p>
+            <a:r>
+              <a:rPr lang="en-US" dirty="0"/>
+              <a:t>m+1</a:t>
+            </a:r>
+          </a:p>
+        </p:txBody>
+      </p:sp>
+      <p:sp>
+        <p:nvSpPr>
+          <p:cNvPr id="26" name="TextBox 25"/>
+          <p:cNvSpPr txBox="1"/>
+          <p:nvPr/>
+        </p:nvSpPr>
+        <p:spPr>
+          <a:xfrm>
+            <a:off x="2365133" y="4335046"/>
+            <a:ext cx="599844" cy="369332"/>
+          </a:xfrm>
+          <a:prstGeom prst="rect">
+            <a:avLst/>
+          </a:prstGeom>
+          <a:noFill/>
+        </p:spPr>
+        <p:txBody>
+          <a:bodyPr wrap="none" rtlCol="0">
+            <a:spAutoFit/>
+          </a:bodyPr>
+          <a:lstStyle/>
+          <a:p>
+            <a:r>
+              <a:rPr lang="en-US" dirty="0"/>
+              <a:t>n - 1</a:t>
+            </a:r>
+          </a:p>
+        </p:txBody>
+      </p:sp>
+      <p:sp>
+        <p:nvSpPr>
+          <p:cNvPr id="27" name="TextBox 26"/>
+          <p:cNvSpPr txBox="1"/>
+          <p:nvPr/>
+        </p:nvSpPr>
+        <p:spPr>
+          <a:xfrm>
+            <a:off x="3277028" y="4327036"/>
+            <a:ext cx="306494" cy="369332"/>
+          </a:xfrm>
+          <a:prstGeom prst="rect">
+            <a:avLst/>
+          </a:prstGeom>
+          <a:noFill/>
+        </p:spPr>
+        <p:txBody>
+          <a:bodyPr wrap="none" rtlCol="0">
+            <a:spAutoFit/>
+          </a:bodyPr>
+          <a:lstStyle/>
+          <a:p>
+            <a:r>
+              <a:rPr lang="en-US" dirty="0"/>
+              <a:t>n</a:t>
+            </a:r>
+          </a:p>
+        </p:txBody>
+      </p:sp>
+      <p:sp>
+        <p:nvSpPr>
+          <p:cNvPr id="28" name="TextBox 27"/>
+          <p:cNvSpPr txBox="1"/>
+          <p:nvPr/>
+        </p:nvSpPr>
+        <p:spPr>
+          <a:xfrm>
+            <a:off x="3912038" y="4335046"/>
+            <a:ext cx="644728" cy="369332"/>
+          </a:xfrm>
+          <a:prstGeom prst="rect">
+            <a:avLst/>
+          </a:prstGeom>
+          <a:noFill/>
+        </p:spPr>
+        <p:txBody>
+          <a:bodyPr wrap="none" rtlCol="0">
+            <a:spAutoFit/>
+          </a:bodyPr>
+          <a:lstStyle/>
+          <a:p>
+            <a:r>
+              <a:rPr lang="en-US" dirty="0"/>
+              <a:t>n + 1</a:t>
+            </a:r>
+          </a:p>
+        </p:txBody>
+      </p:sp>
+      <p:sp>
+        <p:nvSpPr>
+          <p:cNvPr id="2" name="TextBox 1"/>
+          <p:cNvSpPr txBox="1"/>
+          <p:nvPr/>
+        </p:nvSpPr>
+        <p:spPr>
+          <a:xfrm>
+            <a:off x="2365133" y="692696"/>
+            <a:ext cx="4104432" cy="1569660"/>
+          </a:xfrm>
+          <a:prstGeom prst="rect">
+            <a:avLst/>
+          </a:prstGeom>
+          <a:noFill/>
+        </p:spPr>
+        <p:txBody>
+          <a:bodyPr wrap="square" rtlCol="0">
+            <a:spAutoFit/>
+          </a:bodyPr>
+          <a:lstStyle/>
+          <a:p>
+            <a:r>
+              <a:rPr lang="en-US" sz="3200" dirty="0"/>
+              <a:t>time – BDW FO</a:t>
+            </a:r>
+          </a:p>
+          <a:p>
+            <a:r>
+              <a:rPr lang="en-US" sz="3200" dirty="0"/>
+              <a:t>SO – CLARK-NICOLSON</a:t>
+            </a:r>
+          </a:p>
+          <a:p>
+            <a:r>
+              <a:rPr lang="en-US" sz="3200" dirty="0"/>
+              <a:t>NL – EXPLICIT SO</a:t>
+            </a:r>
+          </a:p>
+        </p:txBody>
+      </p:sp>
+    </p:spTree>
+    <p:extLst>
+      <p:ext uri="{BB962C8B-B14F-4D97-AF65-F5344CB8AC3E}">
+        <p14:creationId xmlns:p14="http://schemas.microsoft.com/office/powerpoint/2010/main" val="2373186575"/>
+      </p:ext>
+    </p:extLst>
+  </p:cSld>
+  <p:clrMapOvr>
+    <a:masterClrMapping/>
+  </p:clrMapOvr>
+</p:sld>
+</file>
+
+<file path=ppt/slides/slide8.xml><?xml version="1.0" encoding="utf-8"?>
+<p:sld xmlns:a="http://schemas.openxmlformats.org/drawingml/2006/main" xmlns:r="http://schemas.openxmlformats.org/officeDocument/2006/relationships" xmlns:p="http://schemas.openxmlformats.org/presentationml/2006/main">
+  <p:cSld>
+    <p:spTree>
+      <p:nvGrpSpPr>
+        <p:cNvPr id="1" name=""/>
+        <p:cNvGrpSpPr/>
+        <p:nvPr/>
+      </p:nvGrpSpPr>
+      <p:grpSpPr>
+        <a:xfrm>
+          <a:off x="0" y="0"/>
+          <a:ext cx="0" cy="0"/>
+          <a:chOff x="0" y="0"/>
+          <a:chExt cx="0" cy="0"/>
+        </a:xfrm>
+      </p:grpSpPr>
+      <p:sp>
+        <p:nvSpPr>
+          <p:cNvPr id="4" name="Oval 3"/>
+          <p:cNvSpPr/>
+          <p:nvPr/>
+        </p:nvSpPr>
+        <p:spPr>
+          <a:xfrm>
+            <a:off x="2483792" y="2570056"/>
             <a:ext cx="288032" cy="288032"/>
           </a:xfrm>
           <a:prstGeom prst="ellipse">
@@ -7013,19 +8443,21 @@
       </p:sp>
       <p:sp>
         <p:nvSpPr>
-          <p:cNvPr id="22" name="Oval 21"/>
+          <p:cNvPr id="7" name="Oval 6"/>
           <p:cNvSpPr/>
           <p:nvPr/>
         </p:nvSpPr>
         <p:spPr>
           <a:xfrm>
-            <a:off x="4067944" y="3941240"/>
+            <a:off x="2483792" y="3255648"/>
             <a:ext cx="288032" cy="288032"/>
           </a:xfrm>
           <a:prstGeom prst="ellipse">
             <a:avLst/>
           </a:prstGeom>
-          <a:noFill/>
+          <a:solidFill>
+            <a:srgbClr val="00B050"/>
+          </a:solidFill>
           <a:ln>
             <a:solidFill>
               <a:schemeClr val="tx1"/>
@@ -7059,6 +8491,348 @@
       </p:sp>
       <p:sp>
         <p:nvSpPr>
+          <p:cNvPr id="10" name="Oval 9"/>
+          <p:cNvSpPr/>
+          <p:nvPr/>
+        </p:nvSpPr>
+        <p:spPr>
+          <a:xfrm>
+            <a:off x="2483792" y="3941240"/>
+            <a:ext cx="288032" cy="288032"/>
+          </a:xfrm>
+          <a:prstGeom prst="ellipse">
+            <a:avLst/>
+          </a:prstGeom>
+          <a:noFill/>
+          <a:ln>
+            <a:solidFill>
+              <a:schemeClr val="tx1"/>
+            </a:solidFill>
+          </a:ln>
+        </p:spPr>
+        <p:style>
+          <a:lnRef idx="2">
+            <a:schemeClr val="accent1">
+              <a:shade val="50000"/>
+            </a:schemeClr>
+          </a:lnRef>
+          <a:fillRef idx="1">
+            <a:schemeClr val="accent1"/>
+          </a:fillRef>
+          <a:effectRef idx="0">
+            <a:schemeClr val="accent1"/>
+          </a:effectRef>
+          <a:fontRef idx="minor">
+            <a:schemeClr val="lt1"/>
+          </a:fontRef>
+        </p:style>
+        <p:txBody>
+          <a:bodyPr rtlCol="0" anchor="ctr"/>
+          <a:lstStyle/>
+          <a:p>
+            <a:pPr algn="ctr"/>
+            <a:endParaRPr lang="en-US"/>
+          </a:p>
+        </p:txBody>
+      </p:sp>
+      <p:sp>
+        <p:nvSpPr>
+          <p:cNvPr id="16" name="Oval 15"/>
+          <p:cNvSpPr/>
+          <p:nvPr/>
+        </p:nvSpPr>
+        <p:spPr>
+          <a:xfrm>
+            <a:off x="3275868" y="2570056"/>
+            <a:ext cx="288032" cy="288032"/>
+          </a:xfrm>
+          <a:prstGeom prst="ellipse">
+            <a:avLst/>
+          </a:prstGeom>
+          <a:pattFill prst="wdDnDiag">
+            <a:fgClr>
+              <a:srgbClr val="FF0000"/>
+            </a:fgClr>
+            <a:bgClr>
+              <a:schemeClr val="accent1"/>
+            </a:bgClr>
+          </a:pattFill>
+          <a:ln>
+            <a:solidFill>
+              <a:schemeClr val="tx1"/>
+            </a:solidFill>
+          </a:ln>
+        </p:spPr>
+        <p:style>
+          <a:lnRef idx="2">
+            <a:schemeClr val="accent1">
+              <a:shade val="50000"/>
+            </a:schemeClr>
+          </a:lnRef>
+          <a:fillRef idx="1">
+            <a:schemeClr val="accent1"/>
+          </a:fillRef>
+          <a:effectRef idx="0">
+            <a:schemeClr val="accent1"/>
+          </a:effectRef>
+          <a:fontRef idx="minor">
+            <a:schemeClr val="lt1"/>
+          </a:fontRef>
+        </p:style>
+        <p:txBody>
+          <a:bodyPr rtlCol="0" anchor="ctr"/>
+          <a:lstStyle/>
+          <a:p>
+            <a:pPr algn="ctr"/>
+            <a:endParaRPr lang="en-US"/>
+          </a:p>
+        </p:txBody>
+      </p:sp>
+      <p:sp>
+        <p:nvSpPr>
+          <p:cNvPr id="17" name="Oval 16"/>
+          <p:cNvSpPr/>
+          <p:nvPr/>
+        </p:nvSpPr>
+        <p:spPr>
+          <a:xfrm>
+            <a:off x="3275868" y="3255648"/>
+            <a:ext cx="288032" cy="288032"/>
+          </a:xfrm>
+          <a:prstGeom prst="ellipse">
+            <a:avLst/>
+          </a:prstGeom>
+          <a:pattFill prst="wdDnDiag">
+            <a:fgClr>
+              <a:srgbClr val="FF0000"/>
+            </a:fgClr>
+            <a:bgClr>
+              <a:schemeClr val="accent1"/>
+            </a:bgClr>
+          </a:pattFill>
+          <a:ln>
+            <a:solidFill>
+              <a:schemeClr val="tx1"/>
+            </a:solidFill>
+          </a:ln>
+        </p:spPr>
+        <p:style>
+          <a:lnRef idx="2">
+            <a:schemeClr val="accent1">
+              <a:shade val="50000"/>
+            </a:schemeClr>
+          </a:lnRef>
+          <a:fillRef idx="1">
+            <a:schemeClr val="accent1"/>
+          </a:fillRef>
+          <a:effectRef idx="0">
+            <a:schemeClr val="accent1"/>
+          </a:effectRef>
+          <a:fontRef idx="minor">
+            <a:schemeClr val="lt1"/>
+          </a:fontRef>
+        </p:style>
+        <p:txBody>
+          <a:bodyPr rtlCol="0" anchor="ctr"/>
+          <a:lstStyle/>
+          <a:p>
+            <a:pPr algn="ctr"/>
+            <a:endParaRPr lang="en-US"/>
+          </a:p>
+        </p:txBody>
+      </p:sp>
+      <p:sp>
+        <p:nvSpPr>
+          <p:cNvPr id="18" name="Oval 17"/>
+          <p:cNvSpPr/>
+          <p:nvPr/>
+        </p:nvSpPr>
+        <p:spPr>
+          <a:xfrm>
+            <a:off x="3275868" y="3941240"/>
+            <a:ext cx="288032" cy="288032"/>
+          </a:xfrm>
+          <a:prstGeom prst="ellipse">
+            <a:avLst/>
+          </a:prstGeom>
+          <a:solidFill>
+            <a:srgbClr val="0070C0"/>
+          </a:solidFill>
+          <a:ln>
+            <a:solidFill>
+              <a:schemeClr val="tx1"/>
+            </a:solidFill>
+          </a:ln>
+        </p:spPr>
+        <p:style>
+          <a:lnRef idx="2">
+            <a:schemeClr val="accent1">
+              <a:shade val="50000"/>
+            </a:schemeClr>
+          </a:lnRef>
+          <a:fillRef idx="1">
+            <a:schemeClr val="accent1"/>
+          </a:fillRef>
+          <a:effectRef idx="0">
+            <a:schemeClr val="accent1"/>
+          </a:effectRef>
+          <a:fontRef idx="minor">
+            <a:schemeClr val="lt1"/>
+          </a:fontRef>
+        </p:style>
+        <p:txBody>
+          <a:bodyPr rtlCol="0" anchor="ctr"/>
+          <a:lstStyle/>
+          <a:p>
+            <a:pPr algn="ctr"/>
+            <a:endParaRPr lang="en-US"/>
+          </a:p>
+        </p:txBody>
+      </p:sp>
+      <p:sp>
+        <p:nvSpPr>
+          <p:cNvPr id="20" name="Oval 19"/>
+          <p:cNvSpPr/>
+          <p:nvPr/>
+        </p:nvSpPr>
+        <p:spPr>
+          <a:xfrm>
+            <a:off x="4067944" y="2570056"/>
+            <a:ext cx="288032" cy="288032"/>
+          </a:xfrm>
+          <a:prstGeom prst="ellipse">
+            <a:avLst/>
+          </a:prstGeom>
+          <a:solidFill>
+            <a:srgbClr val="FF0000"/>
+          </a:solidFill>
+          <a:ln>
+            <a:solidFill>
+              <a:schemeClr val="tx1"/>
+            </a:solidFill>
+          </a:ln>
+        </p:spPr>
+        <p:style>
+          <a:lnRef idx="2">
+            <a:schemeClr val="accent1">
+              <a:shade val="50000"/>
+            </a:schemeClr>
+          </a:lnRef>
+          <a:fillRef idx="1">
+            <a:schemeClr val="accent1"/>
+          </a:fillRef>
+          <a:effectRef idx="0">
+            <a:schemeClr val="accent1"/>
+          </a:effectRef>
+          <a:fontRef idx="minor">
+            <a:schemeClr val="lt1"/>
+          </a:fontRef>
+        </p:style>
+        <p:txBody>
+          <a:bodyPr rtlCol="0" anchor="ctr"/>
+          <a:lstStyle/>
+          <a:p>
+            <a:pPr algn="ctr"/>
+            <a:endParaRPr lang="en-US"/>
+          </a:p>
+        </p:txBody>
+      </p:sp>
+      <p:sp>
+        <p:nvSpPr>
+          <p:cNvPr id="21" name="Oval 20"/>
+          <p:cNvSpPr/>
+          <p:nvPr/>
+        </p:nvSpPr>
+        <p:spPr>
+          <a:xfrm>
+            <a:off x="4067944" y="3255648"/>
+            <a:ext cx="288032" cy="288032"/>
+          </a:xfrm>
+          <a:prstGeom prst="ellipse">
+            <a:avLst/>
+          </a:prstGeom>
+          <a:solidFill>
+            <a:srgbClr val="00B050"/>
+          </a:solidFill>
+          <a:ln>
+            <a:solidFill>
+              <a:schemeClr val="tx1"/>
+            </a:solidFill>
+          </a:ln>
+        </p:spPr>
+        <p:style>
+          <a:lnRef idx="2">
+            <a:schemeClr val="accent1">
+              <a:shade val="50000"/>
+            </a:schemeClr>
+          </a:lnRef>
+          <a:fillRef idx="1">
+            <a:schemeClr val="accent1"/>
+          </a:fillRef>
+          <a:effectRef idx="0">
+            <a:schemeClr val="accent1"/>
+          </a:effectRef>
+          <a:fontRef idx="minor">
+            <a:schemeClr val="lt1"/>
+          </a:fontRef>
+        </p:style>
+        <p:txBody>
+          <a:bodyPr rtlCol="0" anchor="ctr"/>
+          <a:lstStyle/>
+          <a:p>
+            <a:pPr algn="ctr"/>
+            <a:endParaRPr lang="en-US"/>
+          </a:p>
+        </p:txBody>
+      </p:sp>
+      <p:sp>
+        <p:nvSpPr>
+          <p:cNvPr id="22" name="Oval 21"/>
+          <p:cNvSpPr/>
+          <p:nvPr/>
+        </p:nvSpPr>
+        <p:spPr>
+          <a:xfrm>
+            <a:off x="4067944" y="3941240"/>
+            <a:ext cx="288032" cy="288032"/>
+          </a:xfrm>
+          <a:prstGeom prst="ellipse">
+            <a:avLst/>
+          </a:prstGeom>
+          <a:noFill/>
+          <a:ln>
+            <a:solidFill>
+              <a:schemeClr val="tx1"/>
+            </a:solidFill>
+          </a:ln>
+        </p:spPr>
+        <p:style>
+          <a:lnRef idx="2">
+            <a:schemeClr val="accent1">
+              <a:shade val="50000"/>
+            </a:schemeClr>
+          </a:lnRef>
+          <a:fillRef idx="1">
+            <a:schemeClr val="accent1"/>
+          </a:fillRef>
+          <a:effectRef idx="0">
+            <a:schemeClr val="accent1"/>
+          </a:effectRef>
+          <a:fontRef idx="minor">
+            <a:schemeClr val="lt1"/>
+          </a:fontRef>
+        </p:style>
+        <p:txBody>
+          <a:bodyPr rtlCol="0" anchor="ctr"/>
+          <a:lstStyle/>
+          <a:p>
+            <a:pPr algn="ctr"/>
+            <a:endParaRPr lang="en-US"/>
+          </a:p>
+        </p:txBody>
+      </p:sp>
+      <p:sp>
+        <p:nvSpPr>
           <p:cNvPr id="23" name="TextBox 22"/>
           <p:cNvSpPr txBox="1"/>
           <p:nvPr/>
@@ -7080,10 +8854,9 @@
           <a:lstStyle/>
           <a:p>
             <a:r>
-              <a:rPr lang="en-US" dirty="0" smtClean="0"/>
+              <a:rPr lang="en-US" dirty="0"/>
               <a:t>m-1</a:t>
             </a:r>
-            <a:endParaRPr lang="en-US" dirty="0"/>
           </a:p>
         </p:txBody>
       </p:sp>
@@ -7110,10 +8883,9 @@
           <a:lstStyle/>
           <a:p>
             <a:r>
-              <a:rPr lang="en-US" dirty="0" smtClean="0"/>
+              <a:rPr lang="en-US" dirty="0"/>
               <a:t>m</a:t>
             </a:r>
-            <a:endParaRPr lang="en-US" dirty="0"/>
           </a:p>
         </p:txBody>
       </p:sp>
@@ -7140,10 +8912,9 @@
           <a:lstStyle/>
           <a:p>
             <a:r>
-              <a:rPr lang="en-US" dirty="0" smtClean="0"/>
+              <a:rPr lang="en-US" dirty="0"/>
               <a:t>m+1</a:t>
             </a:r>
-            <a:endParaRPr lang="en-US" dirty="0"/>
           </a:p>
         </p:txBody>
       </p:sp>
@@ -7170,10 +8941,9 @@
           <a:lstStyle/>
           <a:p>
             <a:r>
-              <a:rPr lang="en-US" dirty="0" smtClean="0"/>
+              <a:rPr lang="en-US" dirty="0"/>
               <a:t>n - 1</a:t>
             </a:r>
-            <a:endParaRPr lang="en-US" dirty="0"/>
           </a:p>
         </p:txBody>
       </p:sp>
@@ -7200,10 +8970,9 @@
           <a:lstStyle/>
           <a:p>
             <a:r>
-              <a:rPr lang="en-US" dirty="0" smtClean="0"/>
+              <a:rPr lang="en-US" dirty="0"/>
               <a:t>n</a:t>
             </a:r>
-            <a:endParaRPr lang="en-US" dirty="0"/>
           </a:p>
         </p:txBody>
       </p:sp>
@@ -7230,10 +8999,9 @@
           <a:lstStyle/>
           <a:p>
             <a:r>
-              <a:rPr lang="en-US" dirty="0" smtClean="0"/>
+              <a:rPr lang="en-US" dirty="0"/>
               <a:t>n + 1</a:t>
             </a:r>
-            <a:endParaRPr lang="en-US" dirty="0"/>
           </a:p>
         </p:txBody>
       </p:sp>
@@ -7260,26 +9028,712 @@
           <a:lstStyle/>
           <a:p>
             <a:r>
-              <a:rPr lang="en-US" sz="3200" dirty="0" smtClean="0"/>
+              <a:rPr lang="en-US" sz="3200" dirty="0"/>
+              <a:t>time – BDF2 FO</a:t>
+            </a:r>
+          </a:p>
+          <a:p>
+            <a:r>
+              <a:rPr lang="en-US" sz="3200" dirty="0"/>
+              <a:t>SO – IMPLICIT</a:t>
+            </a:r>
+          </a:p>
+          <a:p>
+            <a:r>
+              <a:rPr lang="en-US" sz="3200" dirty="0"/>
+              <a:t>NL – EXPLICIT SO</a:t>
+            </a:r>
+          </a:p>
+        </p:txBody>
+      </p:sp>
+    </p:spTree>
+    <p:extLst>
+      <p:ext uri="{BB962C8B-B14F-4D97-AF65-F5344CB8AC3E}">
+        <p14:creationId xmlns:p14="http://schemas.microsoft.com/office/powerpoint/2010/main" val="897661647"/>
+      </p:ext>
+    </p:extLst>
+  </p:cSld>
+  <p:clrMapOvr>
+    <a:masterClrMapping/>
+  </p:clrMapOvr>
+</p:sld>
+</file>
+
+<file path=ppt/slides/slide9.xml><?xml version="1.0" encoding="utf-8"?>
+<p:sld xmlns:a="http://schemas.openxmlformats.org/drawingml/2006/main" xmlns:r="http://schemas.openxmlformats.org/officeDocument/2006/relationships" xmlns:p="http://schemas.openxmlformats.org/presentationml/2006/main">
+  <p:cSld>
+    <p:spTree>
+      <p:nvGrpSpPr>
+        <p:cNvPr id="1" name=""/>
+        <p:cNvGrpSpPr/>
+        <p:nvPr/>
+      </p:nvGrpSpPr>
+      <p:grpSpPr>
+        <a:xfrm>
+          <a:off x="0" y="0"/>
+          <a:ext cx="0" cy="0"/>
+          <a:chOff x="0" y="0"/>
+          <a:chExt cx="0" cy="0"/>
+        </a:xfrm>
+      </p:grpSpPr>
+      <p:sp>
+        <p:nvSpPr>
+          <p:cNvPr id="4" name="Oval 3"/>
+          <p:cNvSpPr/>
+          <p:nvPr/>
+        </p:nvSpPr>
+        <p:spPr>
+          <a:xfrm>
+            <a:off x="2483792" y="2570056"/>
+            <a:ext cx="288032" cy="288032"/>
+          </a:xfrm>
+          <a:prstGeom prst="ellipse">
+            <a:avLst/>
+          </a:prstGeom>
+          <a:pattFill prst="wdDnDiag">
+            <a:fgClr>
+              <a:srgbClr val="FF0000"/>
+            </a:fgClr>
+            <a:bgClr>
+              <a:srgbClr val="00B050"/>
+            </a:bgClr>
+          </a:pattFill>
+          <a:ln>
+            <a:solidFill>
+              <a:schemeClr val="tx1"/>
+            </a:solidFill>
+          </a:ln>
+        </p:spPr>
+        <p:style>
+          <a:lnRef idx="2">
+            <a:schemeClr val="accent1">
+              <a:shade val="50000"/>
+            </a:schemeClr>
+          </a:lnRef>
+          <a:fillRef idx="1">
+            <a:schemeClr val="accent1"/>
+          </a:fillRef>
+          <a:effectRef idx="0">
+            <a:schemeClr val="accent1"/>
+          </a:effectRef>
+          <a:fontRef idx="minor">
+            <a:schemeClr val="lt1"/>
+          </a:fontRef>
+        </p:style>
+        <p:txBody>
+          <a:bodyPr rtlCol="0" anchor="ctr"/>
+          <a:lstStyle/>
+          <a:p>
+            <a:pPr algn="ctr"/>
+            <a:endParaRPr lang="en-US"/>
+          </a:p>
+        </p:txBody>
+      </p:sp>
+      <p:sp>
+        <p:nvSpPr>
+          <p:cNvPr id="7" name="Oval 6"/>
+          <p:cNvSpPr/>
+          <p:nvPr/>
+        </p:nvSpPr>
+        <p:spPr>
+          <a:xfrm>
+            <a:off x="2483792" y="3255648"/>
+            <a:ext cx="288032" cy="288032"/>
+          </a:xfrm>
+          <a:prstGeom prst="ellipse">
+            <a:avLst/>
+          </a:prstGeom>
+          <a:solidFill>
+            <a:srgbClr val="FF0000"/>
+          </a:solidFill>
+          <a:ln>
+            <a:solidFill>
+              <a:schemeClr val="tx1"/>
+            </a:solidFill>
+          </a:ln>
+        </p:spPr>
+        <p:style>
+          <a:lnRef idx="2">
+            <a:schemeClr val="accent1">
+              <a:shade val="50000"/>
+            </a:schemeClr>
+          </a:lnRef>
+          <a:fillRef idx="1">
+            <a:schemeClr val="accent1"/>
+          </a:fillRef>
+          <a:effectRef idx="0">
+            <a:schemeClr val="accent1"/>
+          </a:effectRef>
+          <a:fontRef idx="minor">
+            <a:schemeClr val="lt1"/>
+          </a:fontRef>
+        </p:style>
+        <p:txBody>
+          <a:bodyPr rtlCol="0" anchor="ctr"/>
+          <a:lstStyle/>
+          <a:p>
+            <a:pPr algn="ctr"/>
+            <a:endParaRPr lang="en-US"/>
+          </a:p>
+        </p:txBody>
+      </p:sp>
+      <p:sp>
+        <p:nvSpPr>
+          <p:cNvPr id="10" name="Oval 9"/>
+          <p:cNvSpPr/>
+          <p:nvPr/>
+        </p:nvSpPr>
+        <p:spPr>
+          <a:xfrm>
+            <a:off x="2483792" y="3941240"/>
+            <a:ext cx="288032" cy="288032"/>
+          </a:xfrm>
+          <a:prstGeom prst="ellipse">
+            <a:avLst/>
+          </a:prstGeom>
+          <a:noFill/>
+          <a:ln>
+            <a:solidFill>
+              <a:schemeClr val="tx1"/>
+            </a:solidFill>
+          </a:ln>
+        </p:spPr>
+        <p:style>
+          <a:lnRef idx="2">
+            <a:schemeClr val="accent1">
+              <a:shade val="50000"/>
+            </a:schemeClr>
+          </a:lnRef>
+          <a:fillRef idx="1">
+            <a:schemeClr val="accent1"/>
+          </a:fillRef>
+          <a:effectRef idx="0">
+            <a:schemeClr val="accent1"/>
+          </a:effectRef>
+          <a:fontRef idx="minor">
+            <a:schemeClr val="lt1"/>
+          </a:fontRef>
+        </p:style>
+        <p:txBody>
+          <a:bodyPr rtlCol="0" anchor="ctr"/>
+          <a:lstStyle/>
+          <a:p>
+            <a:pPr algn="ctr"/>
+            <a:endParaRPr lang="en-US"/>
+          </a:p>
+        </p:txBody>
+      </p:sp>
+      <p:sp>
+        <p:nvSpPr>
+          <p:cNvPr id="16" name="Oval 15"/>
+          <p:cNvSpPr/>
+          <p:nvPr/>
+        </p:nvSpPr>
+        <p:spPr>
+          <a:xfrm>
+            <a:off x="3275868" y="2570056"/>
+            <a:ext cx="288032" cy="288032"/>
+          </a:xfrm>
+          <a:prstGeom prst="ellipse">
+            <a:avLst/>
+          </a:prstGeom>
+          <a:pattFill prst="wdDnDiag">
+            <a:fgClr>
+              <a:srgbClr val="FF0000"/>
+            </a:fgClr>
+            <a:bgClr>
+              <a:schemeClr val="accent1"/>
+            </a:bgClr>
+          </a:pattFill>
+          <a:ln>
+            <a:solidFill>
+              <a:schemeClr val="tx1"/>
+            </a:solidFill>
+          </a:ln>
+        </p:spPr>
+        <p:style>
+          <a:lnRef idx="2">
+            <a:schemeClr val="accent1">
+              <a:shade val="50000"/>
+            </a:schemeClr>
+          </a:lnRef>
+          <a:fillRef idx="1">
+            <a:schemeClr val="accent1"/>
+          </a:fillRef>
+          <a:effectRef idx="0">
+            <a:schemeClr val="accent1"/>
+          </a:effectRef>
+          <a:fontRef idx="minor">
+            <a:schemeClr val="lt1"/>
+          </a:fontRef>
+        </p:style>
+        <p:txBody>
+          <a:bodyPr rtlCol="0" anchor="ctr"/>
+          <a:lstStyle/>
+          <a:p>
+            <a:pPr algn="ctr"/>
+            <a:endParaRPr lang="en-US"/>
+          </a:p>
+        </p:txBody>
+      </p:sp>
+      <p:sp>
+        <p:nvSpPr>
+          <p:cNvPr id="17" name="Oval 16"/>
+          <p:cNvSpPr/>
+          <p:nvPr/>
+        </p:nvSpPr>
+        <p:spPr>
+          <a:xfrm>
+            <a:off x="3275868" y="3255648"/>
+            <a:ext cx="288032" cy="288032"/>
+          </a:xfrm>
+          <a:prstGeom prst="ellipse">
+            <a:avLst/>
+          </a:prstGeom>
+          <a:pattFill prst="wdDnDiag">
+            <a:fgClr>
+              <a:srgbClr val="FF0000"/>
+            </a:fgClr>
+            <a:bgClr>
+              <a:schemeClr val="accent1"/>
+            </a:bgClr>
+          </a:pattFill>
+          <a:ln>
+            <a:solidFill>
+              <a:schemeClr val="tx1"/>
+            </a:solidFill>
+          </a:ln>
+        </p:spPr>
+        <p:style>
+          <a:lnRef idx="2">
+            <a:schemeClr val="accent1">
+              <a:shade val="50000"/>
+            </a:schemeClr>
+          </a:lnRef>
+          <a:fillRef idx="1">
+            <a:schemeClr val="accent1"/>
+          </a:fillRef>
+          <a:effectRef idx="0">
+            <a:schemeClr val="accent1"/>
+          </a:effectRef>
+          <a:fontRef idx="minor">
+            <a:schemeClr val="lt1"/>
+          </a:fontRef>
+        </p:style>
+        <p:txBody>
+          <a:bodyPr rtlCol="0" anchor="ctr"/>
+          <a:lstStyle/>
+          <a:p>
+            <a:pPr algn="ctr"/>
+            <a:endParaRPr lang="en-US"/>
+          </a:p>
+        </p:txBody>
+      </p:sp>
+      <p:sp>
+        <p:nvSpPr>
+          <p:cNvPr id="18" name="Oval 17"/>
+          <p:cNvSpPr/>
+          <p:nvPr/>
+        </p:nvSpPr>
+        <p:spPr>
+          <a:xfrm>
+            <a:off x="3275868" y="3941240"/>
+            <a:ext cx="288032" cy="288032"/>
+          </a:xfrm>
+          <a:prstGeom prst="ellipse">
+            <a:avLst/>
+          </a:prstGeom>
+          <a:noFill/>
+          <a:ln>
+            <a:solidFill>
+              <a:schemeClr val="tx1"/>
+            </a:solidFill>
+          </a:ln>
+        </p:spPr>
+        <p:style>
+          <a:lnRef idx="2">
+            <a:schemeClr val="accent1">
+              <a:shade val="50000"/>
+            </a:schemeClr>
+          </a:lnRef>
+          <a:fillRef idx="1">
+            <a:schemeClr val="accent1"/>
+          </a:fillRef>
+          <a:effectRef idx="0">
+            <a:schemeClr val="accent1"/>
+          </a:effectRef>
+          <a:fontRef idx="minor">
+            <a:schemeClr val="lt1"/>
+          </a:fontRef>
+        </p:style>
+        <p:txBody>
+          <a:bodyPr rtlCol="0" anchor="ctr"/>
+          <a:lstStyle/>
+          <a:p>
+            <a:pPr algn="ctr"/>
+            <a:endParaRPr lang="en-US"/>
+          </a:p>
+        </p:txBody>
+      </p:sp>
+      <p:sp>
+        <p:nvSpPr>
+          <p:cNvPr id="20" name="Oval 19"/>
+          <p:cNvSpPr/>
+          <p:nvPr/>
+        </p:nvSpPr>
+        <p:spPr>
+          <a:xfrm>
+            <a:off x="4067944" y="2570056"/>
+            <a:ext cx="288032" cy="288032"/>
+          </a:xfrm>
+          <a:prstGeom prst="ellipse">
+            <a:avLst/>
+          </a:prstGeom>
+          <a:pattFill prst="wdDnDiag">
+            <a:fgClr>
+              <a:srgbClr val="FF0000"/>
+            </a:fgClr>
+            <a:bgClr>
+              <a:srgbClr val="00B050"/>
+            </a:bgClr>
+          </a:pattFill>
+          <a:ln>
+            <a:solidFill>
+              <a:schemeClr val="tx1"/>
+            </a:solidFill>
+          </a:ln>
+        </p:spPr>
+        <p:style>
+          <a:lnRef idx="2">
+            <a:schemeClr val="accent1">
+              <a:shade val="50000"/>
+            </a:schemeClr>
+          </a:lnRef>
+          <a:fillRef idx="1">
+            <a:schemeClr val="accent1"/>
+          </a:fillRef>
+          <a:effectRef idx="0">
+            <a:schemeClr val="accent1"/>
+          </a:effectRef>
+          <a:fontRef idx="minor">
+            <a:schemeClr val="lt1"/>
+          </a:fontRef>
+        </p:style>
+        <p:txBody>
+          <a:bodyPr rtlCol="0" anchor="ctr"/>
+          <a:lstStyle/>
+          <a:p>
+            <a:pPr algn="ctr"/>
+            <a:endParaRPr lang="en-US"/>
+          </a:p>
+        </p:txBody>
+      </p:sp>
+      <p:sp>
+        <p:nvSpPr>
+          <p:cNvPr id="21" name="Oval 20"/>
+          <p:cNvSpPr/>
+          <p:nvPr/>
+        </p:nvSpPr>
+        <p:spPr>
+          <a:xfrm>
+            <a:off x="4067944" y="3255648"/>
+            <a:ext cx="288032" cy="288032"/>
+          </a:xfrm>
+          <a:prstGeom prst="ellipse">
+            <a:avLst/>
+          </a:prstGeom>
+          <a:solidFill>
+            <a:srgbClr val="FF0000"/>
+          </a:solidFill>
+          <a:ln>
+            <a:solidFill>
+              <a:schemeClr val="tx1"/>
+            </a:solidFill>
+          </a:ln>
+        </p:spPr>
+        <p:style>
+          <a:lnRef idx="2">
+            <a:schemeClr val="accent1">
+              <a:shade val="50000"/>
+            </a:schemeClr>
+          </a:lnRef>
+          <a:fillRef idx="1">
+            <a:schemeClr val="accent1"/>
+          </a:fillRef>
+          <a:effectRef idx="0">
+            <a:schemeClr val="accent1"/>
+          </a:effectRef>
+          <a:fontRef idx="minor">
+            <a:schemeClr val="lt1"/>
+          </a:fontRef>
+        </p:style>
+        <p:txBody>
+          <a:bodyPr rtlCol="0" anchor="ctr"/>
+          <a:lstStyle/>
+          <a:p>
+            <a:pPr algn="ctr"/>
+            <a:endParaRPr lang="en-US"/>
+          </a:p>
+        </p:txBody>
+      </p:sp>
+      <p:sp>
+        <p:nvSpPr>
+          <p:cNvPr id="22" name="Oval 21"/>
+          <p:cNvSpPr/>
+          <p:nvPr/>
+        </p:nvSpPr>
+        <p:spPr>
+          <a:xfrm>
+            <a:off x="4067944" y="3941240"/>
+            <a:ext cx="288032" cy="288032"/>
+          </a:xfrm>
+          <a:prstGeom prst="ellipse">
+            <a:avLst/>
+          </a:prstGeom>
+          <a:noFill/>
+          <a:ln>
+            <a:solidFill>
+              <a:schemeClr val="tx1"/>
+            </a:solidFill>
+          </a:ln>
+        </p:spPr>
+        <p:style>
+          <a:lnRef idx="2">
+            <a:schemeClr val="accent1">
+              <a:shade val="50000"/>
+            </a:schemeClr>
+          </a:lnRef>
+          <a:fillRef idx="1">
+            <a:schemeClr val="accent1"/>
+          </a:fillRef>
+          <a:effectRef idx="0">
+            <a:schemeClr val="accent1"/>
+          </a:effectRef>
+          <a:fontRef idx="minor">
+            <a:schemeClr val="lt1"/>
+          </a:fontRef>
+        </p:style>
+        <p:txBody>
+          <a:bodyPr rtlCol="0" anchor="ctr"/>
+          <a:lstStyle/>
+          <a:p>
+            <a:pPr algn="ctr"/>
+            <a:endParaRPr lang="en-US"/>
+          </a:p>
+        </p:txBody>
+      </p:sp>
+      <p:sp>
+        <p:nvSpPr>
+          <p:cNvPr id="23" name="TextBox 22"/>
+          <p:cNvSpPr txBox="1"/>
+          <p:nvPr/>
+        </p:nvSpPr>
+        <p:spPr>
+          <a:xfrm>
+            <a:off x="1763688" y="3941240"/>
+            <a:ext cx="569387" cy="369332"/>
+          </a:xfrm>
+          <a:prstGeom prst="rect">
+            <a:avLst/>
+          </a:prstGeom>
+          <a:noFill/>
+        </p:spPr>
+        <p:txBody>
+          <a:bodyPr wrap="none" rtlCol="0">
+            <a:spAutoFit/>
+          </a:bodyPr>
+          <a:lstStyle/>
+          <a:p>
+            <a:r>
+              <a:rPr lang="en-US" dirty="0"/>
+              <a:t>m-1</a:t>
+            </a:r>
+          </a:p>
+        </p:txBody>
+      </p:sp>
+      <p:sp>
+        <p:nvSpPr>
+          <p:cNvPr id="24" name="TextBox 23"/>
+          <p:cNvSpPr txBox="1"/>
+          <p:nvPr/>
+        </p:nvSpPr>
+        <p:spPr>
+          <a:xfrm>
+            <a:off x="1763687" y="3214998"/>
+            <a:ext cx="369012" cy="369332"/>
+          </a:xfrm>
+          <a:prstGeom prst="rect">
+            <a:avLst/>
+          </a:prstGeom>
+          <a:noFill/>
+        </p:spPr>
+        <p:txBody>
+          <a:bodyPr wrap="none" rtlCol="0">
+            <a:spAutoFit/>
+          </a:bodyPr>
+          <a:lstStyle/>
+          <a:p>
+            <a:r>
+              <a:rPr lang="en-US" dirty="0"/>
+              <a:t>m</a:t>
+            </a:r>
+          </a:p>
+        </p:txBody>
+      </p:sp>
+      <p:sp>
+        <p:nvSpPr>
+          <p:cNvPr id="25" name="TextBox 24"/>
+          <p:cNvSpPr txBox="1"/>
+          <p:nvPr/>
+        </p:nvSpPr>
+        <p:spPr>
+          <a:xfrm>
+            <a:off x="1763686" y="2529406"/>
+            <a:ext cx="601447" cy="369332"/>
+          </a:xfrm>
+          <a:prstGeom prst="rect">
+            <a:avLst/>
+          </a:prstGeom>
+          <a:noFill/>
+        </p:spPr>
+        <p:txBody>
+          <a:bodyPr wrap="none" rtlCol="0">
+            <a:spAutoFit/>
+          </a:bodyPr>
+          <a:lstStyle/>
+          <a:p>
+            <a:r>
+              <a:rPr lang="en-US" dirty="0"/>
+              <a:t>m+1</a:t>
+            </a:r>
+          </a:p>
+        </p:txBody>
+      </p:sp>
+      <p:sp>
+        <p:nvSpPr>
+          <p:cNvPr id="26" name="TextBox 25"/>
+          <p:cNvSpPr txBox="1"/>
+          <p:nvPr/>
+        </p:nvSpPr>
+        <p:spPr>
+          <a:xfrm>
+            <a:off x="2365133" y="4335046"/>
+            <a:ext cx="599844" cy="369332"/>
+          </a:xfrm>
+          <a:prstGeom prst="rect">
+            <a:avLst/>
+          </a:prstGeom>
+          <a:noFill/>
+        </p:spPr>
+        <p:txBody>
+          <a:bodyPr wrap="none" rtlCol="0">
+            <a:spAutoFit/>
+          </a:bodyPr>
+          <a:lstStyle/>
+          <a:p>
+            <a:r>
+              <a:rPr lang="en-US" dirty="0"/>
+              <a:t>n - 1</a:t>
+            </a:r>
+          </a:p>
+        </p:txBody>
+      </p:sp>
+      <p:sp>
+        <p:nvSpPr>
+          <p:cNvPr id="27" name="TextBox 26"/>
+          <p:cNvSpPr txBox="1"/>
+          <p:nvPr/>
+        </p:nvSpPr>
+        <p:spPr>
+          <a:xfrm>
+            <a:off x="3277028" y="4327036"/>
+            <a:ext cx="306494" cy="369332"/>
+          </a:xfrm>
+          <a:prstGeom prst="rect">
+            <a:avLst/>
+          </a:prstGeom>
+          <a:noFill/>
+        </p:spPr>
+        <p:txBody>
+          <a:bodyPr wrap="none" rtlCol="0">
+            <a:spAutoFit/>
+          </a:bodyPr>
+          <a:lstStyle/>
+          <a:p>
+            <a:r>
+              <a:rPr lang="en-US" dirty="0"/>
+              <a:t>n</a:t>
+            </a:r>
+          </a:p>
+        </p:txBody>
+      </p:sp>
+      <p:sp>
+        <p:nvSpPr>
+          <p:cNvPr id="28" name="TextBox 27"/>
+          <p:cNvSpPr txBox="1"/>
+          <p:nvPr/>
+        </p:nvSpPr>
+        <p:spPr>
+          <a:xfrm>
+            <a:off x="3912038" y="4335046"/>
+            <a:ext cx="644728" cy="369332"/>
+          </a:xfrm>
+          <a:prstGeom prst="rect">
+            <a:avLst/>
+          </a:prstGeom>
+          <a:noFill/>
+        </p:spPr>
+        <p:txBody>
+          <a:bodyPr wrap="none" rtlCol="0">
+            <a:spAutoFit/>
+          </a:bodyPr>
+          <a:lstStyle/>
+          <a:p>
+            <a:r>
+              <a:rPr lang="en-US" dirty="0"/>
+              <a:t>n + 1</a:t>
+            </a:r>
+          </a:p>
+        </p:txBody>
+      </p:sp>
+      <p:sp>
+        <p:nvSpPr>
+          <p:cNvPr id="2" name="TextBox 1"/>
+          <p:cNvSpPr txBox="1"/>
+          <p:nvPr/>
+        </p:nvSpPr>
+        <p:spPr>
+          <a:xfrm>
+            <a:off x="2365133" y="692696"/>
+            <a:ext cx="4104432" cy="1569660"/>
+          </a:xfrm>
+          <a:prstGeom prst="rect">
+            <a:avLst/>
+          </a:prstGeom>
+          <a:noFill/>
+        </p:spPr>
+        <p:txBody>
+          <a:bodyPr wrap="square" rtlCol="0">
+            <a:spAutoFit/>
+          </a:bodyPr>
+          <a:lstStyle/>
+          <a:p>
+            <a:r>
+              <a:rPr lang="en-US" sz="3200" dirty="0"/>
               <a:t>time – BDW FO</a:t>
             </a:r>
           </a:p>
           <a:p>
             <a:r>
-              <a:rPr lang="en-US" sz="3200" dirty="0" smtClean="0"/>
+              <a:rPr lang="en-US" sz="3200" dirty="0"/>
               <a:t>SO – CLARK-NICOLSON</a:t>
             </a:r>
           </a:p>
           <a:p>
             <a:r>
-              <a:rPr lang="en-US" sz="3200" dirty="0" smtClean="0"/>
-              <a:t>NL – </a:t>
-            </a:r>
-            <a:r>
-              <a:rPr lang="en-US" sz="3200" dirty="0" smtClean="0"/>
-              <a:t>IMPLICIT SO</a:t>
-            </a:r>
-            <a:endParaRPr lang="en-US" sz="3200" dirty="0"/>
+              <a:rPr lang="en-US" sz="3200" dirty="0"/>
+              <a:t>NL – IMPLICIT SO</a:t>
+            </a:r>
           </a:p>
         </p:txBody>
       </p:sp>
